--- a/dropGen/iccpPoster/iccpPoster.pptx
+++ b/dropGen/iccpPoster/iccpPoster.pptx
@@ -1025,6 +1025,13 @@
         </dgm:presLayoutVars>
       </dgm:prSet>
       <dgm:spPr/>
+      <dgm:t>
+        <a:bodyPr/>
+        <a:lstStyle/>
+        <a:p>
+          <a:endParaRPr lang="en-US"/>
+        </a:p>
+      </dgm:t>
     </dgm:pt>
     <dgm:pt modelId="{E94B87FE-3FD8-BF45-87BA-71587217E615}" type="pres">
       <dgm:prSet presAssocID="{56BAB5B5-CD9E-5D46-9BFA-157573BAA074}" presName="singleCycle" presStyleCnt="0"/>
@@ -1038,10 +1045,24 @@
         </dgm:presLayoutVars>
       </dgm:prSet>
       <dgm:spPr/>
+      <dgm:t>
+        <a:bodyPr/>
+        <a:lstStyle/>
+        <a:p>
+          <a:endParaRPr lang="en-US"/>
+        </a:p>
+      </dgm:t>
     </dgm:pt>
     <dgm:pt modelId="{0CA4C303-DE56-C048-BEDC-80C8EA07696F}" type="pres">
       <dgm:prSet presAssocID="{F810EA86-0C07-3B45-99EB-1D626883B3CB}" presName="Name56" presStyleLbl="parChTrans1D2" presStyleIdx="0" presStyleCnt="3"/>
       <dgm:spPr/>
+      <dgm:t>
+        <a:bodyPr/>
+        <a:lstStyle/>
+        <a:p>
+          <a:endParaRPr lang="en-US"/>
+        </a:p>
+      </dgm:t>
     </dgm:pt>
     <dgm:pt modelId="{726D2847-1D85-BF4D-A5A2-712EB374CC7A}" type="pres">
       <dgm:prSet presAssocID="{FF340915-04E7-D64D-A565-9B91D71CADE2}" presName="text0" presStyleLbl="node1" presStyleIdx="1" presStyleCnt="4">
@@ -1050,10 +1071,24 @@
         </dgm:presLayoutVars>
       </dgm:prSet>
       <dgm:spPr/>
+      <dgm:t>
+        <a:bodyPr/>
+        <a:lstStyle/>
+        <a:p>
+          <a:endParaRPr lang="en-US"/>
+        </a:p>
+      </dgm:t>
     </dgm:pt>
     <dgm:pt modelId="{C117C597-918A-8645-B82D-98BED97E2A9F}" type="pres">
       <dgm:prSet presAssocID="{CB988AB1-72AE-B041-8AD2-BCC369EEA517}" presName="Name56" presStyleLbl="parChTrans1D2" presStyleIdx="1" presStyleCnt="3"/>
       <dgm:spPr/>
+      <dgm:t>
+        <a:bodyPr/>
+        <a:lstStyle/>
+        <a:p>
+          <a:endParaRPr lang="en-US"/>
+        </a:p>
+      </dgm:t>
     </dgm:pt>
     <dgm:pt modelId="{FA019657-FEA2-0B4D-983A-495D5DBBE68C}" type="pres">
       <dgm:prSet presAssocID="{E4D2A9D5-75CD-E84B-9A78-F3043FE671BA}" presName="text0" presStyleLbl="node1" presStyleIdx="2" presStyleCnt="4">
@@ -1062,10 +1097,24 @@
         </dgm:presLayoutVars>
       </dgm:prSet>
       <dgm:spPr/>
+      <dgm:t>
+        <a:bodyPr/>
+        <a:lstStyle/>
+        <a:p>
+          <a:endParaRPr lang="en-US"/>
+        </a:p>
+      </dgm:t>
     </dgm:pt>
     <dgm:pt modelId="{76E79911-3409-5741-954E-49DB62E97D15}" type="pres">
       <dgm:prSet presAssocID="{5BB47407-4759-734C-B8E9-53A9885CDE2B}" presName="Name56" presStyleLbl="parChTrans1D2" presStyleIdx="2" presStyleCnt="3"/>
       <dgm:spPr/>
+      <dgm:t>
+        <a:bodyPr/>
+        <a:lstStyle/>
+        <a:p>
+          <a:endParaRPr lang="en-US"/>
+        </a:p>
+      </dgm:t>
     </dgm:pt>
     <dgm:pt modelId="{C65AC7ED-68FD-644D-8E22-D5712E61F692}" type="pres">
       <dgm:prSet presAssocID="{D4676A9D-C964-A74F-9719-DC5BB35693C2}" presName="text0" presStyleLbl="node1" presStyleIdx="3" presStyleCnt="4">
@@ -1074,6 +1123,13 @@
         </dgm:presLayoutVars>
       </dgm:prSet>
       <dgm:spPr/>
+      <dgm:t>
+        <a:bodyPr/>
+        <a:lstStyle/>
+        <a:p>
+          <a:endParaRPr lang="en-US"/>
+        </a:p>
+      </dgm:t>
     </dgm:pt>
   </dgm:ptLst>
   <dgm:cxnLst>
@@ -1081,10 +1137,10 @@
     <dgm:cxn modelId="{160AE7BC-13D3-D84B-A3D3-2DF8F8002D21}" type="presOf" srcId="{56BAB5B5-CD9E-5D46-9BFA-157573BAA074}" destId="{CEE95CAE-170B-3949-A300-789F3674FCAC}" srcOrd="0" destOrd="0" presId="urn:microsoft.com/office/officeart/2008/layout/RadialCluster"/>
     <dgm:cxn modelId="{931A4B69-A9B0-7E4B-99C4-C3C2F9D96860}" type="presOf" srcId="{E4D2A9D5-75CD-E84B-9A78-F3043FE671BA}" destId="{FA019657-FEA2-0B4D-983A-495D5DBBE68C}" srcOrd="0" destOrd="0" presId="urn:microsoft.com/office/officeart/2008/layout/RadialCluster"/>
     <dgm:cxn modelId="{AF36036E-8B47-3642-BFD7-5B8521DC9362}" type="presOf" srcId="{D4676A9D-C964-A74F-9719-DC5BB35693C2}" destId="{C65AC7ED-68FD-644D-8E22-D5712E61F692}" srcOrd="0" destOrd="0" presId="urn:microsoft.com/office/officeart/2008/layout/RadialCluster"/>
+    <dgm:cxn modelId="{27ECA758-ED41-8148-A188-4FCCCA3961F4}" type="presOf" srcId="{5BB47407-4759-734C-B8E9-53A9885CDE2B}" destId="{76E79911-3409-5741-954E-49DB62E97D15}" srcOrd="0" destOrd="0" presId="urn:microsoft.com/office/officeart/2008/layout/RadialCluster"/>
     <dgm:cxn modelId="{EB886C54-CC2C-624D-BD63-2AB29BB93496}" type="presOf" srcId="{FF340915-04E7-D64D-A565-9B91D71CADE2}" destId="{726D2847-1D85-BF4D-A5A2-712EB374CC7A}" srcOrd="0" destOrd="0" presId="urn:microsoft.com/office/officeart/2008/layout/RadialCluster"/>
-    <dgm:cxn modelId="{27ECA758-ED41-8148-A188-4FCCCA3961F4}" type="presOf" srcId="{5BB47407-4759-734C-B8E9-53A9885CDE2B}" destId="{76E79911-3409-5741-954E-49DB62E97D15}" srcOrd="0" destOrd="0" presId="urn:microsoft.com/office/officeart/2008/layout/RadialCluster"/>
+    <dgm:cxn modelId="{D3DAE326-BF61-2148-AB3F-D45487B74F80}" type="presOf" srcId="{D18BAE38-CA47-3647-835D-3E3AF417737B}" destId="{257CB8DE-E3FF-434B-BFBC-F05B5BFE8087}" srcOrd="0" destOrd="0" presId="urn:microsoft.com/office/officeart/2008/layout/RadialCluster"/>
     <dgm:cxn modelId="{35207D75-B750-1948-89A4-D29F931C417A}" type="presOf" srcId="{CB988AB1-72AE-B041-8AD2-BCC369EEA517}" destId="{C117C597-918A-8645-B82D-98BED97E2A9F}" srcOrd="0" destOrd="0" presId="urn:microsoft.com/office/officeart/2008/layout/RadialCluster"/>
-    <dgm:cxn modelId="{D3DAE326-BF61-2148-AB3F-D45487B74F80}" type="presOf" srcId="{D18BAE38-CA47-3647-835D-3E3AF417737B}" destId="{257CB8DE-E3FF-434B-BFBC-F05B5BFE8087}" srcOrd="0" destOrd="0" presId="urn:microsoft.com/office/officeart/2008/layout/RadialCluster"/>
     <dgm:cxn modelId="{D28BC4FF-FF9B-674F-ABF8-A3CCB920D83E}" srcId="{56BAB5B5-CD9E-5D46-9BFA-157573BAA074}" destId="{D4676A9D-C964-A74F-9719-DC5BB35693C2}" srcOrd="2" destOrd="0" parTransId="{5BB47407-4759-734C-B8E9-53A9885CDE2B}" sibTransId="{85EC17B3-77A0-9942-85DC-1D51F11D0684}"/>
     <dgm:cxn modelId="{600B276B-AE23-4A48-834B-49EF80351B44}" srcId="{56BAB5B5-CD9E-5D46-9BFA-157573BAA074}" destId="{FF340915-04E7-D64D-A565-9B91D71CADE2}" srcOrd="0" destOrd="0" parTransId="{F810EA86-0C07-3B45-99EB-1D626883B3CB}" sibTransId="{DF22F382-EDC4-D34C-A428-784B0B1F764D}"/>
     <dgm:cxn modelId="{C1FC74F1-5851-3D45-959F-543A08BFC2B7}" srcId="{56BAB5B5-CD9E-5D46-9BFA-157573BAA074}" destId="{E4D2A9D5-75CD-E84B-9A78-F3043FE671BA}" srcOrd="1" destOrd="0" parTransId="{CB988AB1-72AE-B041-8AD2-BCC369EEA517}" sibTransId="{2B63ADF7-AA15-8F4B-972D-910A128D8315}"/>
@@ -1656,7 +1712,7 @@
               <a:spcPct val="35000"/>
             </a:spcAft>
           </a:pPr>
-          <a:endParaRPr lang="en-US" sz="3600" kern="1200"/>
+          <a:endParaRPr lang="en-US" sz="3600" kern="1200" dirty="0"/>
         </a:p>
       </dsp:txBody>
       <dsp:txXfrm>
@@ -5862,7 +5918,7 @@
           <a:p>
             <a:fld id="{473B2F62-7B0C-0D4E-89AA-04FB4AE1B4E3}" type="datetimeFigureOut">
               <a:rPr lang="en-US" smtClean="0"/>
-              <a:t>6/28/16</a:t>
+              <a:t>7/1/16</a:t>
             </a:fld>
             <a:endParaRPr lang="en-US"/>
           </a:p>
@@ -6350,7 +6406,7 @@
           <a:p>
             <a:fld id="{00DE53A4-4886-8A4E-B0F6-EC4857490DE3}" type="datetimeFigureOut">
               <a:rPr lang="en-US" smtClean="0"/>
-              <a:t>6/28/16</a:t>
+              <a:t>7/1/16</a:t>
             </a:fld>
             <a:endParaRPr lang="en-US"/>
           </a:p>
@@ -6520,7 +6576,7 @@
           <a:p>
             <a:fld id="{00DE53A4-4886-8A4E-B0F6-EC4857490DE3}" type="datetimeFigureOut">
               <a:rPr lang="en-US" smtClean="0"/>
-              <a:t>6/28/16</a:t>
+              <a:t>7/1/16</a:t>
             </a:fld>
             <a:endParaRPr lang="en-US"/>
           </a:p>
@@ -6700,7 +6756,7 @@
           <a:p>
             <a:fld id="{00DE53A4-4886-8A4E-B0F6-EC4857490DE3}" type="datetimeFigureOut">
               <a:rPr lang="en-US" smtClean="0"/>
-              <a:t>6/28/16</a:t>
+              <a:t>7/1/16</a:t>
             </a:fld>
             <a:endParaRPr lang="en-US"/>
           </a:p>
@@ -6870,7 +6926,7 @@
           <a:p>
             <a:fld id="{00DE53A4-4886-8A4E-B0F6-EC4857490DE3}" type="datetimeFigureOut">
               <a:rPr lang="en-US" smtClean="0"/>
-              <a:t>6/28/16</a:t>
+              <a:t>7/1/16</a:t>
             </a:fld>
             <a:endParaRPr lang="en-US"/>
           </a:p>
@@ -7114,7 +7170,7 @@
           <a:p>
             <a:fld id="{00DE53A4-4886-8A4E-B0F6-EC4857490DE3}" type="datetimeFigureOut">
               <a:rPr lang="en-US" smtClean="0"/>
-              <a:t>6/28/16</a:t>
+              <a:t>7/1/16</a:t>
             </a:fld>
             <a:endParaRPr lang="en-US"/>
           </a:p>
@@ -7346,7 +7402,7 @@
           <a:p>
             <a:fld id="{00DE53A4-4886-8A4E-B0F6-EC4857490DE3}" type="datetimeFigureOut">
               <a:rPr lang="en-US" smtClean="0"/>
-              <a:t>6/28/16</a:t>
+              <a:t>7/1/16</a:t>
             </a:fld>
             <a:endParaRPr lang="en-US"/>
           </a:p>
@@ -7713,7 +7769,7 @@
           <a:p>
             <a:fld id="{00DE53A4-4886-8A4E-B0F6-EC4857490DE3}" type="datetimeFigureOut">
               <a:rPr lang="en-US" smtClean="0"/>
-              <a:t>6/28/16</a:t>
+              <a:t>7/1/16</a:t>
             </a:fld>
             <a:endParaRPr lang="en-US"/>
           </a:p>
@@ -7831,7 +7887,7 @@
           <a:p>
             <a:fld id="{00DE53A4-4886-8A4E-B0F6-EC4857490DE3}" type="datetimeFigureOut">
               <a:rPr lang="en-US" smtClean="0"/>
-              <a:t>6/28/16</a:t>
+              <a:t>7/1/16</a:t>
             </a:fld>
             <a:endParaRPr lang="en-US"/>
           </a:p>
@@ -7926,7 +7982,7 @@
           <a:p>
             <a:fld id="{00DE53A4-4886-8A4E-B0F6-EC4857490DE3}" type="datetimeFigureOut">
               <a:rPr lang="en-US" smtClean="0"/>
-              <a:t>6/28/16</a:t>
+              <a:t>7/1/16</a:t>
             </a:fld>
             <a:endParaRPr lang="en-US"/>
           </a:p>
@@ -8203,7 +8259,7 @@
           <a:p>
             <a:fld id="{00DE53A4-4886-8A4E-B0F6-EC4857490DE3}" type="datetimeFigureOut">
               <a:rPr lang="en-US" smtClean="0"/>
-              <a:t>6/28/16</a:t>
+              <a:t>7/1/16</a:t>
             </a:fld>
             <a:endParaRPr lang="en-US"/>
           </a:p>
@@ -8460,7 +8516,7 @@
           <a:p>
             <a:fld id="{00DE53A4-4886-8A4E-B0F6-EC4857490DE3}" type="datetimeFigureOut">
               <a:rPr lang="en-US" smtClean="0"/>
-              <a:t>6/28/16</a:t>
+              <a:t>7/1/16</a:t>
             </a:fld>
             <a:endParaRPr lang="en-US"/>
           </a:p>
@@ -8673,7 +8729,7 @@
           <a:p>
             <a:fld id="{00DE53A4-4886-8A4E-B0F6-EC4857490DE3}" type="datetimeFigureOut">
               <a:rPr lang="en-US" smtClean="0"/>
-              <a:t>6/28/16</a:t>
+              <a:t>7/1/16</a:t>
             </a:fld>
             <a:endParaRPr lang="en-US"/>
           </a:p>
@@ -9108,7 +9164,7 @@
         <p:spPr>
           <a:xfrm>
             <a:off x="350837" y="13075222"/>
-            <a:ext cx="14478000" cy="12665298"/>
+            <a:ext cx="14478000" cy="12085567"/>
           </a:xfrm>
           <a:prstGeom prst="roundRect">
             <a:avLst>
@@ -9303,7 +9359,7 @@
           <a:lstStyle/>
           <a:p>
             <a:pPr algn="ctr"/>
-            <a:endParaRPr lang="en-US" sz="4882"/>
+            <a:endParaRPr lang="en-US" sz="4882" dirty="0"/>
           </a:p>
         </p:txBody>
       </p:sp>
@@ -9690,8 +9746,8 @@
         </p:nvSpPr>
         <p:spPr>
           <a:xfrm>
-            <a:off x="350837" y="26121519"/>
-            <a:ext cx="14478000" cy="8203377"/>
+            <a:off x="350837" y="25435719"/>
+            <a:ext cx="14478000" cy="8885529"/>
           </a:xfrm>
           <a:prstGeom prst="roundRect">
             <a:avLst>
@@ -9744,7 +9800,7 @@
         </p:nvSpPr>
         <p:spPr>
           <a:xfrm>
-            <a:off x="615297" y="26163578"/>
+            <a:off x="615297" y="25477778"/>
             <a:ext cx="9108140" cy="830997"/>
           </a:xfrm>
           <a:prstGeom prst="rect">
@@ -10177,7 +10233,7 @@
         </p:nvSpPr>
         <p:spPr>
           <a:xfrm>
-            <a:off x="15514637" y="17834071"/>
+            <a:off x="15514637" y="17739519"/>
             <a:ext cx="14478000" cy="21622448"/>
           </a:xfrm>
           <a:prstGeom prst="roundRect">
@@ -10335,8 +10391,8 @@
         </p:nvSpPr>
         <p:spPr>
           <a:xfrm>
-            <a:off x="576389" y="27355513"/>
-            <a:ext cx="13984940" cy="7140416"/>
+            <a:off x="576389" y="26502519"/>
+            <a:ext cx="13984940" cy="8094524"/>
           </a:xfrm>
           <a:prstGeom prst="rect">
             <a:avLst/>
@@ -10350,16 +10406,24 @@
           <a:lstStyle/>
           <a:p>
             <a:r>
-              <a:rPr lang="en-US" sz="3800" dirty="0"/>
-              <a:t>Develop a laboratory optical probe water droplet calibration system</a:t>
-            </a:r>
-            <a:r>
-              <a:rPr lang="en-US" sz="3800" dirty="0" smtClean="0"/>
+              <a:rPr lang="en-US" sz="4000" dirty="0"/>
+              <a:t>Develop a </a:t>
+            </a:r>
+            <a:r>
+              <a:rPr lang="en-US" sz="4000" dirty="0" smtClean="0"/>
+              <a:t>laboratory-based </a:t>
+            </a:r>
+            <a:r>
+              <a:rPr lang="en-US" sz="4000" dirty="0"/>
+              <a:t>optical probe water droplet calibration system</a:t>
+            </a:r>
+            <a:r>
+              <a:rPr lang="en-US" sz="4000" dirty="0" smtClean="0"/>
               <a:t>.</a:t>
             </a:r>
           </a:p>
           <a:p>
-            <a:endParaRPr lang="en-US" sz="3800" dirty="0"/>
+            <a:endParaRPr lang="en-US" sz="4000" dirty="0"/>
           </a:p>
           <a:p>
             <a:pPr marL="571500" lvl="0" indent="-571500">
@@ -10367,11 +10431,11 @@
               <a:buChar char="•"/>
             </a:pPr>
             <a:r>
-              <a:rPr lang="en-US" sz="3800" dirty="0" smtClean="0"/>
+              <a:rPr lang="en-US" sz="4000" dirty="0" smtClean="0"/>
               <a:t>Uses particles of </a:t>
             </a:r>
             <a:r>
-              <a:rPr lang="en-US" sz="3800" dirty="0"/>
+              <a:rPr lang="en-US" sz="4000" dirty="0"/>
               <a:t>probe’s target media (eliminates refractive index complications)</a:t>
             </a:r>
           </a:p>
@@ -10381,14 +10445,14 @@
               <a:buChar char="•"/>
             </a:pPr>
             <a:r>
-              <a:rPr lang="en-US" sz="3800" dirty="0"/>
+              <a:rPr lang="en-US" sz="4000" dirty="0"/>
               <a:t>Creates droplets of highly repeatable </a:t>
             </a:r>
             <a:r>
-              <a:rPr lang="en-US" sz="3800" dirty="0" smtClean="0"/>
+              <a:rPr lang="en-US" sz="4000" dirty="0" smtClean="0"/>
               <a:t>size, velocity, and concentration</a:t>
             </a:r>
-            <a:endParaRPr lang="en-US" sz="3800" dirty="0"/>
+            <a:endParaRPr lang="en-US" sz="4000" dirty="0"/>
           </a:p>
           <a:p>
             <a:pPr marL="571500" lvl="0" indent="-571500">
@@ -10396,7 +10460,7 @@
               <a:buChar char="•"/>
             </a:pPr>
             <a:r>
-              <a:rPr lang="en-US" sz="3800" dirty="0"/>
+              <a:rPr lang="en-US" sz="4000" dirty="0"/>
               <a:t>Independent droplet diameter and velocity verification</a:t>
             </a:r>
           </a:p>
@@ -10406,15 +10470,15 @@
               <a:buChar char="•"/>
             </a:pPr>
             <a:r>
-              <a:rPr lang="en-US" sz="3800" dirty="0"/>
+              <a:rPr lang="en-US" sz="4000" dirty="0"/>
               <a:t>Employs autonomous, high precision digital </a:t>
             </a:r>
             <a:r>
-              <a:rPr lang="en-US" sz="3800" dirty="0" err="1"/>
+              <a:rPr lang="en-US" sz="4000" dirty="0" err="1"/>
               <a:t>micropositioning</a:t>
             </a:r>
             <a:r>
-              <a:rPr lang="en-US" sz="3800" dirty="0"/>
+              <a:rPr lang="en-US" sz="4000" dirty="0"/>
               <a:t> stages</a:t>
             </a:r>
           </a:p>
@@ -10424,19 +10488,11 @@
               <a:buChar char="•"/>
             </a:pPr>
             <a:r>
-              <a:rPr lang="en-US" sz="3800" dirty="0" smtClean="0">
-                <a:solidFill>
-                  <a:srgbClr val="FF0000"/>
-                </a:solidFill>
-              </a:rPr>
+              <a:rPr lang="en-US" sz="4000" dirty="0" smtClean="0"/>
               <a:t>Initially compatible with CDP with capability to expand to </a:t>
             </a:r>
             <a:r>
-              <a:rPr lang="en-US" sz="3800" dirty="0">
-                <a:solidFill>
-                  <a:srgbClr val="FF0000"/>
-                </a:solidFill>
-              </a:rPr>
+              <a:rPr lang="en-US" sz="4000" dirty="0"/>
               <a:t>a range of forward scattering and optical array probes</a:t>
             </a:r>
           </a:p>
@@ -10476,7 +10532,7 @@
         <p:spPr>
           <a:xfrm>
             <a:off x="576389" y="14218530"/>
-            <a:ext cx="9147048" cy="4770537"/>
+            <a:ext cx="9147048" cy="5016758"/>
           </a:xfrm>
           <a:prstGeom prst="rect">
             <a:avLst/>
@@ -10489,7 +10545,7 @@
           <a:lstStyle/>
           <a:p>
             <a:r>
-              <a:rPr lang="en-US" sz="3800" dirty="0">
+              <a:rPr lang="en-US" sz="4000" dirty="0">
                 <a:solidFill>
                   <a:srgbClr val="000000"/>
                 </a:solidFill>
@@ -10500,7 +10556,7 @@
               <a:t>Sub-precipitation to precipitation sized (~ 2. um – 1. mm diameter) DSDs are commonly measured with two airborne instrument classes; forward scattering and optical array probes. Despite decades of development, both classes are subject to non-trivial </a:t>
             </a:r>
             <a:r>
-              <a:rPr lang="en-US" sz="3800" dirty="0" smtClean="0">
+              <a:rPr lang="en-US" sz="4000" dirty="0" smtClean="0">
                 <a:solidFill>
                   <a:srgbClr val="000000"/>
                 </a:solidFill>
@@ -10511,7 +10567,7 @@
               <a:t>bias due </a:t>
             </a:r>
             <a:r>
-              <a:rPr lang="en-US" sz="3800" dirty="0">
+              <a:rPr lang="en-US" sz="4000" dirty="0">
                 <a:solidFill>
                   <a:srgbClr val="000000"/>
                 </a:solidFill>
@@ -10519,9 +10575,20 @@
                 <a:ea typeface="Calibri" charset="0"/>
                 <a:cs typeface="Times New Roman" charset="0"/>
               </a:rPr>
-              <a:t>to coincidence error (multiple drops detected as one), sample volume uncertainty, </a:t>
-            </a:r>
-            <a:endParaRPr lang="en-US" sz="3800" dirty="0">
+              <a:t>to coincidence </a:t>
+            </a:r>
+            <a:r>
+              <a:rPr lang="en-US" sz="4000" dirty="0" smtClean="0">
+                <a:solidFill>
+                  <a:srgbClr val="000000"/>
+                </a:solidFill>
+                <a:latin typeface="Calibri" charset="0"/>
+                <a:ea typeface="Calibri" charset="0"/>
+                <a:cs typeface="Times New Roman" charset="0"/>
+              </a:rPr>
+              <a:t>error, sample</a:t>
+            </a:r>
+            <a:endParaRPr lang="en-US" sz="4000" dirty="0">
               <a:effectLst/>
               <a:latin typeface="Calibri" charset="0"/>
               <a:ea typeface="Calibri" charset="0"/>
@@ -10593,7 +10660,7 @@
         </p:nvSpPr>
         <p:spPr>
           <a:xfrm>
-            <a:off x="691497" y="22768719"/>
+            <a:off x="691497" y="22244983"/>
             <a:ext cx="13793632" cy="2581136"/>
           </a:xfrm>
           <a:prstGeom prst="rect">
@@ -10634,7 +10701,15 @@
             <a:pPr algn="ctr"/>
             <a:r>
               <a:rPr lang="en-US" sz="4400" dirty="0" smtClean="0"/>
-              <a:t>Table of a few common optical probes, bias magnitudes</a:t>
+              <a:t>Table of a few common optical probes</a:t>
+            </a:r>
+            <a:r>
+              <a:rPr lang="en-US" sz="4400" dirty="0" smtClean="0"/>
+              <a:t>, class, </a:t>
+            </a:r>
+            <a:r>
+              <a:rPr lang="en-US" sz="4400" dirty="0" smtClean="0"/>
+              <a:t>bias magnitudes</a:t>
             </a:r>
             <a:endParaRPr lang="en-US" sz="4400" dirty="0"/>
           </a:p>
@@ -10648,8 +10723,8 @@
         </p:nvSpPr>
         <p:spPr>
           <a:xfrm>
-            <a:off x="615297" y="18918816"/>
-            <a:ext cx="13946032" cy="1261884"/>
+            <a:off x="615297" y="21116089"/>
+            <a:ext cx="13946032" cy="707886"/>
           </a:xfrm>
           <a:prstGeom prst="rect">
             <a:avLst/>
@@ -10661,40 +10736,7 @@
           </a:bodyPr>
           <a:lstStyle/>
           <a:p>
-            <a:r>
-              <a:rPr lang="en-US" sz="3800" dirty="0">
-                <a:solidFill>
-                  <a:srgbClr val="000000"/>
-                </a:solidFill>
-                <a:latin typeface="Calibri" charset="0"/>
-                <a:ea typeface="Calibri" charset="0"/>
-                <a:cs typeface="Times New Roman" charset="0"/>
-              </a:rPr>
-              <a:t>and inhomogeneous sizing response. Bias sources artificially broaden DSDs and </a:t>
-            </a:r>
-            <a:r>
-              <a:rPr lang="en-US" sz="3800" dirty="0" smtClean="0">
-                <a:solidFill>
-                  <a:srgbClr val="000000"/>
-                </a:solidFill>
-                <a:latin typeface="Calibri" charset="0"/>
-                <a:ea typeface="Calibri" charset="0"/>
-                <a:cs typeface="Times New Roman" charset="0"/>
-              </a:rPr>
-              <a:t>skew derived </a:t>
-            </a:r>
-            <a:r>
-              <a:rPr lang="en-US" sz="3800" dirty="0">
-                <a:solidFill>
-                  <a:srgbClr val="000000"/>
-                </a:solidFill>
-                <a:latin typeface="Calibri" charset="0"/>
-                <a:ea typeface="Calibri" charset="0"/>
-                <a:cs typeface="Times New Roman" charset="0"/>
-              </a:rPr>
-              <a:t>liquid water content values. </a:t>
-            </a:r>
-            <a:endParaRPr lang="en-US" sz="3800" dirty="0">
+            <a:endParaRPr lang="en-US" sz="4000" dirty="0">
               <a:latin typeface="Calibri" charset="0"/>
               <a:ea typeface="Calibri" charset="0"/>
               <a:cs typeface="Times New Roman" charset="0"/>
@@ -10766,7 +10808,7 @@
         <p:spPr>
           <a:xfrm>
             <a:off x="15855297" y="5480011"/>
-            <a:ext cx="5791201" cy="1261884"/>
+            <a:ext cx="5791201" cy="2800767"/>
           </a:xfrm>
           <a:prstGeom prst="rect">
             <a:avLst/>
@@ -10780,17 +10822,32 @@
           <a:lstStyle/>
           <a:p>
             <a:r>
-              <a:rPr lang="en-US" sz="3800" dirty="0" smtClean="0">
+              <a:rPr lang="en-US" sz="4400" dirty="0" smtClean="0">
                 <a:solidFill>
-                  <a:srgbClr val="000000"/>
+                  <a:srgbClr val="FF0000"/>
                 </a:solidFill>
                 <a:latin typeface="Calibri" charset="0"/>
                 <a:ea typeface="Calibri" charset="0"/>
                 <a:cs typeface="Times New Roman" charset="0"/>
               </a:rPr>
-              <a:t>**List of main components and their purpose**</a:t>
-            </a:r>
-            <a:endParaRPr lang="en-US" sz="3800" dirty="0"/>
+              <a:t>**Detail about main generator assembly </a:t>
+            </a:r>
+            <a:r>
+              <a:rPr lang="en-US" sz="4400" dirty="0" smtClean="0">
+                <a:solidFill>
+                  <a:srgbClr val="FF0000"/>
+                </a:solidFill>
+                <a:latin typeface="Calibri" charset="0"/>
+                <a:ea typeface="Calibri" charset="0"/>
+                <a:cs typeface="Times New Roman" charset="0"/>
+              </a:rPr>
+              <a:t>components and their purpose**</a:t>
+            </a:r>
+            <a:endParaRPr lang="en-US" sz="4400" dirty="0">
+              <a:solidFill>
+                <a:srgbClr val="FF0000"/>
+              </a:solidFill>
+            </a:endParaRPr>
           </a:p>
         </p:txBody>
       </p:sp>
@@ -10803,7 +10860,7 @@
         <p:spPr>
           <a:xfrm>
             <a:off x="15855297" y="30480708"/>
-            <a:ext cx="13756341" cy="2431435"/>
+            <a:ext cx="13756341" cy="2554545"/>
           </a:xfrm>
           <a:prstGeom prst="rect">
             <a:avLst/>
@@ -10817,21 +10874,52 @@
           <a:lstStyle/>
           <a:p>
             <a:r>
-              <a:rPr lang="en-US" sz="3800" dirty="0" smtClean="0">
+              <a:rPr lang="en-US" sz="4000" dirty="0" smtClean="0">
                 <a:solidFill>
-                  <a:srgbClr val="000000"/>
+                  <a:srgbClr val="FF0000"/>
                 </a:solidFill>
                 <a:latin typeface="Calibri" charset="0"/>
                 <a:ea typeface="Calibri" charset="0"/>
                 <a:cs typeface="Times New Roman" charset="0"/>
               </a:rPr>
-              <a:t>**Explain component purpose**</a:t>
-            </a:r>
-          </a:p>
-          <a:p>
-            <a:endParaRPr lang="en-US" sz="3800" dirty="0">
+              <a:t>**</a:t>
+            </a:r>
+            <a:r>
+              <a:rPr lang="en-US" sz="4000" dirty="0" smtClean="0">
+                <a:solidFill>
+                  <a:srgbClr val="FF0000"/>
+                </a:solidFill>
+                <a:latin typeface="Calibri" charset="0"/>
+                <a:ea typeface="Calibri" charset="0"/>
+                <a:cs typeface="Times New Roman" charset="0"/>
+              </a:rPr>
+              <a:t>Explain select </a:t>
+            </a:r>
+            <a:r>
+              <a:rPr lang="en-US" sz="4000" dirty="0" smtClean="0">
+                <a:solidFill>
+                  <a:srgbClr val="FF0000"/>
+                </a:solidFill>
+                <a:latin typeface="Calibri" charset="0"/>
+                <a:ea typeface="Calibri" charset="0"/>
+                <a:cs typeface="Times New Roman" charset="0"/>
+              </a:rPr>
+              <a:t>component </a:t>
+            </a:r>
+            <a:r>
+              <a:rPr lang="en-US" sz="4000" dirty="0" smtClean="0">
+                <a:solidFill>
+                  <a:srgbClr val="FF0000"/>
+                </a:solidFill>
+                <a:latin typeface="Calibri" charset="0"/>
+                <a:ea typeface="Calibri" charset="0"/>
+                <a:cs typeface="Times New Roman" charset="0"/>
+              </a:rPr>
+              <a:t>purposes**</a:t>
+            </a:r>
+            <a:endParaRPr lang="en-US" sz="4000" dirty="0" smtClean="0">
               <a:solidFill>
-                <a:srgbClr val="000000"/>
+                <a:srgbClr val="FF0000"/>
               </a:solidFill>
               <a:latin typeface="Calibri" charset="0"/>
               <a:ea typeface="Calibri" charset="0"/>
@@ -10839,10 +10927,20 @@
             </a:endParaRPr>
           </a:p>
           <a:p>
-            <a:r>
-              <a:rPr lang="en-US" sz="3800" dirty="0" smtClean="0">
+            <a:endParaRPr lang="en-US" sz="4000" dirty="0">
+              <a:solidFill>
+                <a:srgbClr val="FF0000"/>
+              </a:solidFill>
+              <a:latin typeface="Calibri" charset="0"/>
+              <a:ea typeface="Calibri" charset="0"/>
+              <a:cs typeface="Times New Roman" charset="0"/>
+            </a:endParaRPr>
+          </a:p>
+          <a:p>
+            <a:r>
+              <a:rPr lang="en-US" sz="4000" dirty="0" smtClean="0">
                 <a:solidFill>
-                  <a:srgbClr val="000000"/>
+                  <a:srgbClr val="FF0000"/>
                 </a:solidFill>
                 <a:latin typeface="Calibri" charset="0"/>
                 <a:ea typeface="Calibri" charset="0"/>
@@ -10850,7 +10948,11 @@
               </a:rPr>
               <a:t>**Outline drop size/velocity verification methods (metrology cam/drop image streaks**</a:t>
             </a:r>
-            <a:endParaRPr lang="en-US" sz="3800" dirty="0"/>
+            <a:endParaRPr lang="en-US" sz="4000" dirty="0">
+              <a:solidFill>
+                <a:srgbClr val="FF0000"/>
+              </a:solidFill>
+            </a:endParaRPr>
           </a:p>
         </p:txBody>
       </p:sp>
@@ -10906,6 +11008,100 @@
               <a:t>Drop streak image? </a:t>
             </a:r>
             <a:endParaRPr lang="en-US" sz="4400" dirty="0"/>
+          </a:p>
+        </p:txBody>
+      </p:sp>
+      <p:sp>
+        <p:nvSpPr>
+          <p:cNvPr id="4" name="Rectangle 3"/>
+          <p:cNvSpPr/>
+          <p:nvPr/>
+        </p:nvSpPr>
+        <p:spPr>
+          <a:xfrm>
+            <a:off x="748189" y="5186099"/>
+            <a:ext cx="13736940" cy="769441"/>
+          </a:xfrm>
+          <a:prstGeom prst="rect">
+            <a:avLst/>
+          </a:prstGeom>
+        </p:spPr>
+        <p:txBody>
+          <a:bodyPr wrap="square">
+            <a:spAutoFit/>
+          </a:bodyPr>
+          <a:lstStyle/>
+          <a:p>
+            <a:r>
+              <a:rPr lang="en-US" sz="4400" dirty="0" smtClean="0">
+                <a:solidFill>
+                  <a:srgbClr val="FF0000"/>
+                </a:solidFill>
+                <a:latin typeface="Calibri" charset="0"/>
+                <a:ea typeface="Calibri" charset="0"/>
+                <a:cs typeface="Times New Roman" charset="0"/>
+              </a:rPr>
+              <a:t>**Droplet size distributions are important  </a:t>
+            </a:r>
+            <a:endParaRPr lang="en-US" sz="4400" dirty="0">
+              <a:solidFill>
+                <a:srgbClr val="FF0000"/>
+              </a:solidFill>
+            </a:endParaRPr>
+          </a:p>
+        </p:txBody>
+      </p:sp>
+      <p:sp>
+        <p:nvSpPr>
+          <p:cNvPr id="7" name="Rectangle 6"/>
+          <p:cNvSpPr/>
+          <p:nvPr/>
+        </p:nvSpPr>
+        <p:spPr>
+          <a:xfrm>
+            <a:off x="576389" y="19069902"/>
+            <a:ext cx="13984940" cy="1938992"/>
+          </a:xfrm>
+          <a:prstGeom prst="rect">
+            <a:avLst/>
+          </a:prstGeom>
+        </p:spPr>
+        <p:txBody>
+          <a:bodyPr wrap="square">
+            <a:spAutoFit/>
+          </a:bodyPr>
+          <a:lstStyle/>
+          <a:p>
+            <a:r>
+              <a:rPr lang="en-US" sz="4000" dirty="0">
+                <a:solidFill>
+                  <a:srgbClr val="000000"/>
+                </a:solidFill>
+                <a:latin typeface="Calibri" charset="0"/>
+                <a:ea typeface="Calibri" charset="0"/>
+                <a:cs typeface="Times New Roman" charset="0"/>
+              </a:rPr>
+              <a:t>volume uncertainty, and inhomogeneous sizing response. </a:t>
+            </a:r>
+            <a:r>
+              <a:rPr lang="en-US" sz="4000" dirty="0">
+                <a:solidFill>
+                  <a:srgbClr val="FF0000"/>
+                </a:solidFill>
+                <a:latin typeface="Calibri" charset="0"/>
+                <a:ea typeface="Calibri" charset="0"/>
+                <a:cs typeface="Times New Roman" charset="0"/>
+              </a:rPr>
+              <a:t>Bias sources artificially broaden DSDs and skew derived liquid water content values. </a:t>
+            </a:r>
+            <a:endParaRPr lang="en-US" sz="4000" dirty="0">
+              <a:solidFill>
+                <a:srgbClr val="FF0000"/>
+              </a:solidFill>
+              <a:latin typeface="Calibri" charset="0"/>
+              <a:ea typeface="Calibri" charset="0"/>
+              <a:cs typeface="Times New Roman" charset="0"/>
+            </a:endParaRPr>
           </a:p>
         </p:txBody>
       </p:sp>

--- a/dropGen/iccpPoster/iccpPoster.pptx
+++ b/dropGen/iccpPoster/iccpPoster.pptx
@@ -111,6 +111,11 @@
     <p:ext uri="{EFAFB233-063F-42B5-8137-9DF3F51BA10A}">
       <p15:sldGuideLst xmlns:p15="http://schemas.microsoft.com/office/powerpoint/2012/main">
         <p15:guide id="2" pos="9533" userDrawn="1">
+          <p15:clr>
+            <a:srgbClr val="A4A3A4"/>
+          </p15:clr>
+        </p15:guide>
+        <p15:guide id="3" orient="horz" pos="13478">
           <p15:clr>
             <a:srgbClr val="A4A3A4"/>
           </p15:clr>
@@ -1179,8 +1184,8 @@
       </dsp:nvSpPr>
       <dsp:spPr>
         <a:xfrm>
-          <a:off x="5283091" y="4947236"/>
-          <a:ext cx="3190157" cy="3190157"/>
+          <a:off x="5352372" y="4732355"/>
+          <a:ext cx="3051594" cy="3051594"/>
         </a:xfrm>
         <a:prstGeom prst="roundRect">
           <a:avLst/>
@@ -1263,8 +1268,8 @@
         </a:p>
       </dsp:txBody>
       <dsp:txXfrm>
-        <a:off x="5438822" y="5102967"/>
-        <a:ext cx="2878695" cy="2878695"/>
+        <a:off x="5501339" y="4881322"/>
+        <a:ext cx="2753660" cy="2753660"/>
       </dsp:txXfrm>
     </dsp:sp>
     <dsp:sp modelId="{0CA4C303-DE56-C048-BEDC-80C8EA07696F}">
@@ -1274,8 +1279,8 @@
       </dsp:nvSpPr>
       <dsp:spPr>
         <a:xfrm rot="16200000">
-          <a:off x="5759288" y="3828355"/>
-          <a:ext cx="2237762" cy="0"/>
+          <a:off x="5807886" y="3662072"/>
+          <a:ext cx="2140566" cy="0"/>
         </a:xfrm>
         <a:custGeom>
           <a:avLst/>
@@ -1289,7 +1294,7 @@
                 <a:pt x="0" y="0"/>
               </a:moveTo>
               <a:lnTo>
-                <a:pt x="2237762" y="0"/>
+                <a:pt x="2140566" y="0"/>
               </a:lnTo>
             </a:path>
           </a:pathLst>
@@ -1330,8 +1335,8 @@
       </dsp:nvSpPr>
       <dsp:spPr>
         <a:xfrm>
-          <a:off x="5809467" y="572068"/>
-          <a:ext cx="2137405" cy="2137405"/>
+          <a:off x="5855885" y="547220"/>
+          <a:ext cx="2044568" cy="2044568"/>
         </a:xfrm>
         <a:prstGeom prst="roundRect">
           <a:avLst/>
@@ -1414,8 +1419,8 @@
         </a:p>
       </dsp:txBody>
       <dsp:txXfrm>
-        <a:off x="5913807" y="676408"/>
-        <a:ext cx="1928725" cy="1928725"/>
+        <a:off x="5955693" y="647028"/>
+        <a:ext cx="1844952" cy="1844952"/>
       </dsp:txXfrm>
     </dsp:sp>
     <dsp:sp modelId="{C117C597-918A-8645-B82D-98BED97E2A9F}">
@@ -1425,8 +1430,8 @@
       </dsp:nvSpPr>
       <dsp:spPr>
         <a:xfrm rot="1800000">
-          <a:off x="8350951" y="7919653"/>
-          <a:ext cx="1825674" cy="0"/>
+          <a:off x="8286982" y="7575666"/>
+          <a:ext cx="1746376" cy="0"/>
         </a:xfrm>
         <a:custGeom>
           <a:avLst/>
@@ -1440,7 +1445,7 @@
                 <a:pt x="0" y="0"/>
               </a:moveTo>
               <a:lnTo>
-                <a:pt x="1825674" y="0"/>
+                <a:pt x="1746376" y="0"/>
               </a:lnTo>
             </a:path>
           </a:pathLst>
@@ -1481,8 +1486,8 @@
       </dsp:nvSpPr>
       <dsp:spPr>
         <a:xfrm>
-          <a:off x="10054329" y="7924384"/>
-          <a:ext cx="2137405" cy="2137405"/>
+          <a:off x="9916374" y="7580192"/>
+          <a:ext cx="2044568" cy="2044568"/>
         </a:xfrm>
         <a:prstGeom prst="roundRect">
           <a:avLst/>
@@ -1565,8 +1570,8 @@
         </a:p>
       </dsp:txBody>
       <dsp:txXfrm>
-        <a:off x="10158669" y="8028724"/>
-        <a:ext cx="1928725" cy="1928725"/>
+        <a:off x="10016182" y="7680000"/>
+        <a:ext cx="1844952" cy="1844952"/>
       </dsp:txXfrm>
     </dsp:sp>
     <dsp:sp modelId="{76E79911-3409-5741-954E-49DB62E97D15}">
@@ -1576,8 +1581,8 @@
       </dsp:nvSpPr>
       <dsp:spPr>
         <a:xfrm rot="9000000">
-          <a:off x="3579713" y="7919653"/>
-          <a:ext cx="1825674" cy="0"/>
+          <a:off x="3722980" y="7575666"/>
+          <a:ext cx="1746376" cy="0"/>
         </a:xfrm>
         <a:custGeom>
           <a:avLst/>
@@ -1591,7 +1596,7 @@
                 <a:pt x="0" y="0"/>
               </a:moveTo>
               <a:lnTo>
-                <a:pt x="1825674" y="0"/>
+                <a:pt x="1746376" y="0"/>
               </a:lnTo>
             </a:path>
           </a:pathLst>
@@ -1632,8 +1637,8 @@
       </dsp:nvSpPr>
       <dsp:spPr>
         <a:xfrm>
-          <a:off x="1564605" y="7924384"/>
-          <a:ext cx="2137405" cy="2137405"/>
+          <a:off x="1795397" y="7580192"/>
+          <a:ext cx="2044568" cy="2044568"/>
         </a:xfrm>
         <a:prstGeom prst="roundRect">
           <a:avLst/>
@@ -1716,8 +1721,8 @@
         </a:p>
       </dsp:txBody>
       <dsp:txXfrm>
-        <a:off x="1668945" y="8028724"/>
-        <a:ext cx="1928725" cy="1928725"/>
+        <a:off x="1895205" y="7680000"/>
+        <a:ext cx="1844952" cy="1844952"/>
       </dsp:txXfrm>
     </dsp:sp>
   </dsp:spTree>
@@ -5885,7 +5890,7 @@
             </a:lvl1pPr>
           </a:lstStyle>
           <a:p>
-            <a:endParaRPr lang="en-US"/>
+            <a:endParaRPr lang="en-US" dirty="0"/>
           </a:p>
         </p:txBody>
       </p:sp>
@@ -5918,9 +5923,9 @@
           <a:p>
             <a:fld id="{473B2F62-7B0C-0D4E-89AA-04FB4AE1B4E3}" type="datetimeFigureOut">
               <a:rPr lang="en-US" smtClean="0"/>
-              <a:t>7/1/16</a:t>
+              <a:t>7/5/16</a:t>
             </a:fld>
-            <a:endParaRPr lang="en-US"/>
+            <a:endParaRPr lang="en-US" dirty="0"/>
           </a:p>
         </p:txBody>
       </p:sp>
@@ -5953,7 +5958,7 @@
           <a:bodyPr vert="horz" lIns="91440" tIns="45720" rIns="91440" bIns="45720" rtlCol="0" anchor="ctr"/>
           <a:lstStyle/>
           <a:p>
-            <a:endParaRPr lang="en-US"/>
+            <a:endParaRPr lang="en-US" dirty="0"/>
           </a:p>
         </p:txBody>
       </p:sp>
@@ -6044,7 +6049,7 @@
             </a:lvl1pPr>
           </a:lstStyle>
           <a:p>
-            <a:endParaRPr lang="en-US"/>
+            <a:endParaRPr lang="en-US" dirty="0"/>
           </a:p>
         </p:txBody>
       </p:sp>
@@ -6079,7 +6084,7 @@
               <a:rPr lang="en-US" smtClean="0"/>
               <a:t>‹#›</a:t>
             </a:fld>
-            <a:endParaRPr lang="en-US"/>
+            <a:endParaRPr lang="en-US" dirty="0"/>
           </a:p>
         </p:txBody>
       </p:sp>
@@ -6258,7 +6263,7 @@
               <a:rPr lang="en-US" smtClean="0"/>
               <a:t>1</a:t>
             </a:fld>
-            <a:endParaRPr lang="en-US"/>
+            <a:endParaRPr lang="en-US" dirty="0"/>
           </a:p>
         </p:txBody>
       </p:sp>
@@ -6406,9 +6411,9 @@
           <a:p>
             <a:fld id="{00DE53A4-4886-8A4E-B0F6-EC4857490DE3}" type="datetimeFigureOut">
               <a:rPr lang="en-US" smtClean="0"/>
-              <a:t>7/1/16</a:t>
+              <a:t>7/5/16</a:t>
             </a:fld>
-            <a:endParaRPr lang="en-US"/>
+            <a:endParaRPr lang="en-US" dirty="0"/>
           </a:p>
         </p:txBody>
       </p:sp>
@@ -6427,7 +6432,7 @@
           <a:bodyPr/>
           <a:lstStyle/>
           <a:p>
-            <a:endParaRPr lang="en-US"/>
+            <a:endParaRPr lang="en-US" dirty="0"/>
           </a:p>
         </p:txBody>
       </p:sp>
@@ -6450,7 +6455,7 @@
               <a:rPr lang="en-US" smtClean="0"/>
               <a:t>‹#›</a:t>
             </a:fld>
-            <a:endParaRPr lang="en-US"/>
+            <a:endParaRPr lang="en-US" dirty="0"/>
           </a:p>
         </p:txBody>
       </p:sp>
@@ -6576,9 +6581,9 @@
           <a:p>
             <a:fld id="{00DE53A4-4886-8A4E-B0F6-EC4857490DE3}" type="datetimeFigureOut">
               <a:rPr lang="en-US" smtClean="0"/>
-              <a:t>7/1/16</a:t>
+              <a:t>7/5/16</a:t>
             </a:fld>
-            <a:endParaRPr lang="en-US"/>
+            <a:endParaRPr lang="en-US" dirty="0"/>
           </a:p>
         </p:txBody>
       </p:sp>
@@ -6597,7 +6602,7 @@
           <a:bodyPr/>
           <a:lstStyle/>
           <a:p>
-            <a:endParaRPr lang="en-US"/>
+            <a:endParaRPr lang="en-US" dirty="0"/>
           </a:p>
         </p:txBody>
       </p:sp>
@@ -6620,7 +6625,7 @@
               <a:rPr lang="en-US" smtClean="0"/>
               <a:t>‹#›</a:t>
             </a:fld>
-            <a:endParaRPr lang="en-US"/>
+            <a:endParaRPr lang="en-US" dirty="0"/>
           </a:p>
         </p:txBody>
       </p:sp>
@@ -6756,9 +6761,9 @@
           <a:p>
             <a:fld id="{00DE53A4-4886-8A4E-B0F6-EC4857490DE3}" type="datetimeFigureOut">
               <a:rPr lang="en-US" smtClean="0"/>
-              <a:t>7/1/16</a:t>
+              <a:t>7/5/16</a:t>
             </a:fld>
-            <a:endParaRPr lang="en-US"/>
+            <a:endParaRPr lang="en-US" dirty="0"/>
           </a:p>
         </p:txBody>
       </p:sp>
@@ -6777,7 +6782,7 @@
           <a:bodyPr/>
           <a:lstStyle/>
           <a:p>
-            <a:endParaRPr lang="en-US"/>
+            <a:endParaRPr lang="en-US" dirty="0"/>
           </a:p>
         </p:txBody>
       </p:sp>
@@ -6800,7 +6805,7 @@
               <a:rPr lang="en-US" smtClean="0"/>
               <a:t>‹#›</a:t>
             </a:fld>
-            <a:endParaRPr lang="en-US"/>
+            <a:endParaRPr lang="en-US" dirty="0"/>
           </a:p>
         </p:txBody>
       </p:sp>
@@ -6926,9 +6931,9 @@
           <a:p>
             <a:fld id="{00DE53A4-4886-8A4E-B0F6-EC4857490DE3}" type="datetimeFigureOut">
               <a:rPr lang="en-US" smtClean="0"/>
-              <a:t>7/1/16</a:t>
+              <a:t>7/5/16</a:t>
             </a:fld>
-            <a:endParaRPr lang="en-US"/>
+            <a:endParaRPr lang="en-US" dirty="0"/>
           </a:p>
         </p:txBody>
       </p:sp>
@@ -6947,7 +6952,7 @@
           <a:bodyPr/>
           <a:lstStyle/>
           <a:p>
-            <a:endParaRPr lang="en-US"/>
+            <a:endParaRPr lang="en-US" dirty="0"/>
           </a:p>
         </p:txBody>
       </p:sp>
@@ -6970,7 +6975,7 @@
               <a:rPr lang="en-US" smtClean="0"/>
               <a:t>‹#›</a:t>
             </a:fld>
-            <a:endParaRPr lang="en-US"/>
+            <a:endParaRPr lang="en-US" dirty="0"/>
           </a:p>
         </p:txBody>
       </p:sp>
@@ -7170,9 +7175,9 @@
           <a:p>
             <a:fld id="{00DE53A4-4886-8A4E-B0F6-EC4857490DE3}" type="datetimeFigureOut">
               <a:rPr lang="en-US" smtClean="0"/>
-              <a:t>7/1/16</a:t>
+              <a:t>7/5/16</a:t>
             </a:fld>
-            <a:endParaRPr lang="en-US"/>
+            <a:endParaRPr lang="en-US" dirty="0"/>
           </a:p>
         </p:txBody>
       </p:sp>
@@ -7191,7 +7196,7 @@
           <a:bodyPr/>
           <a:lstStyle/>
           <a:p>
-            <a:endParaRPr lang="en-US"/>
+            <a:endParaRPr lang="en-US" dirty="0"/>
           </a:p>
         </p:txBody>
       </p:sp>
@@ -7214,7 +7219,7 @@
               <a:rPr lang="en-US" smtClean="0"/>
               <a:t>‹#›</a:t>
             </a:fld>
-            <a:endParaRPr lang="en-US"/>
+            <a:endParaRPr lang="en-US" dirty="0"/>
           </a:p>
         </p:txBody>
       </p:sp>
@@ -7402,9 +7407,9 @@
           <a:p>
             <a:fld id="{00DE53A4-4886-8A4E-B0F6-EC4857490DE3}" type="datetimeFigureOut">
               <a:rPr lang="en-US" smtClean="0"/>
-              <a:t>7/1/16</a:t>
+              <a:t>7/5/16</a:t>
             </a:fld>
-            <a:endParaRPr lang="en-US"/>
+            <a:endParaRPr lang="en-US" dirty="0"/>
           </a:p>
         </p:txBody>
       </p:sp>
@@ -7423,7 +7428,7 @@
           <a:bodyPr/>
           <a:lstStyle/>
           <a:p>
-            <a:endParaRPr lang="en-US"/>
+            <a:endParaRPr lang="en-US" dirty="0"/>
           </a:p>
         </p:txBody>
       </p:sp>
@@ -7446,7 +7451,7 @@
               <a:rPr lang="en-US" smtClean="0"/>
               <a:t>‹#›</a:t>
             </a:fld>
-            <a:endParaRPr lang="en-US"/>
+            <a:endParaRPr lang="en-US" dirty="0"/>
           </a:p>
         </p:txBody>
       </p:sp>
@@ -7769,9 +7774,9 @@
           <a:p>
             <a:fld id="{00DE53A4-4886-8A4E-B0F6-EC4857490DE3}" type="datetimeFigureOut">
               <a:rPr lang="en-US" smtClean="0"/>
-              <a:t>7/1/16</a:t>
+              <a:t>7/5/16</a:t>
             </a:fld>
-            <a:endParaRPr lang="en-US"/>
+            <a:endParaRPr lang="en-US" dirty="0"/>
           </a:p>
         </p:txBody>
       </p:sp>
@@ -7790,7 +7795,7 @@
           <a:bodyPr/>
           <a:lstStyle/>
           <a:p>
-            <a:endParaRPr lang="en-US"/>
+            <a:endParaRPr lang="en-US" dirty="0"/>
           </a:p>
         </p:txBody>
       </p:sp>
@@ -7813,7 +7818,7 @@
               <a:rPr lang="en-US" smtClean="0"/>
               <a:t>‹#›</a:t>
             </a:fld>
-            <a:endParaRPr lang="en-US"/>
+            <a:endParaRPr lang="en-US" dirty="0"/>
           </a:p>
         </p:txBody>
       </p:sp>
@@ -7887,9 +7892,9 @@
           <a:p>
             <a:fld id="{00DE53A4-4886-8A4E-B0F6-EC4857490DE3}" type="datetimeFigureOut">
               <a:rPr lang="en-US" smtClean="0"/>
-              <a:t>7/1/16</a:t>
+              <a:t>7/5/16</a:t>
             </a:fld>
-            <a:endParaRPr lang="en-US"/>
+            <a:endParaRPr lang="en-US" dirty="0"/>
           </a:p>
         </p:txBody>
       </p:sp>
@@ -7908,7 +7913,7 @@
           <a:bodyPr/>
           <a:lstStyle/>
           <a:p>
-            <a:endParaRPr lang="en-US"/>
+            <a:endParaRPr lang="en-US" dirty="0"/>
           </a:p>
         </p:txBody>
       </p:sp>
@@ -7931,7 +7936,7 @@
               <a:rPr lang="en-US" smtClean="0"/>
               <a:t>‹#›</a:t>
             </a:fld>
-            <a:endParaRPr lang="en-US"/>
+            <a:endParaRPr lang="en-US" dirty="0"/>
           </a:p>
         </p:txBody>
       </p:sp>
@@ -7982,9 +7987,9 @@
           <a:p>
             <a:fld id="{00DE53A4-4886-8A4E-B0F6-EC4857490DE3}" type="datetimeFigureOut">
               <a:rPr lang="en-US" smtClean="0"/>
-              <a:t>7/1/16</a:t>
+              <a:t>7/5/16</a:t>
             </a:fld>
-            <a:endParaRPr lang="en-US"/>
+            <a:endParaRPr lang="en-US" dirty="0"/>
           </a:p>
         </p:txBody>
       </p:sp>
@@ -8003,7 +8008,7 @@
           <a:bodyPr/>
           <a:lstStyle/>
           <a:p>
-            <a:endParaRPr lang="en-US"/>
+            <a:endParaRPr lang="en-US" dirty="0"/>
           </a:p>
         </p:txBody>
       </p:sp>
@@ -8026,7 +8031,7 @@
               <a:rPr lang="en-US" smtClean="0"/>
               <a:t>‹#›</a:t>
             </a:fld>
-            <a:endParaRPr lang="en-US"/>
+            <a:endParaRPr lang="en-US" dirty="0"/>
           </a:p>
         </p:txBody>
       </p:sp>
@@ -8259,9 +8264,9 @@
           <a:p>
             <a:fld id="{00DE53A4-4886-8A4E-B0F6-EC4857490DE3}" type="datetimeFigureOut">
               <a:rPr lang="en-US" smtClean="0"/>
-              <a:t>7/1/16</a:t>
+              <a:t>7/5/16</a:t>
             </a:fld>
-            <a:endParaRPr lang="en-US"/>
+            <a:endParaRPr lang="en-US" dirty="0"/>
           </a:p>
         </p:txBody>
       </p:sp>
@@ -8280,7 +8285,7 @@
           <a:bodyPr/>
           <a:lstStyle/>
           <a:p>
-            <a:endParaRPr lang="en-US"/>
+            <a:endParaRPr lang="en-US" dirty="0"/>
           </a:p>
         </p:txBody>
       </p:sp>
@@ -8303,7 +8308,7 @@
               <a:rPr lang="en-US" smtClean="0"/>
               <a:t>‹#›</a:t>
             </a:fld>
-            <a:endParaRPr lang="en-US"/>
+            <a:endParaRPr lang="en-US" dirty="0"/>
           </a:p>
         </p:txBody>
       </p:sp>
@@ -8427,7 +8432,7 @@
           </a:lstStyle>
           <a:p>
             <a:r>
-              <a:rPr lang="en-US" smtClean="0"/>
+              <a:rPr lang="en-US" dirty="0" smtClean="0"/>
               <a:t>Drag picture to placeholder or click icon to add</a:t>
             </a:r>
             <a:endParaRPr lang="en-US" dirty="0"/>
@@ -8516,9 +8521,9 @@
           <a:p>
             <a:fld id="{00DE53A4-4886-8A4E-B0F6-EC4857490DE3}" type="datetimeFigureOut">
               <a:rPr lang="en-US" smtClean="0"/>
-              <a:t>7/1/16</a:t>
+              <a:t>7/5/16</a:t>
             </a:fld>
-            <a:endParaRPr lang="en-US"/>
+            <a:endParaRPr lang="en-US" dirty="0"/>
           </a:p>
         </p:txBody>
       </p:sp>
@@ -8537,7 +8542,7 @@
           <a:bodyPr/>
           <a:lstStyle/>
           <a:p>
-            <a:endParaRPr lang="en-US"/>
+            <a:endParaRPr lang="en-US" dirty="0"/>
           </a:p>
         </p:txBody>
       </p:sp>
@@ -8560,7 +8565,7 @@
               <a:rPr lang="en-US" smtClean="0"/>
               <a:t>‹#›</a:t>
             </a:fld>
-            <a:endParaRPr lang="en-US"/>
+            <a:endParaRPr lang="en-US" dirty="0"/>
           </a:p>
         </p:txBody>
       </p:sp>
@@ -8729,9 +8734,9 @@
           <a:p>
             <a:fld id="{00DE53A4-4886-8A4E-B0F6-EC4857490DE3}" type="datetimeFigureOut">
               <a:rPr lang="en-US" smtClean="0"/>
-              <a:t>7/1/16</a:t>
+              <a:t>7/5/16</a:t>
             </a:fld>
-            <a:endParaRPr lang="en-US"/>
+            <a:endParaRPr lang="en-US" dirty="0"/>
           </a:p>
         </p:txBody>
       </p:sp>
@@ -8768,7 +8773,7 @@
             </a:lvl1pPr>
           </a:lstStyle>
           <a:p>
-            <a:endParaRPr lang="en-US"/>
+            <a:endParaRPr lang="en-US" dirty="0"/>
           </a:p>
         </p:txBody>
       </p:sp>
@@ -8809,7 +8814,7 @@
               <a:rPr lang="en-US" smtClean="0"/>
               <a:t>‹#›</a:t>
             </a:fld>
-            <a:endParaRPr lang="en-US"/>
+            <a:endParaRPr lang="en-US" dirty="0"/>
           </a:p>
         </p:txBody>
       </p:sp>
@@ -9205,7 +9210,7 @@
           <a:lstStyle/>
           <a:p>
             <a:pPr algn="ctr"/>
-            <a:endParaRPr lang="en-US" sz="4882"/>
+            <a:endParaRPr lang="en-US" sz="4882" dirty="0"/>
           </a:p>
         </p:txBody>
       </p:sp>
@@ -9747,7 +9752,7 @@
         <p:spPr>
           <a:xfrm>
             <a:off x="350837" y="25435719"/>
-            <a:ext cx="14478000" cy="8885529"/>
+            <a:ext cx="14478000" cy="11978870"/>
           </a:xfrm>
           <a:prstGeom prst="roundRect">
             <a:avLst>
@@ -9828,14 +9833,14 @@
       </p:sp>
       <p:sp>
         <p:nvSpPr>
-          <p:cNvPr id="46" name="Rounded Rectangle 45"/>
+          <p:cNvPr id="47" name="Rounded Rectangle 46"/>
           <p:cNvSpPr/>
           <p:nvPr/>
         </p:nvSpPr>
         <p:spPr>
           <a:xfrm>
-            <a:off x="312737" y="38999319"/>
-            <a:ext cx="14478000" cy="3429000"/>
+            <a:off x="15514637" y="37932519"/>
+            <a:ext cx="14478000" cy="4495800"/>
           </a:xfrm>
           <a:prstGeom prst="roundRect">
             <a:avLst>
@@ -9876,24 +9881,61 @@
           <a:lstStyle/>
           <a:p>
             <a:pPr algn="ctr"/>
-            <a:r>
-              <a:rPr lang="en-US" sz="4882" dirty="0" smtClean="0"/>
-              <a:t>z</a:t>
-            </a:r>
-            <a:endParaRPr lang="en-US" sz="4882" dirty="0"/>
+            <a:endParaRPr lang="en-US" sz="4882"/>
           </a:p>
         </p:txBody>
       </p:sp>
       <p:sp>
         <p:nvSpPr>
-          <p:cNvPr id="47" name="Rounded Rectangle 46"/>
+          <p:cNvPr id="18" name="Rectangle 17"/>
           <p:cNvSpPr/>
           <p:nvPr/>
         </p:nvSpPr>
         <p:spPr>
           <a:xfrm>
-            <a:off x="15514637" y="39685119"/>
-            <a:ext cx="14478000" cy="2743200"/>
+            <a:off x="15855297" y="37932519"/>
+            <a:ext cx="9108140" cy="745460"/>
+          </a:xfrm>
+          <a:prstGeom prst="rect">
+            <a:avLst/>
+          </a:prstGeom>
+        </p:spPr>
+        <p:txBody>
+          <a:bodyPr wrap="square">
+            <a:spAutoFit/>
+          </a:bodyPr>
+          <a:lstStyle/>
+          <a:p>
+            <a:r>
+              <a:rPr lang="en-US" sz="4244" dirty="0" smtClean="0">
+                <a:solidFill>
+                  <a:schemeClr val="tx2">
+                    <a:lumMod val="75000"/>
+                  </a:schemeClr>
+                </a:solidFill>
+              </a:rPr>
+              <a:t>References</a:t>
+            </a:r>
+            <a:endParaRPr lang="en-US" sz="4244" dirty="0">
+              <a:solidFill>
+                <a:schemeClr val="tx2">
+                  <a:lumMod val="75000"/>
+                </a:schemeClr>
+              </a:solidFill>
+            </a:endParaRPr>
+          </a:p>
+        </p:txBody>
+      </p:sp>
+      <p:sp>
+        <p:nvSpPr>
+          <p:cNvPr id="48" name="Rounded Rectangle 47"/>
+          <p:cNvSpPr/>
+          <p:nvPr/>
+        </p:nvSpPr>
+        <p:spPr>
+          <a:xfrm>
+            <a:off x="342445" y="37856319"/>
+            <a:ext cx="14478000" cy="4572000"/>
           </a:xfrm>
           <a:prstGeom prst="roundRect">
             <a:avLst>
@@ -9940,13 +9982,13 @@
       </p:sp>
       <p:sp>
         <p:nvSpPr>
-          <p:cNvPr id="18" name="Rectangle 17"/>
+          <p:cNvPr id="49" name="Rectangle 48"/>
           <p:cNvSpPr/>
           <p:nvPr/>
         </p:nvSpPr>
         <p:spPr>
           <a:xfrm>
-            <a:off x="15855297" y="39685119"/>
+            <a:off x="615297" y="37890461"/>
             <a:ext cx="9108140" cy="745460"/>
           </a:xfrm>
           <a:prstGeom prst="rect">
@@ -9960,128 +10002,6 @@
           <a:lstStyle/>
           <a:p>
             <a:r>
-              <a:rPr lang="en-US" sz="4244" dirty="0">
-                <a:solidFill>
-                  <a:schemeClr val="tx2">
-                    <a:lumMod val="75000"/>
-                  </a:schemeClr>
-                </a:solidFill>
-              </a:rPr>
-              <a:t>Acknowledgements</a:t>
-            </a:r>
-          </a:p>
-        </p:txBody>
-      </p:sp>
-      <p:sp>
-        <p:nvSpPr>
-          <p:cNvPr id="22" name="Rectangle 21"/>
-          <p:cNvSpPr/>
-          <p:nvPr/>
-        </p:nvSpPr>
-        <p:spPr>
-          <a:xfrm>
-            <a:off x="717748" y="38999319"/>
-            <a:ext cx="9108140" cy="745460"/>
-          </a:xfrm>
-          <a:prstGeom prst="rect">
-            <a:avLst/>
-          </a:prstGeom>
-        </p:spPr>
-        <p:txBody>
-          <a:bodyPr wrap="square">
-            <a:spAutoFit/>
-          </a:bodyPr>
-          <a:lstStyle/>
-          <a:p>
-            <a:r>
-              <a:rPr lang="en-US" sz="4244" dirty="0">
-                <a:solidFill>
-                  <a:schemeClr val="tx2">
-                    <a:lumMod val="75000"/>
-                  </a:schemeClr>
-                </a:solidFill>
-              </a:rPr>
-              <a:t>References</a:t>
-            </a:r>
-          </a:p>
-        </p:txBody>
-      </p:sp>
-      <p:sp>
-        <p:nvSpPr>
-          <p:cNvPr id="48" name="Rounded Rectangle 47"/>
-          <p:cNvSpPr/>
-          <p:nvPr/>
-        </p:nvSpPr>
-        <p:spPr>
-          <a:xfrm>
-            <a:off x="342445" y="34655918"/>
-            <a:ext cx="14478000" cy="3918577"/>
-          </a:xfrm>
-          <a:prstGeom prst="roundRect">
-            <a:avLst>
-              <a:gd name="adj" fmla="val 1166"/>
-            </a:avLst>
-          </a:prstGeom>
-          <a:solidFill>
-            <a:srgbClr val="FBFAFC"/>
-          </a:solidFill>
-          <a:ln w="63500" cap="rnd">
-            <a:solidFill>
-              <a:schemeClr val="tx2">
-                <a:lumMod val="75000"/>
-                <a:alpha val="87000"/>
-              </a:schemeClr>
-            </a:solidFill>
-            <a:bevel/>
-          </a:ln>
-        </p:spPr>
-        <p:style>
-          <a:lnRef idx="2">
-            <a:schemeClr val="accent1">
-              <a:shade val="50000"/>
-            </a:schemeClr>
-          </a:lnRef>
-          <a:fillRef idx="1">
-            <a:schemeClr val="accent1"/>
-          </a:fillRef>
-          <a:effectRef idx="0">
-            <a:schemeClr val="accent1"/>
-          </a:effectRef>
-          <a:fontRef idx="minor">
-            <a:schemeClr val="lt1"/>
-          </a:fontRef>
-        </p:style>
-        <p:txBody>
-          <a:bodyPr rtlCol="0" anchor="ctr"/>
-          <a:lstStyle/>
-          <a:p>
-            <a:pPr algn="ctr"/>
-            <a:endParaRPr lang="en-US" sz="4882"/>
-          </a:p>
-        </p:txBody>
-      </p:sp>
-      <p:sp>
-        <p:nvSpPr>
-          <p:cNvPr id="49" name="Rectangle 48"/>
-          <p:cNvSpPr/>
-          <p:nvPr/>
-        </p:nvSpPr>
-        <p:spPr>
-          <a:xfrm>
-            <a:off x="615297" y="34690060"/>
-            <a:ext cx="9108140" cy="745460"/>
-          </a:xfrm>
-          <a:prstGeom prst="rect">
-            <a:avLst/>
-          </a:prstGeom>
-        </p:spPr>
-        <p:txBody>
-          <a:bodyPr wrap="square">
-            <a:spAutoFit/>
-          </a:bodyPr>
-          <a:lstStyle/>
-          <a:p>
-            <a:r>
               <a:rPr lang="en-US" sz="4244" dirty="0" smtClean="0">
                 <a:solidFill>
                   <a:schemeClr val="tx2">
@@ -10109,7 +10029,7 @@
         </p:nvSpPr>
         <p:spPr>
           <a:xfrm>
-            <a:off x="15514637" y="4042034"/>
+            <a:off x="15518833" y="24021904"/>
             <a:ext cx="14478000" cy="13392685"/>
           </a:xfrm>
           <a:prstGeom prst="roundRect">
@@ -10163,7 +10083,7 @@
         </p:nvSpPr>
         <p:spPr>
           <a:xfrm>
-            <a:off x="15855297" y="4121238"/>
+            <a:off x="15859493" y="24101108"/>
             <a:ext cx="9108140" cy="830997"/>
           </a:xfrm>
           <a:prstGeom prst="rect">
@@ -10233,8 +10153,8 @@
         </p:nvSpPr>
         <p:spPr>
           <a:xfrm>
-            <a:off x="15514637" y="17739519"/>
-            <a:ext cx="14478000" cy="21622448"/>
+            <a:off x="15514637" y="4026953"/>
+            <a:ext cx="14478000" cy="19759738"/>
           </a:xfrm>
           <a:prstGeom prst="roundRect">
             <a:avLst>
@@ -10287,7 +10207,7 @@
         </p:nvSpPr>
         <p:spPr>
           <a:xfrm>
-            <a:off x="15855297" y="17849860"/>
+            <a:off x="15855297" y="4137294"/>
             <a:ext cx="9108140" cy="830997"/>
           </a:xfrm>
           <a:prstGeom prst="rect">
@@ -10508,14 +10428,14 @@
           <p:nvPr>
             <p:extLst>
               <p:ext uri="{D42A27DB-BD31-4B8C-83A1-F6EECF244321}">
-                <p14:modId xmlns:p14="http://schemas.microsoft.com/office/powerpoint/2010/main" val="1890379084"/>
+                <p14:modId xmlns:p14="http://schemas.microsoft.com/office/powerpoint/2010/main" val="1137544440"/>
               </p:ext>
             </p:extLst>
           </p:nvPr>
         </p:nvGraphicFramePr>
         <p:xfrm>
-          <a:off x="15855298" y="18840460"/>
-          <a:ext cx="13756340" cy="10633859"/>
+          <a:off x="15855298" y="5127894"/>
+          <a:ext cx="13756340" cy="10171982"/>
         </p:xfrm>
         <a:graphic>
           <a:graphicData uri="http://schemas.openxmlformats.org/drawingml/2006/diagram">
@@ -10523,80 +10443,6 @@
           </a:graphicData>
         </a:graphic>
       </p:graphicFrame>
-      <p:sp>
-        <p:nvSpPr>
-          <p:cNvPr id="13" name="Rectangle 12"/>
-          <p:cNvSpPr/>
-          <p:nvPr/>
-        </p:nvSpPr>
-        <p:spPr>
-          <a:xfrm>
-            <a:off x="576389" y="14218530"/>
-            <a:ext cx="9147048" cy="5016758"/>
-          </a:xfrm>
-          <a:prstGeom prst="rect">
-            <a:avLst/>
-          </a:prstGeom>
-        </p:spPr>
-        <p:txBody>
-          <a:bodyPr wrap="square">
-            <a:spAutoFit/>
-          </a:bodyPr>
-          <a:lstStyle/>
-          <a:p>
-            <a:r>
-              <a:rPr lang="en-US" sz="4000" dirty="0">
-                <a:solidFill>
-                  <a:srgbClr val="000000"/>
-                </a:solidFill>
-                <a:latin typeface="Calibri" charset="0"/>
-                <a:ea typeface="Calibri" charset="0"/>
-                <a:cs typeface="Times New Roman" charset="0"/>
-              </a:rPr>
-              <a:t>Sub-precipitation to precipitation sized (~ 2. um – 1. mm diameter) DSDs are commonly measured with two airborne instrument classes; forward scattering and optical array probes. Despite decades of development, both classes are subject to non-trivial </a:t>
-            </a:r>
-            <a:r>
-              <a:rPr lang="en-US" sz="4000" dirty="0" smtClean="0">
-                <a:solidFill>
-                  <a:srgbClr val="000000"/>
-                </a:solidFill>
-                <a:latin typeface="Calibri" charset="0"/>
-                <a:ea typeface="Calibri" charset="0"/>
-                <a:cs typeface="Times New Roman" charset="0"/>
-              </a:rPr>
-              <a:t>bias due </a:t>
-            </a:r>
-            <a:r>
-              <a:rPr lang="en-US" sz="4000" dirty="0">
-                <a:solidFill>
-                  <a:srgbClr val="000000"/>
-                </a:solidFill>
-                <a:latin typeface="Calibri" charset="0"/>
-                <a:ea typeface="Calibri" charset="0"/>
-                <a:cs typeface="Times New Roman" charset="0"/>
-              </a:rPr>
-              <a:t>to coincidence </a:t>
-            </a:r>
-            <a:r>
-              <a:rPr lang="en-US" sz="4000" dirty="0" smtClean="0">
-                <a:solidFill>
-                  <a:srgbClr val="000000"/>
-                </a:solidFill>
-                <a:latin typeface="Calibri" charset="0"/>
-                <a:ea typeface="Calibri" charset="0"/>
-                <a:cs typeface="Times New Roman" charset="0"/>
-              </a:rPr>
-              <a:t>error, sample</a:t>
-            </a:r>
-            <a:endParaRPr lang="en-US" sz="4000" dirty="0">
-              <a:effectLst/>
-              <a:latin typeface="Calibri" charset="0"/>
-              <a:ea typeface="Calibri" charset="0"/>
-              <a:cs typeface="Times New Roman" charset="0"/>
-            </a:endParaRPr>
-          </a:p>
-        </p:txBody>
-      </p:sp>
       <p:sp>
         <p:nvSpPr>
           <p:cNvPr id="15" name="Rectangle 14"/>
@@ -10646,7 +10492,11 @@
             <a:pPr algn="ctr"/>
             <a:r>
               <a:rPr lang="en-US" sz="4400" dirty="0" smtClean="0"/>
-              <a:t>CDP Schematic or image of probes on king air</a:t>
+              <a:t>Image of </a:t>
+            </a:r>
+            <a:r>
+              <a:rPr lang="en-US" sz="4400" dirty="0" smtClean="0"/>
+              <a:t>probes on king air</a:t>
             </a:r>
             <a:endParaRPr lang="en-US" sz="4400" dirty="0"/>
           </a:p>
@@ -10701,15 +10551,11 @@
             <a:pPr algn="ctr"/>
             <a:r>
               <a:rPr lang="en-US" sz="4400" dirty="0" smtClean="0"/>
-              <a:t>Table of a few common optical probes</a:t>
+              <a:t>Table of a few common optical probes, class, </a:t>
             </a:r>
             <a:r>
               <a:rPr lang="en-US" sz="4400" dirty="0" smtClean="0"/>
-              <a:t>, class, </a:t>
-            </a:r>
-            <a:r>
-              <a:rPr lang="en-US" sz="4400" dirty="0" smtClean="0"/>
-              <a:t>bias magnitudes</a:t>
+              <a:t>???</a:t>
             </a:r>
             <a:endParaRPr lang="en-US" sz="4400" dirty="0"/>
           </a:p>
@@ -10752,7 +10598,7 @@
         </p:nvSpPr>
         <p:spPr>
           <a:xfrm>
-            <a:off x="22125350" y="5443576"/>
+            <a:off x="22129546" y="25423446"/>
             <a:ext cx="7486288" cy="11568303"/>
           </a:xfrm>
           <a:prstGeom prst="rect">
@@ -10807,8 +10653,8 @@
         </p:nvSpPr>
         <p:spPr>
           <a:xfrm>
-            <a:off x="15855297" y="5480011"/>
-            <a:ext cx="5791201" cy="2800767"/>
+            <a:off x="15859493" y="25459881"/>
+            <a:ext cx="5791201" cy="2123658"/>
           </a:xfrm>
           <a:prstGeom prst="rect">
             <a:avLst/>
@@ -10830,7 +10676,7 @@
                 <a:ea typeface="Calibri" charset="0"/>
                 <a:cs typeface="Times New Roman" charset="0"/>
               </a:rPr>
-              <a:t>**Detail about main generator assembly </a:t>
+              <a:t>**Detail about main generator assembly components and </a:t>
             </a:r>
             <a:r>
               <a:rPr lang="en-US" sz="4400" dirty="0" smtClean="0">
@@ -10841,7 +10687,7 @@
                 <a:ea typeface="Calibri" charset="0"/>
                 <a:cs typeface="Times New Roman" charset="0"/>
               </a:rPr>
-              <a:t>components and their purpose**</a:t>
+              <a:t>their</a:t>
             </a:r>
             <a:endParaRPr lang="en-US" sz="4400" dirty="0">
               <a:solidFill>
@@ -10859,7 +10705,7 @@
         </p:nvSpPr>
         <p:spPr>
           <a:xfrm>
-            <a:off x="15855297" y="30480708"/>
+            <a:off x="15855297" y="15335255"/>
             <a:ext cx="13756341" cy="2554545"/>
           </a:xfrm>
           <a:prstGeom prst="rect">
@@ -10882,49 +10728,8 @@
                 <a:ea typeface="Calibri" charset="0"/>
                 <a:cs typeface="Times New Roman" charset="0"/>
               </a:rPr>
-              <a:t>**</a:t>
-            </a:r>
-            <a:r>
-              <a:rPr lang="en-US" sz="4000" dirty="0" smtClean="0">
-                <a:solidFill>
-                  <a:srgbClr val="FF0000"/>
-                </a:solidFill>
-                <a:latin typeface="Calibri" charset="0"/>
-                <a:ea typeface="Calibri" charset="0"/>
-                <a:cs typeface="Times New Roman" charset="0"/>
-              </a:rPr>
-              <a:t>Explain select </a:t>
-            </a:r>
-            <a:r>
-              <a:rPr lang="en-US" sz="4000" dirty="0" smtClean="0">
-                <a:solidFill>
-                  <a:srgbClr val="FF0000"/>
-                </a:solidFill>
-                <a:latin typeface="Calibri" charset="0"/>
-                <a:ea typeface="Calibri" charset="0"/>
-                <a:cs typeface="Times New Roman" charset="0"/>
-              </a:rPr>
-              <a:t>component </a:t>
-            </a:r>
-            <a:r>
-              <a:rPr lang="en-US" sz="4000" dirty="0" smtClean="0">
-                <a:solidFill>
-                  <a:srgbClr val="FF0000"/>
-                </a:solidFill>
-                <a:latin typeface="Calibri" charset="0"/>
-                <a:ea typeface="Calibri" charset="0"/>
-                <a:cs typeface="Times New Roman" charset="0"/>
-              </a:rPr>
-              <a:t>purposes**</a:t>
-            </a:r>
-            <a:endParaRPr lang="en-US" sz="4000" dirty="0" smtClean="0">
-              <a:solidFill>
-                <a:srgbClr val="FF0000"/>
-              </a:solidFill>
-              <a:latin typeface="Calibri" charset="0"/>
-              <a:ea typeface="Calibri" charset="0"/>
-              <a:cs typeface="Times New Roman" charset="0"/>
-            </a:endParaRPr>
+              <a:t>**Explain select component purposes**</a:t>
+            </a:r>
           </a:p>
           <a:p>
             <a:endParaRPr lang="en-US" sz="4000" dirty="0">
@@ -10964,7 +10769,7 @@
         </p:nvSpPr>
         <p:spPr>
           <a:xfrm>
-            <a:off x="24926146" y="34503519"/>
+            <a:off x="24926146" y="18760444"/>
             <a:ext cx="4685492" cy="4461967"/>
           </a:xfrm>
           <a:prstGeom prst="rect">
@@ -11013,27 +10818,28 @@
       </p:sp>
       <p:sp>
         <p:nvSpPr>
-          <p:cNvPr id="4" name="Rectangle 3"/>
-          <p:cNvSpPr/>
+          <p:cNvPr id="39" name="TextBox 38"/>
+          <p:cNvSpPr txBox="1"/>
           <p:nvPr/>
         </p:nvSpPr>
         <p:spPr>
           <a:xfrm>
-            <a:off x="748189" y="5186099"/>
-            <a:ext cx="13736940" cy="769441"/>
+            <a:off x="25572896" y="39919938"/>
+            <a:ext cx="5791201" cy="646331"/>
           </a:xfrm>
           <a:prstGeom prst="rect">
             <a:avLst/>
           </a:prstGeom>
+          <a:noFill/>
         </p:spPr>
         <p:txBody>
-          <a:bodyPr wrap="square">
+          <a:bodyPr wrap="square" rtlCol="0">
             <a:spAutoFit/>
           </a:bodyPr>
           <a:lstStyle/>
           <a:p>
             <a:r>
-              <a:rPr lang="en-US" sz="4400" dirty="0" smtClean="0">
+              <a:rPr lang="en-US" sz="3600" dirty="0" smtClean="0">
                 <a:solidFill>
                   <a:srgbClr val="FF0000"/>
                 </a:solidFill>
@@ -11041,66 +10847,12 @@
                 <a:ea typeface="Calibri" charset="0"/>
                 <a:cs typeface="Times New Roman" charset="0"/>
               </a:rPr>
-              <a:t>**Droplet size distributions are important  </a:t>
-            </a:r>
-            <a:endParaRPr lang="en-US" sz="4400" dirty="0">
+              <a:t>**Remember grant**</a:t>
+            </a:r>
+            <a:endParaRPr lang="en-US" sz="3600" dirty="0">
               <a:solidFill>
                 <a:srgbClr val="FF0000"/>
               </a:solidFill>
-            </a:endParaRPr>
-          </a:p>
-        </p:txBody>
-      </p:sp>
-      <p:sp>
-        <p:nvSpPr>
-          <p:cNvPr id="7" name="Rectangle 6"/>
-          <p:cNvSpPr/>
-          <p:nvPr/>
-        </p:nvSpPr>
-        <p:spPr>
-          <a:xfrm>
-            <a:off x="576389" y="19069902"/>
-            <a:ext cx="13984940" cy="1938992"/>
-          </a:xfrm>
-          <a:prstGeom prst="rect">
-            <a:avLst/>
-          </a:prstGeom>
-        </p:spPr>
-        <p:txBody>
-          <a:bodyPr wrap="square">
-            <a:spAutoFit/>
-          </a:bodyPr>
-          <a:lstStyle/>
-          <a:p>
-            <a:r>
-              <a:rPr lang="en-US" sz="4000" dirty="0">
-                <a:solidFill>
-                  <a:srgbClr val="000000"/>
-                </a:solidFill>
-                <a:latin typeface="Calibri" charset="0"/>
-                <a:ea typeface="Calibri" charset="0"/>
-                <a:cs typeface="Times New Roman" charset="0"/>
-              </a:rPr>
-              <a:t>volume uncertainty, and inhomogeneous sizing response. </a:t>
-            </a:r>
-            <a:r>
-              <a:rPr lang="en-US" sz="4000" dirty="0">
-                <a:solidFill>
-                  <a:srgbClr val="FF0000"/>
-                </a:solidFill>
-                <a:latin typeface="Calibri" charset="0"/>
-                <a:ea typeface="Calibri" charset="0"/>
-                <a:cs typeface="Times New Roman" charset="0"/>
-              </a:rPr>
-              <a:t>Bias sources artificially broaden DSDs and skew derived liquid water content values. </a:t>
-            </a:r>
-            <a:endParaRPr lang="en-US" sz="4000" dirty="0">
-              <a:solidFill>
-                <a:srgbClr val="FF0000"/>
-              </a:solidFill>
-              <a:latin typeface="Calibri" charset="0"/>
-              <a:ea typeface="Calibri" charset="0"/>
-              <a:cs typeface="Times New Roman" charset="0"/>
             </a:endParaRPr>
           </a:p>
         </p:txBody>

--- a/dropGen/iccpPoster/iccpPoster.pptx
+++ b/dropGen/iccpPoster/iccpPoster.pptx
@@ -115,7 +115,7 @@
             <a:srgbClr val="A4A3A4"/>
           </p15:clr>
         </p15:guide>
-        <p15:guide id="3" orient="horz" pos="13478">
+        <p15:guide id="3" orient="horz" pos="23847" userDrawn="1">
           <p15:clr>
             <a:srgbClr val="A4A3A4"/>
           </p15:clr>
@@ -5923,7 +5923,7 @@
           <a:p>
             <a:fld id="{473B2F62-7B0C-0D4E-89AA-04FB4AE1B4E3}" type="datetimeFigureOut">
               <a:rPr lang="en-US" smtClean="0"/>
-              <a:t>7/5/16</a:t>
+              <a:t>7/6/16</a:t>
             </a:fld>
             <a:endParaRPr lang="en-US" dirty="0"/>
           </a:p>
@@ -6411,7 +6411,7 @@
           <a:p>
             <a:fld id="{00DE53A4-4886-8A4E-B0F6-EC4857490DE3}" type="datetimeFigureOut">
               <a:rPr lang="en-US" smtClean="0"/>
-              <a:t>7/5/16</a:t>
+              <a:t>7/6/16</a:t>
             </a:fld>
             <a:endParaRPr lang="en-US" dirty="0"/>
           </a:p>
@@ -6581,7 +6581,7 @@
           <a:p>
             <a:fld id="{00DE53A4-4886-8A4E-B0F6-EC4857490DE3}" type="datetimeFigureOut">
               <a:rPr lang="en-US" smtClean="0"/>
-              <a:t>7/5/16</a:t>
+              <a:t>7/6/16</a:t>
             </a:fld>
             <a:endParaRPr lang="en-US" dirty="0"/>
           </a:p>
@@ -6761,7 +6761,7 @@
           <a:p>
             <a:fld id="{00DE53A4-4886-8A4E-B0F6-EC4857490DE3}" type="datetimeFigureOut">
               <a:rPr lang="en-US" smtClean="0"/>
-              <a:t>7/5/16</a:t>
+              <a:t>7/6/16</a:t>
             </a:fld>
             <a:endParaRPr lang="en-US" dirty="0"/>
           </a:p>
@@ -6931,7 +6931,7 @@
           <a:p>
             <a:fld id="{00DE53A4-4886-8A4E-B0F6-EC4857490DE3}" type="datetimeFigureOut">
               <a:rPr lang="en-US" smtClean="0"/>
-              <a:t>7/5/16</a:t>
+              <a:t>7/6/16</a:t>
             </a:fld>
             <a:endParaRPr lang="en-US" dirty="0"/>
           </a:p>
@@ -7175,7 +7175,7 @@
           <a:p>
             <a:fld id="{00DE53A4-4886-8A4E-B0F6-EC4857490DE3}" type="datetimeFigureOut">
               <a:rPr lang="en-US" smtClean="0"/>
-              <a:t>7/5/16</a:t>
+              <a:t>7/6/16</a:t>
             </a:fld>
             <a:endParaRPr lang="en-US" dirty="0"/>
           </a:p>
@@ -7407,7 +7407,7 @@
           <a:p>
             <a:fld id="{00DE53A4-4886-8A4E-B0F6-EC4857490DE3}" type="datetimeFigureOut">
               <a:rPr lang="en-US" smtClean="0"/>
-              <a:t>7/5/16</a:t>
+              <a:t>7/6/16</a:t>
             </a:fld>
             <a:endParaRPr lang="en-US" dirty="0"/>
           </a:p>
@@ -7774,7 +7774,7 @@
           <a:p>
             <a:fld id="{00DE53A4-4886-8A4E-B0F6-EC4857490DE3}" type="datetimeFigureOut">
               <a:rPr lang="en-US" smtClean="0"/>
-              <a:t>7/5/16</a:t>
+              <a:t>7/6/16</a:t>
             </a:fld>
             <a:endParaRPr lang="en-US" dirty="0"/>
           </a:p>
@@ -7892,7 +7892,7 @@
           <a:p>
             <a:fld id="{00DE53A4-4886-8A4E-B0F6-EC4857490DE3}" type="datetimeFigureOut">
               <a:rPr lang="en-US" smtClean="0"/>
-              <a:t>7/5/16</a:t>
+              <a:t>7/6/16</a:t>
             </a:fld>
             <a:endParaRPr lang="en-US" dirty="0"/>
           </a:p>
@@ -7987,7 +7987,7 @@
           <a:p>
             <a:fld id="{00DE53A4-4886-8A4E-B0F6-EC4857490DE3}" type="datetimeFigureOut">
               <a:rPr lang="en-US" smtClean="0"/>
-              <a:t>7/5/16</a:t>
+              <a:t>7/6/16</a:t>
             </a:fld>
             <a:endParaRPr lang="en-US" dirty="0"/>
           </a:p>
@@ -8264,7 +8264,7 @@
           <a:p>
             <a:fld id="{00DE53A4-4886-8A4E-B0F6-EC4857490DE3}" type="datetimeFigureOut">
               <a:rPr lang="en-US" smtClean="0"/>
-              <a:t>7/5/16</a:t>
+              <a:t>7/6/16</a:t>
             </a:fld>
             <a:endParaRPr lang="en-US" dirty="0"/>
           </a:p>
@@ -8521,7 +8521,7 @@
           <a:p>
             <a:fld id="{00DE53A4-4886-8A4E-B0F6-EC4857490DE3}" type="datetimeFigureOut">
               <a:rPr lang="en-US" smtClean="0"/>
-              <a:t>7/5/16</a:t>
+              <a:t>7/6/16</a:t>
             </a:fld>
             <a:endParaRPr lang="en-US" dirty="0"/>
           </a:p>
@@ -8734,7 +8734,7 @@
           <a:p>
             <a:fld id="{00DE53A4-4886-8A4E-B0F6-EC4857490DE3}" type="datetimeFigureOut">
               <a:rPr lang="en-US" smtClean="0"/>
-              <a:t>7/5/16</a:t>
+              <a:t>7/6/16</a:t>
             </a:fld>
             <a:endParaRPr lang="en-US" dirty="0"/>
           </a:p>
@@ -9169,7 +9169,7 @@
         <p:spPr>
           <a:xfrm>
             <a:off x="350837" y="13075222"/>
-            <a:ext cx="14478000" cy="12085567"/>
+            <a:ext cx="14478000" cy="11495927"/>
           </a:xfrm>
           <a:prstGeom prst="roundRect">
             <a:avLst>
@@ -9244,72 +9244,6 @@
                 </a:solidFill>
               </a:rPr>
               <a:t>Motivation</a:t>
-            </a:r>
-          </a:p>
-        </p:txBody>
-      </p:sp>
-      <p:sp>
-        <p:nvSpPr>
-          <p:cNvPr id="28" name="TextBox 27"/>
-          <p:cNvSpPr txBox="1"/>
-          <p:nvPr/>
-        </p:nvSpPr>
-        <p:spPr>
-          <a:xfrm>
-            <a:off x="-8305661" y="14001705"/>
-            <a:ext cx="8040920" cy="571247"/>
-          </a:xfrm>
-          <a:prstGeom prst="rect">
-            <a:avLst/>
-          </a:prstGeom>
-          <a:noFill/>
-        </p:spPr>
-        <p:txBody>
-          <a:bodyPr wrap="square" rtlCol="0">
-            <a:spAutoFit/>
-          </a:bodyPr>
-          <a:lstStyle/>
-          <a:p>
-            <a:r>
-              <a:rPr lang="en-US" sz="3112" dirty="0"/>
-              <a:t>CDP/FSSP and/or CIP schematic</a:t>
-            </a:r>
-          </a:p>
-        </p:txBody>
-      </p:sp>
-      <p:sp>
-        <p:nvSpPr>
-          <p:cNvPr id="41" name="TextBox 40"/>
-          <p:cNvSpPr txBox="1"/>
-          <p:nvPr/>
-        </p:nvSpPr>
-        <p:spPr>
-          <a:xfrm>
-            <a:off x="-8305661" y="14981633"/>
-            <a:ext cx="8040920" cy="1050159"/>
-          </a:xfrm>
-          <a:prstGeom prst="rect">
-            <a:avLst/>
-          </a:prstGeom>
-          <a:noFill/>
-        </p:spPr>
-        <p:txBody>
-          <a:bodyPr wrap="square" rtlCol="0">
-            <a:spAutoFit/>
-          </a:bodyPr>
-          <a:lstStyle/>
-          <a:p>
-            <a:r>
-              <a:rPr lang="en-US" sz="3112" dirty="0"/>
-              <a:t>[Could] include </a:t>
-            </a:r>
-            <a:r>
-              <a:rPr lang="en-US" sz="3112" dirty="0" err="1"/>
-              <a:t>metcam</a:t>
-            </a:r>
-            <a:r>
-              <a:rPr lang="en-US" sz="3112" dirty="0"/>
-              <a:t> photo of glass beads (to show volume/placement imprecision) </a:t>
             </a:r>
           </a:p>
         </p:txBody>
@@ -9716,35 +9650,6 @@
       </p:sp>
       <p:sp>
         <p:nvSpPr>
-          <p:cNvPr id="43" name="TextBox 42"/>
-          <p:cNvSpPr txBox="1"/>
-          <p:nvPr/>
-        </p:nvSpPr>
-        <p:spPr>
-          <a:xfrm>
-            <a:off x="-8305661" y="16440473"/>
-            <a:ext cx="5532615" cy="571406"/>
-          </a:xfrm>
-          <a:prstGeom prst="rect">
-            <a:avLst/>
-          </a:prstGeom>
-          <a:noFill/>
-        </p:spPr>
-        <p:txBody>
-          <a:bodyPr wrap="square" rtlCol="0">
-            <a:spAutoFit/>
-          </a:bodyPr>
-          <a:lstStyle/>
-          <a:p>
-            <a:r>
-              <a:rPr lang="en-US" sz="3112" dirty="0"/>
-              <a:t>Photo of instruments on King Air</a:t>
-            </a:r>
-          </a:p>
-        </p:txBody>
-      </p:sp>
-      <p:sp>
-        <p:nvSpPr>
           <p:cNvPr id="45" name="Rounded Rectangle 44"/>
           <p:cNvSpPr/>
           <p:nvPr/>
@@ -9752,7 +9657,7 @@
         <p:spPr>
           <a:xfrm>
             <a:off x="350837" y="25435719"/>
-            <a:ext cx="14478000" cy="11978870"/>
+            <a:ext cx="14478000" cy="11556030"/>
           </a:xfrm>
           <a:prstGeom prst="roundRect">
             <a:avLst>
@@ -10030,7 +9935,7 @@
         <p:spPr>
           <a:xfrm>
             <a:off x="15518833" y="24021904"/>
-            <a:ext cx="14478000" cy="13392685"/>
+            <a:ext cx="14478000" cy="12969845"/>
           </a:xfrm>
           <a:prstGeom prst="roundRect">
             <a:avLst>
@@ -10390,8 +10295,12 @@
               <a:buChar char="•"/>
             </a:pPr>
             <a:r>
+              <a:rPr lang="en-US" sz="4000" dirty="0" smtClean="0"/>
+              <a:t>Positioning controlled by </a:t>
+            </a:r>
+            <a:r>
               <a:rPr lang="en-US" sz="4000" dirty="0"/>
-              <a:t>Employs autonomous, high precision digital </a:t>
+              <a:t>high precision digital </a:t>
             </a:r>
             <a:r>
               <a:rPr lang="en-US" sz="4000" dirty="0" err="1"/>
@@ -10445,14 +10354,43 @@
       </p:graphicFrame>
       <p:sp>
         <p:nvSpPr>
-          <p:cNvPr id="15" name="Rectangle 14"/>
+          <p:cNvPr id="17" name="Rectangle 16"/>
           <p:cNvSpPr/>
           <p:nvPr/>
         </p:nvSpPr>
         <p:spPr>
           <a:xfrm>
-            <a:off x="9799637" y="14403807"/>
-            <a:ext cx="4685492" cy="4461967"/>
+            <a:off x="615297" y="21116089"/>
+            <a:ext cx="13946032" cy="707886"/>
+          </a:xfrm>
+          <a:prstGeom prst="rect">
+            <a:avLst/>
+          </a:prstGeom>
+        </p:spPr>
+        <p:txBody>
+          <a:bodyPr wrap="square">
+            <a:spAutoFit/>
+          </a:bodyPr>
+          <a:lstStyle/>
+          <a:p>
+            <a:endParaRPr lang="en-US" sz="4000" dirty="0">
+              <a:latin typeface="Calibri" charset="0"/>
+              <a:ea typeface="Calibri" charset="0"/>
+              <a:cs typeface="Times New Roman" charset="0"/>
+            </a:endParaRPr>
+          </a:p>
+        </p:txBody>
+      </p:sp>
+      <p:sp>
+        <p:nvSpPr>
+          <p:cNvPr id="53" name="Rectangle 52"/>
+          <p:cNvSpPr/>
+          <p:nvPr/>
+        </p:nvSpPr>
+        <p:spPr>
+          <a:xfrm>
+            <a:off x="22129546" y="25423446"/>
+            <a:ext cx="7486288" cy="11289873"/>
           </a:xfrm>
           <a:prstGeom prst="rect">
             <a:avLst/>
@@ -10492,153 +10430,6 @@
             <a:pPr algn="ctr"/>
             <a:r>
               <a:rPr lang="en-US" sz="4400" dirty="0" smtClean="0"/>
-              <a:t>Image of </a:t>
-            </a:r>
-            <a:r>
-              <a:rPr lang="en-US" sz="4400" dirty="0" smtClean="0"/>
-              <a:t>probes on king air</a:t>
-            </a:r>
-            <a:endParaRPr lang="en-US" sz="4400" dirty="0"/>
-          </a:p>
-        </p:txBody>
-      </p:sp>
-      <p:sp>
-        <p:nvSpPr>
-          <p:cNvPr id="52" name="Rectangle 51"/>
-          <p:cNvSpPr/>
-          <p:nvPr/>
-        </p:nvSpPr>
-        <p:spPr>
-          <a:xfrm>
-            <a:off x="691497" y="22244983"/>
-            <a:ext cx="13793632" cy="2581136"/>
-          </a:xfrm>
-          <a:prstGeom prst="rect">
-            <a:avLst/>
-          </a:prstGeom>
-          <a:solidFill>
-            <a:schemeClr val="bg1">
-              <a:lumMod val="95000"/>
-            </a:schemeClr>
-          </a:solidFill>
-          <a:ln>
-            <a:solidFill>
-              <a:schemeClr val="tx1">
-                <a:lumMod val="95000"/>
-                <a:lumOff val="5000"/>
-              </a:schemeClr>
-            </a:solidFill>
-          </a:ln>
-        </p:spPr>
-        <p:style>
-          <a:lnRef idx="2">
-            <a:schemeClr val="accent6"/>
-          </a:lnRef>
-          <a:fillRef idx="1">
-            <a:schemeClr val="lt1"/>
-          </a:fillRef>
-          <a:effectRef idx="0">
-            <a:schemeClr val="accent6"/>
-          </a:effectRef>
-          <a:fontRef idx="minor">
-            <a:schemeClr val="dk1"/>
-          </a:fontRef>
-        </p:style>
-        <p:txBody>
-          <a:bodyPr rtlCol="0" anchor="ctr"/>
-          <a:lstStyle/>
-          <a:p>
-            <a:pPr algn="ctr"/>
-            <a:r>
-              <a:rPr lang="en-US" sz="4400" dirty="0" smtClean="0"/>
-              <a:t>Table of a few common optical probes, class, </a:t>
-            </a:r>
-            <a:r>
-              <a:rPr lang="en-US" sz="4400" dirty="0" smtClean="0"/>
-              <a:t>???</a:t>
-            </a:r>
-            <a:endParaRPr lang="en-US" sz="4400" dirty="0"/>
-          </a:p>
-        </p:txBody>
-      </p:sp>
-      <p:sp>
-        <p:nvSpPr>
-          <p:cNvPr id="17" name="Rectangle 16"/>
-          <p:cNvSpPr/>
-          <p:nvPr/>
-        </p:nvSpPr>
-        <p:spPr>
-          <a:xfrm>
-            <a:off x="615297" y="21116089"/>
-            <a:ext cx="13946032" cy="707886"/>
-          </a:xfrm>
-          <a:prstGeom prst="rect">
-            <a:avLst/>
-          </a:prstGeom>
-        </p:spPr>
-        <p:txBody>
-          <a:bodyPr wrap="square">
-            <a:spAutoFit/>
-          </a:bodyPr>
-          <a:lstStyle/>
-          <a:p>
-            <a:endParaRPr lang="en-US" sz="4000" dirty="0">
-              <a:latin typeface="Calibri" charset="0"/>
-              <a:ea typeface="Calibri" charset="0"/>
-              <a:cs typeface="Times New Roman" charset="0"/>
-            </a:endParaRPr>
-          </a:p>
-        </p:txBody>
-      </p:sp>
-      <p:sp>
-        <p:nvSpPr>
-          <p:cNvPr id="53" name="Rectangle 52"/>
-          <p:cNvSpPr/>
-          <p:nvPr/>
-        </p:nvSpPr>
-        <p:spPr>
-          <a:xfrm>
-            <a:off x="22129546" y="25423446"/>
-            <a:ext cx="7486288" cy="11568303"/>
-          </a:xfrm>
-          <a:prstGeom prst="rect">
-            <a:avLst/>
-          </a:prstGeom>
-          <a:solidFill>
-            <a:schemeClr val="bg1">
-              <a:lumMod val="95000"/>
-            </a:schemeClr>
-          </a:solidFill>
-          <a:ln>
-            <a:solidFill>
-              <a:schemeClr val="tx1">
-                <a:lumMod val="95000"/>
-                <a:lumOff val="5000"/>
-              </a:schemeClr>
-            </a:solidFill>
-          </a:ln>
-        </p:spPr>
-        <p:style>
-          <a:lnRef idx="2">
-            <a:schemeClr val="accent6"/>
-          </a:lnRef>
-          <a:fillRef idx="1">
-            <a:schemeClr val="lt1"/>
-          </a:fillRef>
-          <a:effectRef idx="0">
-            <a:schemeClr val="accent6"/>
-          </a:effectRef>
-          <a:fontRef idx="minor">
-            <a:schemeClr val="dk1"/>
-          </a:fontRef>
-        </p:style>
-        <p:txBody>
-          <a:bodyPr rtlCol="0" anchor="ctr"/>
-          <a:lstStyle/>
-          <a:p>
-            <a:pPr algn="ctr"/>
-            <a:r>
-              <a:rPr lang="en-US" sz="4400" dirty="0" smtClean="0"/>
               <a:t>CAD droplet generator cutaway diagram w/ main components color coded</a:t>
             </a:r>
             <a:endParaRPr lang="en-US" sz="4400" dirty="0"/>
@@ -10676,18 +10467,7 @@
                 <a:ea typeface="Calibri" charset="0"/>
                 <a:cs typeface="Times New Roman" charset="0"/>
               </a:rPr>
-              <a:t>**Detail about main generator assembly components and </a:t>
-            </a:r>
-            <a:r>
-              <a:rPr lang="en-US" sz="4400" dirty="0" smtClean="0">
-                <a:solidFill>
-                  <a:srgbClr val="FF0000"/>
-                </a:solidFill>
-                <a:latin typeface="Calibri" charset="0"/>
-                <a:ea typeface="Calibri" charset="0"/>
-                <a:cs typeface="Times New Roman" charset="0"/>
-              </a:rPr>
-              <a:t>their</a:t>
+              <a:t>**Detail about main generator assembly components and their</a:t>
             </a:r>
             <a:endParaRPr lang="en-US" sz="4400" dirty="0">
               <a:solidFill>
@@ -10763,61 +10543,6 @@
       </p:sp>
       <p:sp>
         <p:nvSpPr>
-          <p:cNvPr id="56" name="Rectangle 55"/>
-          <p:cNvSpPr/>
-          <p:nvPr/>
-        </p:nvSpPr>
-        <p:spPr>
-          <a:xfrm>
-            <a:off x="24926146" y="18760444"/>
-            <a:ext cx="4685492" cy="4461967"/>
-          </a:xfrm>
-          <a:prstGeom prst="rect">
-            <a:avLst/>
-          </a:prstGeom>
-          <a:solidFill>
-            <a:schemeClr val="bg1">
-              <a:lumMod val="95000"/>
-            </a:schemeClr>
-          </a:solidFill>
-          <a:ln>
-            <a:solidFill>
-              <a:schemeClr val="tx1">
-                <a:lumMod val="95000"/>
-                <a:lumOff val="5000"/>
-              </a:schemeClr>
-            </a:solidFill>
-          </a:ln>
-        </p:spPr>
-        <p:style>
-          <a:lnRef idx="2">
-            <a:schemeClr val="accent6"/>
-          </a:lnRef>
-          <a:fillRef idx="1">
-            <a:schemeClr val="lt1"/>
-          </a:fillRef>
-          <a:effectRef idx="0">
-            <a:schemeClr val="accent6"/>
-          </a:effectRef>
-          <a:fontRef idx="minor">
-            <a:schemeClr val="dk1"/>
-          </a:fontRef>
-        </p:style>
-        <p:txBody>
-          <a:bodyPr rtlCol="0" anchor="ctr"/>
-          <a:lstStyle/>
-          <a:p>
-            <a:pPr algn="ctr"/>
-            <a:r>
-              <a:rPr lang="en-US" sz="4400" dirty="0" smtClean="0"/>
-              <a:t>Drop streak image? </a:t>
-            </a:r>
-            <a:endParaRPr lang="en-US" sz="4400" dirty="0"/>
-          </a:p>
-        </p:txBody>
-      </p:sp>
-      <p:sp>
-        <p:nvSpPr>
           <p:cNvPr id="39" name="TextBox 38"/>
           <p:cNvSpPr txBox="1"/>
           <p:nvPr/>
@@ -10854,6 +10579,287 @@
                 <a:srgbClr val="FF0000"/>
               </a:solidFill>
             </a:endParaRPr>
+          </a:p>
+        </p:txBody>
+      </p:sp>
+      <p:sp>
+        <p:nvSpPr>
+          <p:cNvPr id="35" name="TextBox 34"/>
+          <p:cNvSpPr txBox="1"/>
+          <p:nvPr/>
+        </p:nvSpPr>
+        <p:spPr>
+          <a:xfrm>
+            <a:off x="576389" y="14048739"/>
+            <a:ext cx="13984940" cy="1323439"/>
+          </a:xfrm>
+          <a:prstGeom prst="rect">
+            <a:avLst/>
+          </a:prstGeom>
+          <a:noFill/>
+        </p:spPr>
+        <p:txBody>
+          <a:bodyPr wrap="square" rtlCol="0">
+            <a:spAutoFit/>
+          </a:bodyPr>
+          <a:lstStyle/>
+          <a:p>
+            <a:r>
+              <a:rPr lang="en-US" sz="4000" dirty="0"/>
+              <a:t>Sub-precipitation to precipitation sized (2 um – 1 mm diameter) DSDs are commonly measured with two airborne </a:t>
+            </a:r>
+            <a:r>
+              <a:rPr lang="en-US" sz="4000" dirty="0" smtClean="0"/>
+              <a:t>instrument</a:t>
+            </a:r>
+            <a:endParaRPr lang="en-US" sz="4000" dirty="0"/>
+          </a:p>
+        </p:txBody>
+      </p:sp>
+      <p:sp>
+        <p:nvSpPr>
+          <p:cNvPr id="36" name="TextBox 35"/>
+          <p:cNvSpPr txBox="1"/>
+          <p:nvPr/>
+        </p:nvSpPr>
+        <p:spPr>
+          <a:xfrm>
+            <a:off x="7143133" y="21389529"/>
+            <a:ext cx="7346581" cy="2554545"/>
+          </a:xfrm>
+          <a:prstGeom prst="rect">
+            <a:avLst/>
+          </a:prstGeom>
+          <a:noFill/>
+        </p:spPr>
+        <p:txBody>
+          <a:bodyPr wrap="square" rtlCol="0">
+            <a:spAutoFit/>
+          </a:bodyPr>
+          <a:lstStyle/>
+          <a:p>
+            <a:r>
+              <a:rPr lang="en-US" sz="3200" i="1" dirty="0" smtClean="0"/>
+              <a:t>In-situ </a:t>
+            </a:r>
+            <a:r>
+              <a:rPr lang="en-US" sz="3200" i="1" dirty="0" smtClean="0"/>
+              <a:t>instruments </a:t>
+            </a:r>
+            <a:r>
+              <a:rPr lang="en-US" sz="3200" i="1" dirty="0" smtClean="0"/>
+              <a:t>aboard The UWYO King air. From left to right – Passive Cavity </a:t>
+            </a:r>
+            <a:r>
+              <a:rPr lang="en-US" sz="3200" i="1" smtClean="0"/>
+              <a:t>Aerosol Spectrometer, </a:t>
+            </a:r>
+            <a:r>
+              <a:rPr lang="en-US" sz="3200" i="1" smtClean="0"/>
+              <a:t>LWC-100 </a:t>
+            </a:r>
+            <a:r>
+              <a:rPr lang="en-US" sz="3200" i="1" smtClean="0"/>
+              <a:t>Hotwire Device, </a:t>
+            </a:r>
+            <a:r>
+              <a:rPr lang="en-US" sz="3200" i="1" dirty="0" smtClean="0"/>
+              <a:t>Reverse Flow Temperature Probe, Cloud Imaging Probe</a:t>
+            </a:r>
+            <a:endParaRPr lang="en-US" sz="3200" i="1" dirty="0"/>
+          </a:p>
+        </p:txBody>
+      </p:sp>
+      <p:sp>
+        <p:nvSpPr>
+          <p:cNvPr id="37" name="TextBox 36"/>
+          <p:cNvSpPr txBox="1"/>
+          <p:nvPr/>
+        </p:nvSpPr>
+        <p:spPr>
+          <a:xfrm>
+            <a:off x="620176" y="15219502"/>
+            <a:ext cx="6185544" cy="6863417"/>
+          </a:xfrm>
+          <a:prstGeom prst="rect">
+            <a:avLst/>
+          </a:prstGeom>
+          <a:noFill/>
+        </p:spPr>
+        <p:txBody>
+          <a:bodyPr wrap="square" rtlCol="0">
+            <a:spAutoFit/>
+          </a:bodyPr>
+          <a:lstStyle/>
+          <a:p>
+            <a:r>
+              <a:rPr lang="en-US" sz="4000" dirty="0"/>
+              <a:t>classes; forward scattering and optical array probes. Both classes are subject to significant uncertainty due to coincidence error, sample volume uncertainty, and inhomogeneous sizing response. Error sources artificially broaden DSDs and compromise derived liquid water content (LWC) values. </a:t>
+            </a:r>
+          </a:p>
+        </p:txBody>
+      </p:sp>
+      <p:sp>
+        <p:nvSpPr>
+          <p:cNvPr id="7" name="Rectangle 6"/>
+          <p:cNvSpPr/>
+          <p:nvPr/>
+        </p:nvSpPr>
+        <p:spPr>
+          <a:xfrm>
+            <a:off x="-7497743" y="19700317"/>
+            <a:ext cx="6754246" cy="2123658"/>
+          </a:xfrm>
+          <a:prstGeom prst="rect">
+            <a:avLst/>
+          </a:prstGeom>
+        </p:spPr>
+        <p:txBody>
+          <a:bodyPr wrap="square">
+            <a:spAutoFit/>
+          </a:bodyPr>
+          <a:lstStyle/>
+          <a:p>
+            <a:r>
+              <a:rPr lang="en-US" sz="4400" dirty="0">
+                <a:solidFill>
+                  <a:schemeClr val="accent1">
+                    <a:lumMod val="75000"/>
+                  </a:schemeClr>
+                </a:solidFill>
+              </a:rPr>
+              <a:t>http://domex2011.blogspot.com/2011/04/</a:t>
+            </a:r>
+            <a:r>
+              <a:rPr lang="en-US" sz="4400" dirty="0" err="1">
+                <a:solidFill>
+                  <a:schemeClr val="accent1">
+                    <a:lumMod val="75000"/>
+                  </a:schemeClr>
+                </a:solidFill>
+              </a:rPr>
+              <a:t>wyoming</a:t>
+            </a:r>
+            <a:r>
+              <a:rPr lang="en-US" sz="4400" dirty="0">
+                <a:solidFill>
+                  <a:schemeClr val="accent1">
+                    <a:lumMod val="75000"/>
+                  </a:schemeClr>
+                </a:solidFill>
+              </a:rPr>
+              <a:t>-king-</a:t>
+            </a:r>
+            <a:r>
+              <a:rPr lang="en-US" sz="4400" dirty="0" err="1">
+                <a:solidFill>
+                  <a:schemeClr val="accent1">
+                    <a:lumMod val="75000"/>
+                  </a:schemeClr>
+                </a:solidFill>
+              </a:rPr>
+              <a:t>air.html</a:t>
+            </a:r>
+            <a:endParaRPr lang="en-US" sz="4400" dirty="0">
+              <a:solidFill>
+                <a:schemeClr val="accent1">
+                  <a:lumMod val="75000"/>
+                </a:schemeClr>
+              </a:solidFill>
+            </a:endParaRPr>
+          </a:p>
+        </p:txBody>
+      </p:sp>
+      <p:pic>
+        <p:nvPicPr>
+          <p:cNvPr id="13" name="Picture 12"/>
+          <p:cNvPicPr>
+            <a:picLocks noChangeAspect="1"/>
+          </p:cNvPicPr>
+          <p:nvPr/>
+        </p:nvPicPr>
+        <p:blipFill rotWithShape="1">
+          <a:blip r:embed="rId8">
+            <a:extLst>
+              <a:ext uri="{28A0092B-C50C-407E-A947-70E740481C1C}">
+                <a14:useLocalDpi xmlns:a14="http://schemas.microsoft.com/office/drawing/2010/main" val="0"/>
+              </a:ext>
+            </a:extLst>
+          </a:blip>
+          <a:srcRect l="11533" t="10959" r="12070" b="17265"/>
+          <a:stretch/>
+        </p:blipFill>
+        <p:spPr>
+          <a:xfrm>
+            <a:off x="25344437" y="17871432"/>
+            <a:ext cx="4038601" cy="3886201"/>
+          </a:xfrm>
+          <a:prstGeom prst="rect">
+            <a:avLst/>
+          </a:prstGeom>
+        </p:spPr>
+      </p:pic>
+      <p:pic>
+        <p:nvPicPr>
+          <p:cNvPr id="9" name="Picture 8"/>
+          <p:cNvPicPr>
+            <a:picLocks noChangeAspect="1"/>
+          </p:cNvPicPr>
+          <p:nvPr/>
+        </p:nvPicPr>
+        <p:blipFill>
+          <a:blip r:embed="rId9">
+            <a:extLst>
+              <a:ext uri="{28A0092B-C50C-407E-A947-70E740481C1C}">
+                <a14:useLocalDpi xmlns:a14="http://schemas.microsoft.com/office/drawing/2010/main" val="0"/>
+              </a:ext>
+            </a:extLst>
+          </a:blip>
+          <a:stretch>
+            <a:fillRect/>
+          </a:stretch>
+        </p:blipFill>
+        <p:spPr>
+          <a:xfrm>
+            <a:off x="6977169" y="15608664"/>
+            <a:ext cx="7530057" cy="5647543"/>
+          </a:xfrm>
+          <a:prstGeom prst="rect">
+            <a:avLst/>
+          </a:prstGeom>
+        </p:spPr>
+      </p:pic>
+      <p:sp>
+        <p:nvSpPr>
+          <p:cNvPr id="38" name="TextBox 37"/>
+          <p:cNvSpPr txBox="1"/>
+          <p:nvPr/>
+        </p:nvSpPr>
+        <p:spPr>
+          <a:xfrm>
+            <a:off x="24963437" y="22036280"/>
+            <a:ext cx="5144262" cy="1077218"/>
+          </a:xfrm>
+          <a:prstGeom prst="rect">
+            <a:avLst/>
+          </a:prstGeom>
+          <a:noFill/>
+        </p:spPr>
+        <p:txBody>
+          <a:bodyPr wrap="square" rtlCol="0">
+            <a:spAutoFit/>
+          </a:bodyPr>
+          <a:lstStyle/>
+          <a:p>
+            <a:r>
+              <a:rPr lang="en-US" sz="3200" i="1" dirty="0" smtClean="0"/>
+              <a:t>40 um </a:t>
+            </a:r>
+            <a:r>
+              <a:rPr lang="en-US" sz="3200" i="1" smtClean="0"/>
+              <a:t>drop streak captured at 1/4000 second</a:t>
+            </a:r>
+            <a:endParaRPr lang="en-US" sz="3200" i="1" dirty="0"/>
           </a:p>
         </p:txBody>
       </p:sp>

--- a/dropGen/iccpPoster/iccpPoster.pptx
+++ b/dropGen/iccpPoster/iccpPoster.pptx
@@ -228,7 +228,7 @@
           <a:p>
             <a:fld id="{473B2F62-7B0C-0D4E-89AA-04FB4AE1B4E3}" type="datetimeFigureOut">
               <a:rPr lang="en-US" smtClean="0"/>
-              <a:t>7/7/16</a:t>
+              <a:t>7/8/16</a:t>
             </a:fld>
             <a:endParaRPr lang="en-US" dirty="0"/>
           </a:p>
@@ -716,7 +716,7 @@
           <a:p>
             <a:fld id="{00DE53A4-4886-8A4E-B0F6-EC4857490DE3}" type="datetimeFigureOut">
               <a:rPr lang="en-US" smtClean="0"/>
-              <a:t>7/7/16</a:t>
+              <a:t>7/8/16</a:t>
             </a:fld>
             <a:endParaRPr lang="en-US" dirty="0"/>
           </a:p>
@@ -886,7 +886,7 @@
           <a:p>
             <a:fld id="{00DE53A4-4886-8A4E-B0F6-EC4857490DE3}" type="datetimeFigureOut">
               <a:rPr lang="en-US" smtClean="0"/>
-              <a:t>7/7/16</a:t>
+              <a:t>7/8/16</a:t>
             </a:fld>
             <a:endParaRPr lang="en-US" dirty="0"/>
           </a:p>
@@ -1066,7 +1066,7 @@
           <a:p>
             <a:fld id="{00DE53A4-4886-8A4E-B0F6-EC4857490DE3}" type="datetimeFigureOut">
               <a:rPr lang="en-US" smtClean="0"/>
-              <a:t>7/7/16</a:t>
+              <a:t>7/8/16</a:t>
             </a:fld>
             <a:endParaRPr lang="en-US" dirty="0"/>
           </a:p>
@@ -1236,7 +1236,7 @@
           <a:p>
             <a:fld id="{00DE53A4-4886-8A4E-B0F6-EC4857490DE3}" type="datetimeFigureOut">
               <a:rPr lang="en-US" smtClean="0"/>
-              <a:t>7/7/16</a:t>
+              <a:t>7/8/16</a:t>
             </a:fld>
             <a:endParaRPr lang="en-US" dirty="0"/>
           </a:p>
@@ -1480,7 +1480,7 @@
           <a:p>
             <a:fld id="{00DE53A4-4886-8A4E-B0F6-EC4857490DE3}" type="datetimeFigureOut">
               <a:rPr lang="en-US" smtClean="0"/>
-              <a:t>7/7/16</a:t>
+              <a:t>7/8/16</a:t>
             </a:fld>
             <a:endParaRPr lang="en-US" dirty="0"/>
           </a:p>
@@ -1712,7 +1712,7 @@
           <a:p>
             <a:fld id="{00DE53A4-4886-8A4E-B0F6-EC4857490DE3}" type="datetimeFigureOut">
               <a:rPr lang="en-US" smtClean="0"/>
-              <a:t>7/7/16</a:t>
+              <a:t>7/8/16</a:t>
             </a:fld>
             <a:endParaRPr lang="en-US" dirty="0"/>
           </a:p>
@@ -2079,7 +2079,7 @@
           <a:p>
             <a:fld id="{00DE53A4-4886-8A4E-B0F6-EC4857490DE3}" type="datetimeFigureOut">
               <a:rPr lang="en-US" smtClean="0"/>
-              <a:t>7/7/16</a:t>
+              <a:t>7/8/16</a:t>
             </a:fld>
             <a:endParaRPr lang="en-US" dirty="0"/>
           </a:p>
@@ -2197,7 +2197,7 @@
           <a:p>
             <a:fld id="{00DE53A4-4886-8A4E-B0F6-EC4857490DE3}" type="datetimeFigureOut">
               <a:rPr lang="en-US" smtClean="0"/>
-              <a:t>7/7/16</a:t>
+              <a:t>7/8/16</a:t>
             </a:fld>
             <a:endParaRPr lang="en-US" dirty="0"/>
           </a:p>
@@ -2292,7 +2292,7 @@
           <a:p>
             <a:fld id="{00DE53A4-4886-8A4E-B0F6-EC4857490DE3}" type="datetimeFigureOut">
               <a:rPr lang="en-US" smtClean="0"/>
-              <a:t>7/7/16</a:t>
+              <a:t>7/8/16</a:t>
             </a:fld>
             <a:endParaRPr lang="en-US" dirty="0"/>
           </a:p>
@@ -2569,7 +2569,7 @@
           <a:p>
             <a:fld id="{00DE53A4-4886-8A4E-B0F6-EC4857490DE3}" type="datetimeFigureOut">
               <a:rPr lang="en-US" smtClean="0"/>
-              <a:t>7/7/16</a:t>
+              <a:t>7/8/16</a:t>
             </a:fld>
             <a:endParaRPr lang="en-US" dirty="0"/>
           </a:p>
@@ -2826,7 +2826,7 @@
           <a:p>
             <a:fld id="{00DE53A4-4886-8A4E-B0F6-EC4857490DE3}" type="datetimeFigureOut">
               <a:rPr lang="en-US" smtClean="0"/>
-              <a:t>7/7/16</a:t>
+              <a:t>7/8/16</a:t>
             </a:fld>
             <a:endParaRPr lang="en-US" dirty="0"/>
           </a:p>
@@ -3039,7 +3039,7 @@
           <a:p>
             <a:fld id="{00DE53A4-4886-8A4E-B0F6-EC4857490DE3}" type="datetimeFigureOut">
               <a:rPr lang="en-US" smtClean="0"/>
-              <a:t>7/7/16</a:t>
+              <a:t>7/8/16</a:t>
             </a:fld>
             <a:endParaRPr lang="en-US" dirty="0"/>
           </a:p>
@@ -3474,7 +3474,7 @@
         <p:spPr>
           <a:xfrm>
             <a:off x="274639" y="13075222"/>
-            <a:ext cx="14630400" cy="12131370"/>
+            <a:ext cx="14630400" cy="14422570"/>
           </a:xfrm>
           <a:prstGeom prst="roundRect">
             <a:avLst>
@@ -3982,8 +3982,8 @@
         </p:nvSpPr>
         <p:spPr>
           <a:xfrm>
-            <a:off x="274639" y="25435718"/>
-            <a:ext cx="14630399" cy="12191475"/>
+            <a:off x="274639" y="27819410"/>
+            <a:ext cx="14630399" cy="9712278"/>
           </a:xfrm>
           <a:prstGeom prst="roundRect">
             <a:avLst>
@@ -4036,8 +4036,8 @@
         </p:nvSpPr>
         <p:spPr>
           <a:xfrm>
-            <a:off x="615297" y="25477778"/>
-            <a:ext cx="9108140" cy="846386"/>
+            <a:off x="615297" y="27861469"/>
+            <a:ext cx="3240740" cy="846386"/>
           </a:xfrm>
           <a:prstGeom prst="rect">
             <a:avLst/>
@@ -4268,7 +4268,7 @@
         <p:spPr>
           <a:xfrm>
             <a:off x="15366434" y="23373874"/>
-            <a:ext cx="14702404" cy="14253319"/>
+            <a:ext cx="14702404" cy="14157813"/>
           </a:xfrm>
           <a:prstGeom prst="roundRect">
             <a:avLst>
@@ -4486,7 +4486,7 @@
         </p:nvSpPr>
         <p:spPr>
           <a:xfrm>
-            <a:off x="576389" y="26502519"/>
+            <a:off x="576389" y="28886210"/>
             <a:ext cx="13984940" cy="8740854"/>
           </a:xfrm>
           <a:prstGeom prst="rect">
@@ -4528,7 +4528,15 @@
             </a:pPr>
             <a:r>
               <a:rPr lang="en-US" sz="4000" dirty="0"/>
-              <a:t>Creates droplets of highly repeatable size, velocity, and </a:t>
+              <a:t>Creates droplets of </a:t>
+            </a:r>
+            <a:r>
+              <a:rPr lang="en-US" sz="4000" dirty="0" smtClean="0"/>
+              <a:t>repeatable </a:t>
+            </a:r>
+            <a:r>
+              <a:rPr lang="en-US" sz="4000" dirty="0"/>
+              <a:t>size, velocity, and </a:t>
             </a:r>
             <a:r>
               <a:rPr lang="en-US" sz="4000" dirty="0" smtClean="0"/>
@@ -4565,8 +4573,12 @@
               <a:buChar char="•"/>
             </a:pPr>
             <a:r>
+              <a:rPr lang="en-US" sz="4000" dirty="0" smtClean="0"/>
+              <a:t>Incorporates independent </a:t>
+            </a:r>
+            <a:r>
               <a:rPr lang="en-US" sz="4000" dirty="0"/>
-              <a:t>Independent droplet diameter and velocity </a:t>
+              <a:t>droplet diameter and velocity </a:t>
             </a:r>
             <a:r>
               <a:rPr lang="en-US" sz="4000" dirty="0" smtClean="0"/>
@@ -4581,11 +4593,7 @@
             </a:pPr>
             <a:r>
               <a:rPr lang="en-US" sz="4000" dirty="0" smtClean="0"/>
-              <a:t>Positioning </a:t>
-            </a:r>
-            <a:r>
-              <a:rPr lang="en-US" sz="4000" dirty="0" smtClean="0"/>
-              <a:t>controlled by </a:t>
+              <a:t>Positioning controlled by </a:t>
             </a:r>
             <a:r>
               <a:rPr lang="en-US" sz="4000" dirty="0"/>
@@ -4607,11 +4615,7 @@
             </a:pPr>
             <a:r>
               <a:rPr lang="en-US" sz="4000" dirty="0" smtClean="0"/>
-              <a:t>Initially compatible with CDP with capability to expand to </a:t>
-            </a:r>
-            <a:r>
-              <a:rPr lang="en-US" sz="4000" dirty="0" smtClean="0"/>
-              <a:t>several forward </a:t>
+              <a:t>Initially compatible with CDP with capability to expand to several forward </a:t>
             </a:r>
             <a:r>
               <a:rPr lang="en-US" sz="4000" dirty="0"/>
@@ -4661,7 +4665,7 @@
         <p:spPr>
           <a:xfrm>
             <a:off x="576389" y="14048739"/>
-            <a:ext cx="13984940" cy="2554545"/>
+            <a:ext cx="13984940" cy="4401205"/>
           </a:xfrm>
           <a:prstGeom prst="rect">
             <a:avLst/>
@@ -4676,11 +4680,29 @@
           <a:p>
             <a:r>
               <a:rPr lang="en-US" sz="4000" dirty="0" smtClean="0"/>
-              <a:t>Sub-precipitation to precipitation sized (2 um – 1 mm diameter) DSDs are commonly measured with two airborne </a:t>
+              <a:t>Sub-precipitation to precipitation sized (2 um – 1 mm diameter) DSDs are commonly measured with two airborne instrument classes; forward scattering and optical array probes. Both classes are subject to significant uncertainty due to coincidence error, </a:t>
+            </a:r>
+            <a:r>
+              <a:rPr lang="en-US" sz="4000" dirty="0"/>
+              <a:t>sample volume uncertainty, and inhomogeneous sizing response (</a:t>
+            </a:r>
+            <a:r>
+              <a:rPr lang="en-US" sz="4000" dirty="0">
+                <a:solidFill>
+                  <a:schemeClr val="accent1">
+                    <a:lumMod val="75000"/>
+                  </a:schemeClr>
+                </a:solidFill>
+              </a:rPr>
+              <a:t>1</a:t>
+            </a:r>
+            <a:r>
+              <a:rPr lang="en-US" sz="4000" dirty="0"/>
+              <a:t>). Error sources artificially broaden DSDs and compromise derived liquid water content (LWC) values</a:t>
             </a:r>
             <a:r>
               <a:rPr lang="en-US" sz="4000" dirty="0" smtClean="0"/>
-              <a:t>instrument classes; forward scattering and optical array probes. Both classes are subject to significant uncertainty due to coincidence error, </a:t>
+              <a:t>.</a:t>
             </a:r>
             <a:endParaRPr lang="en-US" sz="4000" dirty="0"/>
           </a:p>
@@ -4694,7 +4716,7 @@
         </p:nvSpPr>
         <p:spPr>
           <a:xfrm>
-            <a:off x="7737805" y="22017719"/>
+            <a:off x="7857226" y="24282888"/>
             <a:ext cx="6747477" cy="3046988"/>
           </a:xfrm>
           <a:prstGeom prst="rect">
@@ -4711,19 +4733,7 @@
             <a:pPr algn="ctr"/>
             <a:r>
               <a:rPr lang="en-US" sz="3200" i="1" dirty="0" smtClean="0"/>
-              <a:t>In-situ instruments aboard The UWYO King </a:t>
-            </a:r>
-            <a:r>
-              <a:rPr lang="en-US" sz="3200" i="1" dirty="0" smtClean="0"/>
-              <a:t>Air</a:t>
-            </a:r>
-            <a:r>
-              <a:rPr lang="en-US" sz="3200" i="1" dirty="0" smtClean="0"/>
-              <a:t>. From left to right – Passive Cavity Aerosol Spectrometer, LWC-100 Hotwire Device, Reverse Flow Temperature Probe, Cloud Imaging </a:t>
-            </a:r>
-            <a:r>
-              <a:rPr lang="en-US" sz="3200" i="1" dirty="0" smtClean="0"/>
-              <a:t>Probe (</a:t>
+              <a:t>In-situ instruments aboard The UWYO King Air. From left to right – Passive Cavity Aerosol Spectrometer, LWC-100 Hotwire Device, Reverse Flow Temperature Probe, Cloud Imaging Probe (</a:t>
             </a:r>
             <a:r>
               <a:rPr lang="en-US" sz="3200" i="1" dirty="0" smtClean="0">
@@ -4751,8 +4761,8 @@
         </p:nvSpPr>
         <p:spPr>
           <a:xfrm>
-            <a:off x="-7682222" y="21021090"/>
-            <a:ext cx="6754246" cy="2123658"/>
+            <a:off x="-8850977" y="18091893"/>
+            <a:ext cx="6754246" cy="830997"/>
           </a:xfrm>
           <a:prstGeom prst="rect">
             <a:avLst/>
@@ -4765,7 +4775,7 @@
           <a:lstStyle/>
           <a:p>
             <a:r>
-              <a:rPr lang="en-US" sz="4400" dirty="0">
+              <a:rPr lang="en-US" sz="2400" dirty="0">
                 <a:solidFill>
                   <a:schemeClr val="accent1">
                     <a:lumMod val="75000"/>
@@ -4775,7 +4785,7 @@
               <a:t>http://domex2011.blogspot.com/2011/04/</a:t>
             </a:r>
             <a:r>
-              <a:rPr lang="en-US" sz="4400" dirty="0" err="1">
+              <a:rPr lang="en-US" sz="2400" dirty="0" err="1">
                 <a:solidFill>
                   <a:schemeClr val="accent1">
                     <a:lumMod val="75000"/>
@@ -4785,7 +4795,7 @@
               <a:t>wyoming</a:t>
             </a:r>
             <a:r>
-              <a:rPr lang="en-US" sz="4400" dirty="0">
+              <a:rPr lang="en-US" sz="2400" dirty="0">
                 <a:solidFill>
                   <a:schemeClr val="accent1">
                     <a:lumMod val="75000"/>
@@ -4795,7 +4805,7 @@
               <a:t>-king-</a:t>
             </a:r>
             <a:r>
-              <a:rPr lang="en-US" sz="4400" dirty="0" err="1">
+              <a:rPr lang="en-US" sz="2400" dirty="0" err="1">
                 <a:solidFill>
                   <a:schemeClr val="accent1">
                     <a:lumMod val="75000"/>
@@ -4804,7 +4814,7 @@
               </a:rPr>
               <a:t>air.html</a:t>
             </a:r>
-            <a:endParaRPr lang="en-US" sz="4400" dirty="0">
+            <a:endParaRPr lang="en-US" sz="2400" dirty="0">
               <a:solidFill>
                 <a:schemeClr val="accent1">
                   <a:lumMod val="75000"/>
@@ -4865,7 +4875,7 @@
         </p:blipFill>
         <p:spPr>
           <a:xfrm>
-            <a:off x="7737805" y="16812876"/>
+            <a:off x="7857226" y="19078045"/>
             <a:ext cx="6823524" cy="5117643"/>
           </a:xfrm>
           <a:prstGeom prst="rect">
@@ -5225,66 +5235,6 @@
               <a:rPr lang="en-US" sz="4000" dirty="0"/>
               <a:t>Develop beam mapping algorithms (incorporating stage position and CDP data)</a:t>
             </a:r>
-            <a:endParaRPr lang="en-US" sz="4000" dirty="0"/>
-          </a:p>
-        </p:txBody>
-      </p:sp>
-      <p:sp>
-        <p:nvSpPr>
-          <p:cNvPr id="23" name="Rectangle 22"/>
-          <p:cNvSpPr/>
-          <p:nvPr/>
-        </p:nvSpPr>
-        <p:spPr>
-          <a:xfrm>
-            <a:off x="579437" y="16444119"/>
-            <a:ext cx="6907228" cy="6247864"/>
-          </a:xfrm>
-          <a:prstGeom prst="rect">
-            <a:avLst/>
-          </a:prstGeom>
-        </p:spPr>
-        <p:txBody>
-          <a:bodyPr wrap="square">
-            <a:spAutoFit/>
-          </a:bodyPr>
-          <a:lstStyle/>
-          <a:p>
-            <a:r>
-              <a:rPr lang="en-US" sz="4000" dirty="0"/>
-              <a:t>sample volume uncertainty, and inhomogeneous sizing response (</a:t>
-            </a:r>
-            <a:r>
-              <a:rPr lang="en-US" sz="4000" dirty="0">
-                <a:solidFill>
-                  <a:schemeClr val="accent1">
-                    <a:lumMod val="75000"/>
-                  </a:schemeClr>
-                </a:solidFill>
-              </a:rPr>
-              <a:t>1</a:t>
-            </a:r>
-            <a:r>
-              <a:rPr lang="en-US" sz="4000" dirty="0"/>
-              <a:t>). Error sources artificially broaden DSDs and compromise derived liquid water content (LWC) values</a:t>
-            </a:r>
-            <a:r>
-              <a:rPr lang="en-US" sz="4000" dirty="0" smtClean="0"/>
-              <a:t>.</a:t>
-            </a:r>
-          </a:p>
-          <a:p>
-            <a:endParaRPr lang="en-US" sz="4000" dirty="0"/>
-          </a:p>
-          <a:p>
-            <a:r>
-              <a:rPr lang="en-US" sz="4000" dirty="0" smtClean="0"/>
-              <a:t>Traditional calibration techniques lack  </a:t>
-            </a:r>
-            <a:endParaRPr lang="en-US" sz="4000" dirty="0"/>
-          </a:p>
-          <a:p>
-            <a:endParaRPr lang="en-US" sz="4000" dirty="0"/>
           </a:p>
         </p:txBody>
       </p:sp>
@@ -5389,7 +5339,6 @@
               <a:rPr lang="en-US" sz="3600" dirty="0" smtClean="0"/>
               <a:t>Position adjustable for varying droplet velocity and diameter (through evaporation)</a:t>
             </a:r>
-            <a:endParaRPr lang="en-US" sz="3600" dirty="0" smtClean="0"/>
           </a:p>
           <a:p>
             <a:endParaRPr lang="en-US" sz="4400" b="1" dirty="0" smtClean="0"/>
@@ -5427,8 +5376,8 @@
         </p:nvSpPr>
         <p:spPr>
           <a:xfrm>
-            <a:off x="24540393" y="32863007"/>
-            <a:ext cx="5075441" cy="4154984"/>
+            <a:off x="24540393" y="32084841"/>
+            <a:ext cx="5075441" cy="4832092"/>
           </a:xfrm>
           <a:prstGeom prst="rect">
             <a:avLst/>
@@ -5462,6 +5411,14 @@
           <a:p>
             <a:pPr algn="ctr"/>
             <a:endParaRPr lang="en-US" sz="4400" b="1" dirty="0">
+              <a:solidFill>
+                <a:srgbClr val="9A424A"/>
+              </a:solidFill>
+            </a:endParaRPr>
+          </a:p>
+          <a:p>
+            <a:pPr algn="ctr"/>
+            <a:endParaRPr lang="en-US" sz="4400" b="1" dirty="0" smtClean="0">
               <a:solidFill>
                 <a:srgbClr val="9A424A"/>
               </a:solidFill>
@@ -5541,6 +5498,307 @@
           </a:fontRef>
         </p:style>
       </p:cxnSp>
+      <p:sp>
+        <p:nvSpPr>
+          <p:cNvPr id="37" name="Rectangle 36"/>
+          <p:cNvSpPr/>
+          <p:nvPr/>
+        </p:nvSpPr>
+        <p:spPr>
+          <a:xfrm>
+            <a:off x="15855297" y="17327473"/>
+            <a:ext cx="9264737" cy="769441"/>
+          </a:xfrm>
+          <a:prstGeom prst="rect">
+            <a:avLst/>
+          </a:prstGeom>
+        </p:spPr>
+        <p:txBody>
+          <a:bodyPr wrap="square">
+            <a:spAutoFit/>
+          </a:bodyPr>
+          <a:lstStyle/>
+          <a:p>
+            <a:pPr algn="ctr"/>
+            <a:r>
+              <a:rPr lang="en-US" sz="4400" dirty="0" smtClean="0">
+                <a:solidFill>
+                  <a:schemeClr val="bg2">
+                    <a:lumMod val="25000"/>
+                  </a:schemeClr>
+                </a:solidFill>
+              </a:rPr>
+              <a:t>Droplet</a:t>
+            </a:r>
+            <a:r>
+              <a:rPr lang="en-US" sz="4400" dirty="0" smtClean="0">
+                <a:solidFill>
+                  <a:schemeClr val="bg2">
+                    <a:lumMod val="50000"/>
+                  </a:schemeClr>
+                </a:solidFill>
+              </a:rPr>
+              <a:t> </a:t>
+            </a:r>
+            <a:r>
+              <a:rPr lang="en-US" sz="4400" dirty="0" smtClean="0">
+                <a:solidFill>
+                  <a:schemeClr val="bg2">
+                    <a:lumMod val="25000"/>
+                  </a:schemeClr>
+                </a:solidFill>
+              </a:rPr>
+              <a:t>Verification</a:t>
+            </a:r>
+            <a:r>
+              <a:rPr lang="en-US" sz="4400" dirty="0" smtClean="0">
+                <a:solidFill>
+                  <a:schemeClr val="bg2">
+                    <a:lumMod val="50000"/>
+                  </a:schemeClr>
+                </a:solidFill>
+              </a:rPr>
+              <a:t> </a:t>
+            </a:r>
+            <a:endParaRPr lang="en-US" sz="4400" dirty="0">
+              <a:solidFill>
+                <a:schemeClr val="bg2">
+                  <a:lumMod val="50000"/>
+                </a:schemeClr>
+              </a:solidFill>
+            </a:endParaRPr>
+          </a:p>
+        </p:txBody>
+      </p:sp>
+      <p:sp>
+        <p:nvSpPr>
+          <p:cNvPr id="39" name="TextBox 38"/>
+          <p:cNvSpPr txBox="1"/>
+          <p:nvPr/>
+        </p:nvSpPr>
+        <p:spPr>
+          <a:xfrm>
+            <a:off x="554458" y="18349119"/>
+            <a:ext cx="7138742" cy="1323439"/>
+          </a:xfrm>
+          <a:prstGeom prst="rect">
+            <a:avLst/>
+          </a:prstGeom>
+          <a:noFill/>
+        </p:spPr>
+        <p:txBody>
+          <a:bodyPr wrap="square" rtlCol="0">
+            <a:spAutoFit/>
+          </a:bodyPr>
+          <a:lstStyle/>
+          <a:p>
+            <a:r>
+              <a:rPr lang="en-US" sz="4000" dirty="0" smtClean="0">
+                <a:solidFill>
+                  <a:schemeClr val="accent2">
+                    <a:lumMod val="75000"/>
+                  </a:schemeClr>
+                </a:solidFill>
+              </a:rPr>
+              <a:t>**Drawbacks of traditional Calibration techniques** </a:t>
+            </a:r>
+            <a:endParaRPr lang="en-US" sz="4000" dirty="0">
+              <a:solidFill>
+                <a:schemeClr val="accent2">
+                  <a:lumMod val="75000"/>
+                </a:schemeClr>
+              </a:solidFill>
+            </a:endParaRPr>
+          </a:p>
+        </p:txBody>
+      </p:sp>
+      <p:sp>
+        <p:nvSpPr>
+          <p:cNvPr id="41" name="TextBox 40"/>
+          <p:cNvSpPr txBox="1"/>
+          <p:nvPr/>
+        </p:nvSpPr>
+        <p:spPr>
+          <a:xfrm>
+            <a:off x="15781906" y="18188838"/>
+            <a:ext cx="9338127" cy="707886"/>
+          </a:xfrm>
+          <a:prstGeom prst="rect">
+            <a:avLst/>
+          </a:prstGeom>
+          <a:noFill/>
+        </p:spPr>
+        <p:txBody>
+          <a:bodyPr wrap="square" rtlCol="0">
+            <a:spAutoFit/>
+          </a:bodyPr>
+          <a:lstStyle/>
+          <a:p>
+            <a:r>
+              <a:rPr lang="en-US" sz="4000" dirty="0" smtClean="0">
+                <a:solidFill>
+                  <a:schemeClr val="accent2">
+                    <a:lumMod val="75000"/>
+                  </a:schemeClr>
+                </a:solidFill>
+              </a:rPr>
+              <a:t>**Overview of streaks technique** </a:t>
+            </a:r>
+            <a:endParaRPr lang="en-US" sz="4000" dirty="0">
+              <a:solidFill>
+                <a:schemeClr val="accent2">
+                  <a:lumMod val="75000"/>
+                </a:schemeClr>
+              </a:solidFill>
+            </a:endParaRPr>
+          </a:p>
+        </p:txBody>
+      </p:sp>
+      <p:sp>
+        <p:nvSpPr>
+          <p:cNvPr id="43" name="Rectangle 42"/>
+          <p:cNvSpPr/>
+          <p:nvPr/>
+        </p:nvSpPr>
+        <p:spPr>
+          <a:xfrm>
+            <a:off x="-7116763" y="4748171"/>
+            <a:ext cx="6754246" cy="1446550"/>
+          </a:xfrm>
+          <a:prstGeom prst="rect">
+            <a:avLst/>
+          </a:prstGeom>
+        </p:spPr>
+        <p:txBody>
+          <a:bodyPr wrap="square">
+            <a:spAutoFit/>
+          </a:bodyPr>
+          <a:lstStyle/>
+          <a:p>
+            <a:r>
+              <a:rPr lang="en-US" sz="4400" dirty="0" err="1" smtClean="0">
+                <a:solidFill>
+                  <a:schemeClr val="accent1">
+                    <a:lumMod val="75000"/>
+                  </a:schemeClr>
+                </a:solidFill>
+              </a:rPr>
+              <a:t>Dropgen</a:t>
+            </a:r>
+            <a:r>
+              <a:rPr lang="en-US" sz="4400" dirty="0" smtClean="0">
+                <a:solidFill>
+                  <a:schemeClr val="accent1">
+                    <a:lumMod val="75000"/>
+                  </a:schemeClr>
+                </a:solidFill>
+              </a:rPr>
+              <a:t> specific background</a:t>
+            </a:r>
+            <a:endParaRPr lang="en-US" sz="4400" dirty="0">
+              <a:solidFill>
+                <a:schemeClr val="accent1">
+                  <a:lumMod val="75000"/>
+                </a:schemeClr>
+              </a:solidFill>
+            </a:endParaRPr>
+          </a:p>
+        </p:txBody>
+      </p:sp>
+      <p:sp>
+        <p:nvSpPr>
+          <p:cNvPr id="4" name="Rectangle 3"/>
+          <p:cNvSpPr/>
+          <p:nvPr/>
+        </p:nvSpPr>
+        <p:spPr>
+          <a:xfrm>
+            <a:off x="-8841035" y="20385415"/>
+            <a:ext cx="7820272" cy="1323439"/>
+          </a:xfrm>
+          <a:prstGeom prst="rect">
+            <a:avLst/>
+          </a:prstGeom>
+        </p:spPr>
+        <p:txBody>
+          <a:bodyPr wrap="square">
+            <a:spAutoFit/>
+          </a:bodyPr>
+          <a:lstStyle/>
+          <a:p>
+            <a:r>
+              <a:rPr lang="en-US" sz="4000" dirty="0" smtClean="0">
+                <a:solidFill>
+                  <a:schemeClr val="accent2">
+                    <a:lumMod val="75000"/>
+                  </a:schemeClr>
+                </a:solidFill>
+              </a:rPr>
+              <a:t>Swap out photo with something more relevant</a:t>
+            </a:r>
+            <a:endParaRPr lang="en-US" sz="4000" dirty="0">
+              <a:solidFill>
+                <a:schemeClr val="accent2">
+                  <a:lumMod val="75000"/>
+                </a:schemeClr>
+              </a:solidFill>
+            </a:endParaRPr>
+          </a:p>
+        </p:txBody>
+      </p:sp>
+      <p:sp>
+        <p:nvSpPr>
+          <p:cNvPr id="46" name="Rectangle 45"/>
+          <p:cNvSpPr/>
+          <p:nvPr/>
+        </p:nvSpPr>
+        <p:spPr>
+          <a:xfrm>
+            <a:off x="32095440" y="41364121"/>
+            <a:ext cx="7820272" cy="1323439"/>
+          </a:xfrm>
+          <a:prstGeom prst="rect">
+            <a:avLst/>
+          </a:prstGeom>
+        </p:spPr>
+        <p:txBody>
+          <a:bodyPr wrap="square">
+            <a:spAutoFit/>
+          </a:bodyPr>
+          <a:lstStyle/>
+          <a:p>
+            <a:r>
+              <a:rPr lang="en-US" sz="4000" dirty="0" smtClean="0">
+                <a:solidFill>
+                  <a:schemeClr val="accent2">
+                    <a:lumMod val="75000"/>
+                  </a:schemeClr>
+                </a:solidFill>
+              </a:rPr>
+              <a:t>**Acknowledge DMT**</a:t>
+            </a:r>
+          </a:p>
+          <a:p>
+            <a:r>
+              <a:rPr lang="en-US" sz="4000" dirty="0" smtClean="0">
+                <a:solidFill>
+                  <a:schemeClr val="accent2">
+                    <a:lumMod val="75000"/>
+                  </a:schemeClr>
+                </a:solidFill>
+              </a:rPr>
+              <a:t>**(no grant)** </a:t>
+            </a:r>
+            <a:endParaRPr lang="en-US" sz="4000" dirty="0">
+              <a:solidFill>
+                <a:schemeClr val="accent2">
+                  <a:lumMod val="75000"/>
+                </a:schemeClr>
+              </a:solidFill>
+            </a:endParaRPr>
+          </a:p>
+        </p:txBody>
+      </p:sp>
     </p:spTree>
     <p:extLst>
       <p:ext uri="{BB962C8B-B14F-4D97-AF65-F5344CB8AC3E}">

--- a/dropGen/iccpPoster/iccpPoster.pptx
+++ b/dropGen/iccpPoster/iccpPoster.pptx
@@ -140,6 +140,11 @@
             <a:srgbClr val="A4A3A4"/>
           </p15:clr>
         </p15:guide>
+        <p15:guide id="8" pos="4733" userDrawn="1">
+          <p15:clr>
+            <a:srgbClr val="A4A3A4"/>
+          </p15:clr>
+        </p15:guide>
       </p15:sldGuideLst>
     </p:ext>
   </p:extLst>
@@ -228,7 +233,7 @@
           <a:p>
             <a:fld id="{473B2F62-7B0C-0D4E-89AA-04FB4AE1B4E3}" type="datetimeFigureOut">
               <a:rPr lang="en-US" smtClean="0"/>
-              <a:t>7/8/16</a:t>
+              <a:t>7/11/16</a:t>
             </a:fld>
             <a:endParaRPr lang="en-US" dirty="0"/>
           </a:p>
@@ -716,7 +721,7 @@
           <a:p>
             <a:fld id="{00DE53A4-4886-8A4E-B0F6-EC4857490DE3}" type="datetimeFigureOut">
               <a:rPr lang="en-US" smtClean="0"/>
-              <a:t>7/8/16</a:t>
+              <a:t>7/11/16</a:t>
             </a:fld>
             <a:endParaRPr lang="en-US" dirty="0"/>
           </a:p>
@@ -886,7 +891,7 @@
           <a:p>
             <a:fld id="{00DE53A4-4886-8A4E-B0F6-EC4857490DE3}" type="datetimeFigureOut">
               <a:rPr lang="en-US" smtClean="0"/>
-              <a:t>7/8/16</a:t>
+              <a:t>7/11/16</a:t>
             </a:fld>
             <a:endParaRPr lang="en-US" dirty="0"/>
           </a:p>
@@ -1066,7 +1071,7 @@
           <a:p>
             <a:fld id="{00DE53A4-4886-8A4E-B0F6-EC4857490DE3}" type="datetimeFigureOut">
               <a:rPr lang="en-US" smtClean="0"/>
-              <a:t>7/8/16</a:t>
+              <a:t>7/11/16</a:t>
             </a:fld>
             <a:endParaRPr lang="en-US" dirty="0"/>
           </a:p>
@@ -1236,7 +1241,7 @@
           <a:p>
             <a:fld id="{00DE53A4-4886-8A4E-B0F6-EC4857490DE3}" type="datetimeFigureOut">
               <a:rPr lang="en-US" smtClean="0"/>
-              <a:t>7/8/16</a:t>
+              <a:t>7/11/16</a:t>
             </a:fld>
             <a:endParaRPr lang="en-US" dirty="0"/>
           </a:p>
@@ -1480,7 +1485,7 @@
           <a:p>
             <a:fld id="{00DE53A4-4886-8A4E-B0F6-EC4857490DE3}" type="datetimeFigureOut">
               <a:rPr lang="en-US" smtClean="0"/>
-              <a:t>7/8/16</a:t>
+              <a:t>7/11/16</a:t>
             </a:fld>
             <a:endParaRPr lang="en-US" dirty="0"/>
           </a:p>
@@ -1712,7 +1717,7 @@
           <a:p>
             <a:fld id="{00DE53A4-4886-8A4E-B0F6-EC4857490DE3}" type="datetimeFigureOut">
               <a:rPr lang="en-US" smtClean="0"/>
-              <a:t>7/8/16</a:t>
+              <a:t>7/11/16</a:t>
             </a:fld>
             <a:endParaRPr lang="en-US" dirty="0"/>
           </a:p>
@@ -2079,7 +2084,7 @@
           <a:p>
             <a:fld id="{00DE53A4-4886-8A4E-B0F6-EC4857490DE3}" type="datetimeFigureOut">
               <a:rPr lang="en-US" smtClean="0"/>
-              <a:t>7/8/16</a:t>
+              <a:t>7/11/16</a:t>
             </a:fld>
             <a:endParaRPr lang="en-US" dirty="0"/>
           </a:p>
@@ -2197,7 +2202,7 @@
           <a:p>
             <a:fld id="{00DE53A4-4886-8A4E-B0F6-EC4857490DE3}" type="datetimeFigureOut">
               <a:rPr lang="en-US" smtClean="0"/>
-              <a:t>7/8/16</a:t>
+              <a:t>7/11/16</a:t>
             </a:fld>
             <a:endParaRPr lang="en-US" dirty="0"/>
           </a:p>
@@ -2292,7 +2297,7 @@
           <a:p>
             <a:fld id="{00DE53A4-4886-8A4E-B0F6-EC4857490DE3}" type="datetimeFigureOut">
               <a:rPr lang="en-US" smtClean="0"/>
-              <a:t>7/8/16</a:t>
+              <a:t>7/11/16</a:t>
             </a:fld>
             <a:endParaRPr lang="en-US" dirty="0"/>
           </a:p>
@@ -2569,7 +2574,7 @@
           <a:p>
             <a:fld id="{00DE53A4-4886-8A4E-B0F6-EC4857490DE3}" type="datetimeFigureOut">
               <a:rPr lang="en-US" smtClean="0"/>
-              <a:t>7/8/16</a:t>
+              <a:t>7/11/16</a:t>
             </a:fld>
             <a:endParaRPr lang="en-US" dirty="0"/>
           </a:p>
@@ -2826,7 +2831,7 @@
           <a:p>
             <a:fld id="{00DE53A4-4886-8A4E-B0F6-EC4857490DE3}" type="datetimeFigureOut">
               <a:rPr lang="en-US" smtClean="0"/>
-              <a:t>7/8/16</a:t>
+              <a:t>7/11/16</a:t>
             </a:fld>
             <a:endParaRPr lang="en-US" dirty="0"/>
           </a:p>
@@ -3039,7 +3044,7 @@
           <a:p>
             <a:fld id="{00DE53A4-4886-8A4E-B0F6-EC4857490DE3}" type="datetimeFigureOut">
               <a:rPr lang="en-US" smtClean="0"/>
-              <a:t>7/8/16</a:t>
+              <a:t>7/11/16</a:t>
             </a:fld>
             <a:endParaRPr lang="en-US" dirty="0"/>
           </a:p>
@@ -3435,15 +3440,12 @@
         <a:gradFill>
           <a:gsLst>
             <a:gs pos="0">
-              <a:srgbClr val="EEF5FE">
-                <a:lumMod val="84000"/>
-                <a:lumOff val="16000"/>
+              <a:srgbClr val="8FC1D7">
+                <a:alpha val="35000"/>
               </a:srgbClr>
             </a:gs>
             <a:gs pos="86000">
-              <a:srgbClr val="E6EEFF">
-                <a:alpha val="65882"/>
-              </a:srgbClr>
+              <a:srgbClr val="8FC1D7"/>
             </a:gs>
           </a:gsLst>
           <a:lin ang="5400000" scaled="1"/>
@@ -3467,14 +3469,14 @@
       </p:grpSpPr>
       <p:sp>
         <p:nvSpPr>
-          <p:cNvPr id="44" name="Rounded Rectangle 43"/>
+          <p:cNvPr id="50" name="Rounded Rectangle 49"/>
           <p:cNvSpPr/>
           <p:nvPr/>
         </p:nvSpPr>
         <p:spPr>
           <a:xfrm>
-            <a:off x="274639" y="13075222"/>
-            <a:ext cx="14630400" cy="14422570"/>
+            <a:off x="15359291" y="15739268"/>
+            <a:ext cx="14702404" cy="21887795"/>
           </a:xfrm>
           <a:prstGeom prst="roundRect">
             <a:avLst>
@@ -3515,19 +3517,19 @@
           <a:lstStyle/>
           <a:p>
             <a:pPr algn="ctr"/>
-            <a:endParaRPr lang="en-US" sz="4882" dirty="0"/>
-          </a:p>
-        </p:txBody>
-      </p:sp>
-      <p:sp>
-        <p:nvSpPr>
-          <p:cNvPr id="12" name="Rectangle 11"/>
+            <a:endParaRPr lang="en-US" sz="4882"/>
+          </a:p>
+        </p:txBody>
+      </p:sp>
+      <p:sp>
+        <p:nvSpPr>
+          <p:cNvPr id="10" name="Rectangle 9"/>
           <p:cNvSpPr/>
           <p:nvPr/>
         </p:nvSpPr>
         <p:spPr>
           <a:xfrm>
-            <a:off x="717748" y="13098522"/>
+            <a:off x="15850648" y="15807064"/>
             <a:ext cx="9108140" cy="846386"/>
           </a:xfrm>
           <a:prstGeom prst="rect">
@@ -3548,7 +3550,7 @@
                   </a:schemeClr>
                 </a:solidFill>
               </a:rPr>
-              <a:t>MOTIVATION</a:t>
+              <a:t>GENERATOR ASSEMBLY</a:t>
             </a:r>
             <a:endParaRPr lang="en-US" sz="4900" dirty="0">
               <a:solidFill>
@@ -3560,16 +3562,416 @@
           </a:p>
         </p:txBody>
       </p:sp>
-      <p:sp>
-        <p:nvSpPr>
-          <p:cNvPr id="3" name="Rounded Rectangle 2"/>
+      <p:pic>
+        <p:nvPicPr>
+          <p:cNvPr id="33" name="Picture 32"/>
+          <p:cNvPicPr>
+            <a:picLocks noChangeAspect="1"/>
+          </p:cNvPicPr>
+          <p:nvPr/>
+        </p:nvPicPr>
+        <p:blipFill>
+          <a:blip r:embed="rId3">
+            <a:extLst>
+              <a:ext uri="{28A0092B-C50C-407E-A947-70E740481C1C}">
+                <a14:useLocalDpi xmlns:a14="http://schemas.microsoft.com/office/drawing/2010/main" val="0"/>
+              </a:ext>
+            </a:extLst>
+          </a:blip>
+          <a:stretch>
+            <a:fillRect/>
+          </a:stretch>
+        </p:blipFill>
+        <p:spPr>
+          <a:xfrm>
+            <a:off x="20005578" y="16551391"/>
+            <a:ext cx="7782118" cy="20372950"/>
+          </a:xfrm>
+          <a:prstGeom prst="rect">
+            <a:avLst/>
+          </a:prstGeom>
+        </p:spPr>
+      </p:pic>
+      <p:sp>
+        <p:nvSpPr>
+          <p:cNvPr id="52" name="TextBox 51"/>
+          <p:cNvSpPr txBox="1"/>
+          <p:nvPr/>
+        </p:nvSpPr>
+        <p:spPr>
+          <a:xfrm>
+            <a:off x="15659894" y="17170436"/>
+            <a:ext cx="5112543" cy="18374261"/>
+          </a:xfrm>
+          <a:prstGeom prst="rect">
+            <a:avLst/>
+          </a:prstGeom>
+          <a:noFill/>
+        </p:spPr>
+        <p:txBody>
+          <a:bodyPr wrap="square" rtlCol="0">
+            <a:spAutoFit/>
+          </a:bodyPr>
+          <a:lstStyle/>
+          <a:p>
+            <a:pPr algn="ctr"/>
+            <a:r>
+              <a:rPr lang="en-US" sz="4400" b="1" dirty="0">
+                <a:solidFill>
+                  <a:srgbClr val="AF7130"/>
+                </a:solidFill>
+              </a:rPr>
+              <a:t>Flow </a:t>
+            </a:r>
+            <a:r>
+              <a:rPr lang="en-US" sz="4400" b="1" dirty="0" smtClean="0">
+                <a:solidFill>
+                  <a:srgbClr val="AF7130"/>
+                </a:solidFill>
+              </a:rPr>
+              <a:t>Inlet</a:t>
+            </a:r>
+          </a:p>
+          <a:p>
+            <a:pPr algn="ctr"/>
+            <a:endParaRPr lang="en-US" sz="4400" b="1" dirty="0">
+              <a:solidFill>
+                <a:srgbClr val="AF7130"/>
+              </a:solidFill>
+            </a:endParaRPr>
+          </a:p>
+          <a:p>
+            <a:pPr algn="ctr"/>
+            <a:endParaRPr lang="en-US" sz="4400" b="1" dirty="0">
+              <a:solidFill>
+                <a:srgbClr val="AF7130"/>
+              </a:solidFill>
+            </a:endParaRPr>
+          </a:p>
+          <a:p>
+            <a:pPr algn="ctr"/>
+            <a:endParaRPr lang="en-US" sz="4400" b="1" dirty="0" smtClean="0"/>
+          </a:p>
+          <a:p>
+            <a:pPr algn="ctr"/>
+            <a:endParaRPr lang="en-US" sz="4400" b="1" dirty="0"/>
+          </a:p>
+          <a:p>
+            <a:pPr algn="ctr"/>
+            <a:endParaRPr lang="en-US" sz="4400" b="1" dirty="0" smtClean="0"/>
+          </a:p>
+          <a:p>
+            <a:pPr algn="ctr"/>
+            <a:endParaRPr lang="en-US" sz="4400" b="1" dirty="0" smtClean="0"/>
+          </a:p>
+          <a:p>
+            <a:pPr algn="ctr"/>
+            <a:endParaRPr lang="en-US" sz="4400" b="1" dirty="0" smtClean="0"/>
+          </a:p>
+          <a:p>
+            <a:pPr algn="ctr"/>
+            <a:endParaRPr lang="en-US" sz="4400" b="1" dirty="0" smtClean="0"/>
+          </a:p>
+          <a:p>
+            <a:pPr algn="ctr"/>
+            <a:endParaRPr lang="en-US" sz="4400" b="1" dirty="0"/>
+          </a:p>
+          <a:p>
+            <a:pPr algn="ctr"/>
+            <a:endParaRPr lang="en-US" sz="4400" b="1" dirty="0" smtClean="0"/>
+          </a:p>
+          <a:p>
+            <a:pPr algn="ctr"/>
+            <a:endParaRPr lang="en-US" sz="4400" b="1" dirty="0" smtClean="0"/>
+          </a:p>
+          <a:p>
+            <a:pPr algn="ctr"/>
+            <a:endParaRPr lang="en-US" sz="4400" b="1" dirty="0"/>
+          </a:p>
+          <a:p>
+            <a:pPr algn="ctr"/>
+            <a:endParaRPr lang="en-US" sz="4400" b="1" dirty="0"/>
+          </a:p>
+          <a:p>
+            <a:pPr algn="ctr"/>
+            <a:endParaRPr lang="en-US" sz="4400" b="1" dirty="0" smtClean="0"/>
+          </a:p>
+          <a:p>
+            <a:pPr algn="ctr"/>
+            <a:endParaRPr lang="en-US" sz="4400" b="1" dirty="0"/>
+          </a:p>
+          <a:p>
+            <a:pPr algn="ctr"/>
+            <a:r>
+              <a:rPr lang="en-US" sz="4400" b="1" dirty="0" smtClean="0">
+                <a:solidFill>
+                  <a:srgbClr val="532E92"/>
+                </a:solidFill>
+              </a:rPr>
+              <a:t>Flow Straightener</a:t>
+            </a:r>
+          </a:p>
+          <a:p>
+            <a:pPr algn="ctr"/>
+            <a:endParaRPr lang="en-US" sz="4400" b="1" dirty="0">
+              <a:solidFill>
+                <a:srgbClr val="532E92"/>
+              </a:solidFill>
+            </a:endParaRPr>
+          </a:p>
+          <a:p>
+            <a:pPr algn="ctr"/>
+            <a:endParaRPr lang="en-US" sz="4400" b="1" dirty="0" smtClean="0">
+              <a:solidFill>
+                <a:srgbClr val="532E92"/>
+              </a:solidFill>
+            </a:endParaRPr>
+          </a:p>
+          <a:p>
+            <a:pPr algn="ctr"/>
+            <a:endParaRPr lang="en-US" sz="4400" b="1" dirty="0">
+              <a:solidFill>
+                <a:srgbClr val="532E92"/>
+              </a:solidFill>
+            </a:endParaRPr>
+          </a:p>
+          <a:p>
+            <a:pPr algn="ctr"/>
+            <a:endParaRPr lang="en-US" sz="4400" b="1" dirty="0" smtClean="0">
+              <a:solidFill>
+                <a:srgbClr val="532E92"/>
+              </a:solidFill>
+            </a:endParaRPr>
+          </a:p>
+          <a:p>
+            <a:pPr algn="ctr"/>
+            <a:endParaRPr lang="en-US" sz="4400" b="1" dirty="0" smtClean="0">
+              <a:solidFill>
+                <a:srgbClr val="532E92"/>
+              </a:solidFill>
+            </a:endParaRPr>
+          </a:p>
+          <a:p>
+            <a:pPr algn="ctr"/>
+            <a:endParaRPr lang="en-US" sz="4400" b="1" dirty="0">
+              <a:solidFill>
+                <a:srgbClr val="532E92"/>
+              </a:solidFill>
+            </a:endParaRPr>
+          </a:p>
+          <a:p>
+            <a:pPr algn="ctr"/>
+            <a:endParaRPr lang="en-US" sz="4400" b="1" dirty="0">
+              <a:solidFill>
+                <a:srgbClr val="532E92"/>
+              </a:solidFill>
+            </a:endParaRPr>
+          </a:p>
+          <a:p>
+            <a:pPr algn="ctr"/>
+            <a:r>
+              <a:rPr lang="en-US" sz="4400" b="1" dirty="0">
+                <a:solidFill>
+                  <a:srgbClr val="9A424A"/>
+                </a:solidFill>
+              </a:rPr>
+              <a:t>Print head</a:t>
+            </a:r>
+          </a:p>
+          <a:p>
+            <a:pPr algn="ctr"/>
+            <a:endParaRPr lang="en-US" sz="4400" b="1" dirty="0" smtClean="0">
+              <a:solidFill>
+                <a:srgbClr val="532E92"/>
+              </a:solidFill>
+            </a:endParaRPr>
+          </a:p>
+        </p:txBody>
+      </p:sp>
+      <p:sp>
+        <p:nvSpPr>
+          <p:cNvPr id="57" name="TextBox 56"/>
+          <p:cNvSpPr txBox="1"/>
+          <p:nvPr/>
+        </p:nvSpPr>
+        <p:spPr>
+          <a:xfrm>
+            <a:off x="25122375" y="26440773"/>
+            <a:ext cx="5075441" cy="769441"/>
+          </a:xfrm>
+          <a:prstGeom prst="rect">
+            <a:avLst/>
+          </a:prstGeom>
+          <a:noFill/>
+        </p:spPr>
+        <p:txBody>
+          <a:bodyPr wrap="square" rtlCol="0">
+            <a:spAutoFit/>
+          </a:bodyPr>
+          <a:lstStyle/>
+          <a:p>
+            <a:pPr algn="ctr"/>
+            <a:r>
+              <a:rPr lang="en-US" sz="4400" b="1" dirty="0" smtClean="0">
+                <a:solidFill>
+                  <a:srgbClr val="527C60"/>
+                </a:solidFill>
+              </a:rPr>
+              <a:t>Glass Flow Tube</a:t>
+            </a:r>
+          </a:p>
+        </p:txBody>
+      </p:sp>
+      <p:sp>
+        <p:nvSpPr>
+          <p:cNvPr id="55" name="TextBox 54"/>
+          <p:cNvSpPr txBox="1"/>
+          <p:nvPr/>
+        </p:nvSpPr>
+        <p:spPr>
+          <a:xfrm>
+            <a:off x="23896637" y="19023637"/>
+            <a:ext cx="6126797" cy="3785652"/>
+          </a:xfrm>
+          <a:prstGeom prst="rect">
+            <a:avLst/>
+          </a:prstGeom>
+          <a:noFill/>
+        </p:spPr>
+        <p:txBody>
+          <a:bodyPr wrap="square" rtlCol="0">
+            <a:spAutoFit/>
+          </a:bodyPr>
+          <a:lstStyle/>
+          <a:p>
+            <a:pPr algn="ctr"/>
+            <a:r>
+              <a:rPr lang="en-US" sz="4400" b="1" dirty="0" smtClean="0">
+                <a:solidFill>
+                  <a:srgbClr val="3F6388"/>
+                </a:solidFill>
+              </a:rPr>
+              <a:t>Print head Positioning Rod</a:t>
+            </a:r>
+          </a:p>
+          <a:p>
+            <a:pPr algn="ctr"/>
+            <a:r>
+              <a:rPr lang="en-US" sz="3600" dirty="0" smtClean="0"/>
+              <a:t>Height adjustable for varying droplet velocity and diameter (through evaporation)</a:t>
+            </a:r>
+          </a:p>
+          <a:p>
+            <a:endParaRPr lang="en-US" sz="4400" b="1" dirty="0" smtClean="0"/>
+          </a:p>
+        </p:txBody>
+      </p:sp>
+      <p:sp>
+        <p:nvSpPr>
+          <p:cNvPr id="85" name="TextBox 84"/>
+          <p:cNvSpPr txBox="1"/>
+          <p:nvPr/>
+        </p:nvSpPr>
+        <p:spPr>
+          <a:xfrm>
+            <a:off x="23668037" y="36183400"/>
+            <a:ext cx="4571678" cy="1015663"/>
+          </a:xfrm>
+          <a:prstGeom prst="rect">
+            <a:avLst/>
+          </a:prstGeom>
+          <a:noFill/>
+        </p:spPr>
+        <p:txBody>
+          <a:bodyPr wrap="square" rtlCol="0">
+            <a:spAutoFit/>
+          </a:bodyPr>
+          <a:lstStyle/>
+          <a:p>
+            <a:pPr algn="ctr"/>
+            <a:r>
+              <a:rPr lang="en-US" sz="3000" i="1" dirty="0" smtClean="0"/>
+              <a:t>Print head droplet ejection sequence (</a:t>
+            </a:r>
+            <a:r>
+              <a:rPr lang="en-US" sz="3000" i="1" dirty="0" smtClean="0">
+                <a:solidFill>
+                  <a:schemeClr val="accent1">
+                    <a:lumMod val="75000"/>
+                  </a:schemeClr>
+                </a:solidFill>
+              </a:rPr>
+              <a:t>3</a:t>
+            </a:r>
+            <a:r>
+              <a:rPr lang="en-US" sz="3000" i="1" dirty="0" smtClean="0"/>
+              <a:t>)</a:t>
+            </a:r>
+            <a:endParaRPr lang="en-US" sz="3000" i="1" dirty="0"/>
+          </a:p>
+        </p:txBody>
+      </p:sp>
+      <p:sp>
+        <p:nvSpPr>
+          <p:cNvPr id="23" name="Rectangle 22"/>
           <p:cNvSpPr/>
           <p:nvPr/>
         </p:nvSpPr>
         <p:spPr>
           <a:xfrm>
-            <a:off x="274639" y="4042035"/>
-            <a:ext cx="14630400" cy="8744186"/>
+            <a:off x="0" y="-14335"/>
+            <a:ext cx="30267275" cy="3880851"/>
+          </a:xfrm>
+          <a:prstGeom prst="rect">
+            <a:avLst/>
+          </a:prstGeom>
+          <a:solidFill>
+            <a:schemeClr val="tx1">
+              <a:lumMod val="95000"/>
+              <a:lumOff val="5000"/>
+              <a:alpha val="7000"/>
+            </a:schemeClr>
+          </a:solidFill>
+          <a:ln>
+            <a:noFill/>
+          </a:ln>
+          <a:effectLst/>
+        </p:spPr>
+        <p:style>
+          <a:lnRef idx="2">
+            <a:schemeClr val="accent1">
+              <a:shade val="50000"/>
+            </a:schemeClr>
+          </a:lnRef>
+          <a:fillRef idx="1">
+            <a:schemeClr val="accent1"/>
+          </a:fillRef>
+          <a:effectRef idx="0">
+            <a:schemeClr val="accent1"/>
+          </a:effectRef>
+          <a:fontRef idx="minor">
+            <a:schemeClr val="lt1"/>
+          </a:fontRef>
+        </p:style>
+        <p:txBody>
+          <a:bodyPr rtlCol="0" anchor="ctr"/>
+          <a:lstStyle/>
+          <a:p>
+            <a:pPr algn="ctr"/>
+            <a:endParaRPr lang="en-US"/>
+          </a:p>
+        </p:txBody>
+      </p:sp>
+      <p:sp>
+        <p:nvSpPr>
+          <p:cNvPr id="44" name="Rounded Rectangle 43"/>
+          <p:cNvSpPr/>
+          <p:nvPr/>
+        </p:nvSpPr>
+        <p:spPr>
+          <a:xfrm>
+            <a:off x="274639" y="4023518"/>
+            <a:ext cx="14630400" cy="11461217"/>
           </a:xfrm>
           <a:prstGeom prst="roundRect">
             <a:avLst>
@@ -3616,6 +4018,47 @@
       </p:sp>
       <p:sp>
         <p:nvSpPr>
+          <p:cNvPr id="12" name="Rectangle 11"/>
+          <p:cNvSpPr/>
+          <p:nvPr/>
+        </p:nvSpPr>
+        <p:spPr>
+          <a:xfrm>
+            <a:off x="717748" y="4046819"/>
+            <a:ext cx="9108140" cy="846386"/>
+          </a:xfrm>
+          <a:prstGeom prst="rect">
+            <a:avLst/>
+          </a:prstGeom>
+        </p:spPr>
+        <p:txBody>
+          <a:bodyPr wrap="square">
+            <a:spAutoFit/>
+          </a:bodyPr>
+          <a:lstStyle/>
+          <a:p>
+            <a:r>
+              <a:rPr lang="en-US" sz="4900" dirty="0" smtClean="0">
+                <a:solidFill>
+                  <a:schemeClr val="tx2">
+                    <a:lumMod val="75000"/>
+                  </a:schemeClr>
+                </a:solidFill>
+              </a:rPr>
+              <a:t>MOTIVATION</a:t>
+            </a:r>
+            <a:endParaRPr lang="en-US" sz="4900" dirty="0">
+              <a:solidFill>
+                <a:schemeClr val="tx2">
+                  <a:lumMod val="75000"/>
+                </a:schemeClr>
+              </a:solidFill>
+            </a:endParaRPr>
+          </a:p>
+        </p:txBody>
+      </p:sp>
+      <p:sp>
+        <p:nvSpPr>
           <p:cNvPr id="5" name="TextBox 4"/>
           <p:cNvSpPr txBox="1"/>
           <p:nvPr/>
@@ -3935,55 +4378,14 @@
       </p:sp>
       <p:sp>
         <p:nvSpPr>
-          <p:cNvPr id="8" name="Rectangle 7"/>
-          <p:cNvSpPr/>
-          <p:nvPr/>
-        </p:nvSpPr>
-        <p:spPr>
-          <a:xfrm>
-            <a:off x="691497" y="4121239"/>
-            <a:ext cx="9108140" cy="846386"/>
-          </a:xfrm>
-          <a:prstGeom prst="rect">
-            <a:avLst/>
-          </a:prstGeom>
-        </p:spPr>
-        <p:txBody>
-          <a:bodyPr wrap="square">
-            <a:spAutoFit/>
-          </a:bodyPr>
-          <a:lstStyle/>
-          <a:p>
-            <a:r>
-              <a:rPr lang="en-US" sz="4900" dirty="0" smtClean="0">
-                <a:solidFill>
-                  <a:schemeClr val="tx2">
-                    <a:lumMod val="75000"/>
-                  </a:schemeClr>
-                </a:solidFill>
-              </a:rPr>
-              <a:t>BACKGROUND</a:t>
-            </a:r>
-            <a:endParaRPr lang="en-US" sz="4900" dirty="0">
-              <a:solidFill>
-                <a:schemeClr val="tx2">
-                  <a:lumMod val="75000"/>
-                </a:schemeClr>
-              </a:solidFill>
-            </a:endParaRPr>
-          </a:p>
-        </p:txBody>
-      </p:sp>
-      <p:sp>
-        <p:nvSpPr>
           <p:cNvPr id="45" name="Rounded Rectangle 44"/>
           <p:cNvSpPr/>
           <p:nvPr/>
         </p:nvSpPr>
         <p:spPr>
           <a:xfrm>
-            <a:off x="274639" y="27819410"/>
-            <a:ext cx="14630399" cy="9712278"/>
+            <a:off x="15393035" y="4046819"/>
+            <a:ext cx="14630399" cy="11437772"/>
           </a:xfrm>
           <a:prstGeom prst="roundRect">
             <a:avLst>
@@ -4036,7 +4438,7 @@
         </p:nvSpPr>
         <p:spPr>
           <a:xfrm>
-            <a:off x="615297" y="27861469"/>
+            <a:off x="15733693" y="4088878"/>
             <a:ext cx="3240740" cy="846386"/>
           </a:xfrm>
           <a:prstGeom prst="rect">
@@ -4261,14 +4663,14 @@
       </p:sp>
       <p:sp>
         <p:nvSpPr>
-          <p:cNvPr id="50" name="Rounded Rectangle 49"/>
+          <p:cNvPr id="51" name="Rounded Rectangle 50"/>
           <p:cNvSpPr/>
           <p:nvPr/>
         </p:nvSpPr>
         <p:spPr>
           <a:xfrm>
-            <a:off x="15366434" y="23373874"/>
-            <a:ext cx="14702404" cy="14157813"/>
+            <a:off x="274637" y="15739268"/>
+            <a:ext cx="14630401" cy="21887795"/>
           </a:xfrm>
           <a:prstGeom prst="roundRect">
             <a:avLst>
@@ -4315,13 +4717,13 @@
       </p:sp>
       <p:sp>
         <p:nvSpPr>
-          <p:cNvPr id="10" name="Rectangle 9"/>
+          <p:cNvPr id="16" name="Rectangle 15"/>
           <p:cNvSpPr/>
           <p:nvPr/>
         </p:nvSpPr>
         <p:spPr>
           <a:xfrm>
-            <a:off x="15857791" y="23457219"/>
+            <a:off x="783254" y="15834060"/>
             <a:ext cx="9108140" cy="846386"/>
           </a:xfrm>
           <a:prstGeom prst="rect">
@@ -4342,7 +4744,7 @@
                   </a:schemeClr>
                 </a:solidFill>
               </a:rPr>
-              <a:t>GENERATOR ASSEMBLY</a:t>
+              <a:t>SYSTEM DESIGN</a:t>
             </a:r>
             <a:endParaRPr lang="en-US" sz="4900" dirty="0">
               <a:solidFill>
@@ -4356,14 +4758,14 @@
       </p:sp>
       <p:sp>
         <p:nvSpPr>
-          <p:cNvPr id="29" name="TextBox 28"/>
+          <p:cNvPr id="2" name="TextBox 1"/>
           <p:cNvSpPr txBox="1"/>
           <p:nvPr/>
         </p:nvSpPr>
         <p:spPr>
           <a:xfrm>
-            <a:off x="32095440" y="5810000"/>
-            <a:ext cx="5745797" cy="571247"/>
+            <a:off x="15694785" y="5113619"/>
+            <a:ext cx="13984940" cy="8740854"/>
           </a:xfrm>
           <a:prstGeom prst="rect">
             <a:avLst/>
@@ -4377,22 +4779,838 @@
           <a:lstStyle/>
           <a:p>
             <a:r>
-              <a:rPr lang="en-US" sz="3112" dirty="0"/>
-              <a:t>Generator cutaway CAD diagram </a:t>
-            </a:r>
-          </a:p>
-        </p:txBody>
-      </p:sp>
-      <p:sp>
-        <p:nvSpPr>
-          <p:cNvPr id="51" name="Rounded Rectangle 50"/>
+              <a:rPr lang="en-US" sz="4200" dirty="0"/>
+              <a:t>Develop </a:t>
+            </a:r>
+            <a:r>
+              <a:rPr lang="en-US" sz="4200" dirty="0" smtClean="0"/>
+              <a:t>an optical </a:t>
+            </a:r>
+            <a:r>
+              <a:rPr lang="en-US" sz="4200" dirty="0"/>
+              <a:t>probe water droplet calibration system</a:t>
+            </a:r>
+            <a:r>
+              <a:rPr lang="en-US" sz="4200" dirty="0" smtClean="0"/>
+              <a:t>.</a:t>
+            </a:r>
+          </a:p>
+          <a:p>
+            <a:pPr lvl="0"/>
+            <a:endParaRPr lang="en-US" sz="4000" dirty="0" smtClean="0"/>
+          </a:p>
+          <a:p>
+            <a:pPr marL="571500" indent="-571500">
+              <a:buFont typeface="Arial" charset="0"/>
+              <a:buChar char="•"/>
+            </a:pPr>
+            <a:r>
+              <a:rPr lang="en-US" sz="3900" dirty="0"/>
+              <a:t>Creates droplets of </a:t>
+            </a:r>
+            <a:r>
+              <a:rPr lang="en-US" sz="3900" dirty="0" smtClean="0"/>
+              <a:t>repeatable </a:t>
+            </a:r>
+            <a:r>
+              <a:rPr lang="en-US" sz="3900" dirty="0"/>
+              <a:t>size, velocity, and </a:t>
+            </a:r>
+            <a:r>
+              <a:rPr lang="en-US" sz="3900" dirty="0" smtClean="0"/>
+              <a:t>concentration</a:t>
+            </a:r>
+          </a:p>
+          <a:p>
+            <a:pPr marL="571500" indent="-571500">
+              <a:buFont typeface="Arial" charset="0"/>
+              <a:buChar char="•"/>
+            </a:pPr>
+            <a:r>
+              <a:rPr lang="en-US" sz="3900" dirty="0" smtClean="0"/>
+              <a:t>Produces a range of droplet diameters, velocities, and concentrations </a:t>
+            </a:r>
+            <a:r>
+              <a:rPr lang="en-US" sz="3900" dirty="0" smtClean="0">
+                <a:solidFill>
+                  <a:schemeClr val="accent2">
+                    <a:lumMod val="75000"/>
+                  </a:schemeClr>
+                </a:solidFill>
+              </a:rPr>
+              <a:t>**Add theoretical drop size/velocities?**</a:t>
+            </a:r>
+          </a:p>
+          <a:p>
+            <a:pPr marL="571500" lvl="0" indent="-571500">
+              <a:buFont typeface="Arial" charset="0"/>
+              <a:buChar char="•"/>
+            </a:pPr>
+            <a:r>
+              <a:rPr lang="en-US" sz="3900" dirty="0"/>
+              <a:t>Uses particles of probe’s target media (eliminates refractive index complications</a:t>
+            </a:r>
+            <a:r>
+              <a:rPr lang="en-US" sz="3900" dirty="0" smtClean="0"/>
+              <a:t>)</a:t>
+            </a:r>
+          </a:p>
+          <a:p>
+            <a:pPr marL="571500" lvl="0" indent="-571500">
+              <a:buFont typeface="Arial" charset="0"/>
+              <a:buChar char="•"/>
+            </a:pPr>
+            <a:r>
+              <a:rPr lang="en-US" sz="3900" dirty="0" smtClean="0"/>
+              <a:t>Incorporates independent </a:t>
+            </a:r>
+            <a:r>
+              <a:rPr lang="en-US" sz="3900" dirty="0"/>
+              <a:t>droplet diameter and velocity </a:t>
+            </a:r>
+            <a:r>
+              <a:rPr lang="en-US" sz="3900" dirty="0" smtClean="0"/>
+              <a:t>verification</a:t>
+            </a:r>
+            <a:endParaRPr lang="en-US" sz="3900" dirty="0"/>
+          </a:p>
+          <a:p>
+            <a:pPr marL="571500" lvl="0" indent="-571500">
+              <a:buFont typeface="Arial" charset="0"/>
+              <a:buChar char="•"/>
+            </a:pPr>
+            <a:r>
+              <a:rPr lang="en-US" sz="3900" dirty="0" smtClean="0"/>
+              <a:t>Droplet placement controlled by </a:t>
+            </a:r>
+            <a:r>
+              <a:rPr lang="en-US" sz="3900" dirty="0"/>
+              <a:t>high precision digital micropositioning stages</a:t>
+            </a:r>
+          </a:p>
+          <a:p>
+            <a:pPr marL="571500" lvl="0" indent="-571500">
+              <a:buFont typeface="Arial" charset="0"/>
+              <a:buChar char="•"/>
+            </a:pPr>
+            <a:r>
+              <a:rPr lang="en-US" sz="3900" dirty="0" smtClean="0"/>
+              <a:t>Initially compatible with CDP with capability to expand to several forward </a:t>
+            </a:r>
+            <a:r>
+              <a:rPr lang="en-US" sz="3900" dirty="0"/>
+              <a:t>scattering and optical array probes</a:t>
+            </a:r>
+          </a:p>
+          <a:p>
+            <a:endParaRPr lang="en-US" sz="4000" dirty="0"/>
+          </a:p>
+        </p:txBody>
+      </p:sp>
+      <p:sp>
+        <p:nvSpPr>
+          <p:cNvPr id="17" name="Rectangle 16"/>
           <p:cNvSpPr/>
           <p:nvPr/>
         </p:nvSpPr>
         <p:spPr>
           <a:xfrm>
-            <a:off x="15362238" y="4026953"/>
-            <a:ext cx="14706600" cy="19117795"/>
+            <a:off x="615297" y="12064386"/>
+            <a:ext cx="13946032" cy="707886"/>
+          </a:xfrm>
+          <a:prstGeom prst="rect">
+            <a:avLst/>
+          </a:prstGeom>
+        </p:spPr>
+        <p:txBody>
+          <a:bodyPr wrap="square">
+            <a:spAutoFit/>
+          </a:bodyPr>
+          <a:lstStyle/>
+          <a:p>
+            <a:endParaRPr lang="en-US" sz="4000" dirty="0">
+              <a:latin typeface="Calibri" charset="0"/>
+              <a:ea typeface="Calibri" charset="0"/>
+              <a:cs typeface="Times New Roman" charset="0"/>
+            </a:endParaRPr>
+          </a:p>
+        </p:txBody>
+      </p:sp>
+      <p:sp>
+        <p:nvSpPr>
+          <p:cNvPr id="35" name="TextBox 34"/>
+          <p:cNvSpPr txBox="1"/>
+          <p:nvPr/>
+        </p:nvSpPr>
+        <p:spPr>
+          <a:xfrm>
+            <a:off x="576389" y="4997036"/>
+            <a:ext cx="13984940" cy="4293483"/>
+          </a:xfrm>
+          <a:prstGeom prst="rect">
+            <a:avLst/>
+          </a:prstGeom>
+          <a:noFill/>
+        </p:spPr>
+        <p:txBody>
+          <a:bodyPr wrap="square" rtlCol="0">
+            <a:spAutoFit/>
+          </a:bodyPr>
+          <a:lstStyle/>
+          <a:p>
+            <a:r>
+              <a:rPr lang="en-US" sz="3900" dirty="0" smtClean="0"/>
+              <a:t>Sub-precipitation to precipitation sized (2 um – 1 mm diameter) DSDs are commonly measured with forward scattering or linear optical array probes. Both instrument classes are subject to coincidence error, </a:t>
+            </a:r>
+            <a:r>
+              <a:rPr lang="en-US" sz="3900" dirty="0"/>
+              <a:t>sample volume uncertainty, and </a:t>
+            </a:r>
+            <a:r>
+              <a:rPr lang="en-US" sz="3900" dirty="0" smtClean="0"/>
+              <a:t>inhomogeneous particle </a:t>
+            </a:r>
+            <a:r>
+              <a:rPr lang="en-US" sz="3900" dirty="0"/>
+              <a:t>sizing response (</a:t>
+            </a:r>
+            <a:r>
+              <a:rPr lang="en-US" sz="3900" dirty="0">
+                <a:solidFill>
+                  <a:schemeClr val="accent1">
+                    <a:lumMod val="75000"/>
+                  </a:schemeClr>
+                </a:solidFill>
+              </a:rPr>
+              <a:t>1</a:t>
+            </a:r>
+            <a:r>
+              <a:rPr lang="en-US" sz="3900" dirty="0" smtClean="0"/>
+              <a:t>).</a:t>
+            </a:r>
+          </a:p>
+          <a:p>
+            <a:endParaRPr lang="en-US" sz="3900" dirty="0" smtClean="0"/>
+          </a:p>
+          <a:p>
+            <a:r>
+              <a:rPr lang="en-US" sz="3900" dirty="0" smtClean="0"/>
+              <a:t>Traditionally, optical probes are calibrated using glass microbeads or</a:t>
+            </a:r>
+            <a:endParaRPr lang="en-US" sz="4000" dirty="0"/>
+          </a:p>
+        </p:txBody>
+      </p:sp>
+      <p:pic>
+        <p:nvPicPr>
+          <p:cNvPr id="13" name="Picture 12"/>
+          <p:cNvPicPr>
+            <a:picLocks noChangeAspect="1"/>
+          </p:cNvPicPr>
+          <p:nvPr/>
+        </p:nvPicPr>
+        <p:blipFill rotWithShape="1">
+          <a:blip r:embed="rId4">
+            <a:extLst>
+              <a:ext uri="{28A0092B-C50C-407E-A947-70E740481C1C}">
+                <a14:useLocalDpi xmlns:a14="http://schemas.microsoft.com/office/drawing/2010/main" val="0"/>
+              </a:ext>
+            </a:extLst>
+          </a:blip>
+          <a:srcRect l="24423" t="24958" r="25500" b="27263"/>
+          <a:stretch/>
+        </p:blipFill>
+        <p:spPr>
+          <a:xfrm>
+            <a:off x="4586947" y="33589119"/>
+            <a:ext cx="2407337" cy="2352524"/>
+          </a:xfrm>
+          <a:prstGeom prst="rect">
+            <a:avLst/>
+          </a:prstGeom>
+        </p:spPr>
+      </p:pic>
+      <p:sp>
+        <p:nvSpPr>
+          <p:cNvPr id="38" name="TextBox 37"/>
+          <p:cNvSpPr txBox="1"/>
+          <p:nvPr/>
+        </p:nvSpPr>
+        <p:spPr>
+          <a:xfrm>
+            <a:off x="3841304" y="36157089"/>
+            <a:ext cx="3900933" cy="784830"/>
+          </a:xfrm>
+          <a:prstGeom prst="rect">
+            <a:avLst/>
+          </a:prstGeom>
+          <a:noFill/>
+        </p:spPr>
+        <p:txBody>
+          <a:bodyPr wrap="square" rtlCol="0">
+            <a:spAutoFit/>
+          </a:bodyPr>
+          <a:lstStyle/>
+          <a:p>
+            <a:pPr algn="ctr">
+              <a:lnSpc>
+                <a:spcPct val="75000"/>
+              </a:lnSpc>
+            </a:pPr>
+            <a:r>
+              <a:rPr lang="en-US" sz="3000" i="1" dirty="0"/>
+              <a:t>1/4000 </a:t>
+            </a:r>
+            <a:r>
+              <a:rPr lang="en-US" sz="3000" i="1" dirty="0" smtClean="0"/>
+              <a:t>sec exposure</a:t>
+            </a:r>
+            <a:endParaRPr lang="en-US" sz="3000" i="1" dirty="0"/>
+          </a:p>
+          <a:p>
+            <a:pPr algn="ctr">
+              <a:lnSpc>
+                <a:spcPct val="75000"/>
+              </a:lnSpc>
+            </a:pPr>
+            <a:r>
+              <a:rPr lang="en-US" sz="3000" i="1" dirty="0" smtClean="0"/>
+              <a:t>45 um droplet glares</a:t>
+            </a:r>
+            <a:endParaRPr lang="en-US" sz="3000" i="1" dirty="0"/>
+          </a:p>
+        </p:txBody>
+      </p:sp>
+      <p:sp>
+        <p:nvSpPr>
+          <p:cNvPr id="40" name="TextBox 39"/>
+          <p:cNvSpPr txBox="1"/>
+          <p:nvPr/>
+        </p:nvSpPr>
+        <p:spPr>
+          <a:xfrm>
+            <a:off x="615297" y="38666480"/>
+            <a:ext cx="14252448" cy="1261884"/>
+          </a:xfrm>
+          <a:prstGeom prst="rect">
+            <a:avLst/>
+          </a:prstGeom>
+          <a:noFill/>
+        </p:spPr>
+        <p:txBody>
+          <a:bodyPr wrap="square" rtlCol="0">
+            <a:spAutoFit/>
+          </a:bodyPr>
+          <a:lstStyle/>
+          <a:p>
+            <a:pPr marL="292100" lvl="0" indent="-292100">
+              <a:buFont typeface="Arial" charset="0"/>
+              <a:buChar char="•"/>
+            </a:pPr>
+            <a:r>
+              <a:rPr lang="en-US" sz="3800" dirty="0"/>
+              <a:t>Incorporate </a:t>
+            </a:r>
+            <a:r>
+              <a:rPr lang="en-US" sz="3800" dirty="0" err="1"/>
+              <a:t>micropositing</a:t>
+            </a:r>
+            <a:r>
+              <a:rPr lang="en-US" sz="3800" dirty="0"/>
+              <a:t> stages</a:t>
+            </a:r>
+          </a:p>
+          <a:p>
+            <a:pPr marL="292100" lvl="0" indent="-292100">
+              <a:buFont typeface="Arial" charset="0"/>
+              <a:buChar char="•"/>
+            </a:pPr>
+            <a:r>
+              <a:rPr lang="en-US" sz="3800" dirty="0"/>
+              <a:t>Develop droplet verification image analysis </a:t>
+            </a:r>
+            <a:r>
+              <a:rPr lang="en-US" sz="3800" dirty="0" smtClean="0"/>
+              <a:t>software</a:t>
+            </a:r>
+            <a:endParaRPr lang="en-US" sz="3800" dirty="0"/>
+          </a:p>
+        </p:txBody>
+      </p:sp>
+      <p:sp>
+        <p:nvSpPr>
+          <p:cNvPr id="21" name="Rectangle 20"/>
+          <p:cNvSpPr/>
+          <p:nvPr/>
+        </p:nvSpPr>
+        <p:spPr>
+          <a:xfrm>
+            <a:off x="-8844877" y="15414237"/>
+            <a:ext cx="6833514" cy="2677656"/>
+          </a:xfrm>
+          <a:prstGeom prst="rect">
+            <a:avLst/>
+          </a:prstGeom>
+        </p:spPr>
+        <p:txBody>
+          <a:bodyPr wrap="square">
+            <a:spAutoFit/>
+          </a:bodyPr>
+          <a:lstStyle/>
+          <a:p>
+            <a:pPr marL="304800" indent="-304800"/>
+            <a:r>
+              <a:rPr lang="en-US" sz="2400" dirty="0" err="1">
+                <a:solidFill>
+                  <a:schemeClr val="accent1">
+                    <a:lumMod val="75000"/>
+                  </a:schemeClr>
+                </a:solidFill>
+              </a:rPr>
+              <a:t>Brenguier</a:t>
+            </a:r>
+            <a:r>
+              <a:rPr lang="en-US" sz="2400" dirty="0">
+                <a:solidFill>
+                  <a:schemeClr val="accent1">
+                    <a:lumMod val="75000"/>
+                  </a:schemeClr>
+                </a:solidFill>
+              </a:rPr>
+              <a:t>, J. L., T. </a:t>
+            </a:r>
+            <a:r>
+              <a:rPr lang="en-US" sz="2400" dirty="0" err="1">
+                <a:solidFill>
+                  <a:schemeClr val="accent1">
+                    <a:lumMod val="75000"/>
+                  </a:schemeClr>
+                </a:solidFill>
+              </a:rPr>
+              <a:t>Bourrianne</a:t>
+            </a:r>
+            <a:r>
+              <a:rPr lang="en-US" sz="2400" dirty="0">
+                <a:solidFill>
+                  <a:schemeClr val="accent1">
+                    <a:lumMod val="75000"/>
+                  </a:schemeClr>
+                </a:solidFill>
+              </a:rPr>
+              <a:t>, A. A. De Coelho, J. </a:t>
+            </a:r>
+            <a:r>
+              <a:rPr lang="en-US" sz="2400" dirty="0" err="1">
+                <a:solidFill>
+                  <a:schemeClr val="accent1">
+                    <a:lumMod val="75000"/>
+                  </a:schemeClr>
+                </a:solidFill>
+              </a:rPr>
+              <a:t>Isbert</a:t>
+            </a:r>
+            <a:r>
+              <a:rPr lang="en-US" sz="2400" dirty="0">
+                <a:solidFill>
+                  <a:schemeClr val="accent1">
+                    <a:lumMod val="75000"/>
+                  </a:schemeClr>
+                </a:solidFill>
+              </a:rPr>
+              <a:t>, R. </a:t>
+            </a:r>
+            <a:r>
+              <a:rPr lang="en-US" sz="2400" dirty="0" err="1">
+                <a:solidFill>
+                  <a:schemeClr val="accent1">
+                    <a:lumMod val="75000"/>
+                  </a:schemeClr>
+                </a:solidFill>
+              </a:rPr>
+              <a:t>Peytavi</a:t>
+            </a:r>
+            <a:r>
+              <a:rPr lang="en-US" sz="2400" dirty="0">
+                <a:solidFill>
+                  <a:schemeClr val="accent1">
+                    <a:lumMod val="75000"/>
+                  </a:schemeClr>
+                </a:solidFill>
+              </a:rPr>
+              <a:t>, D. </a:t>
+            </a:r>
+            <a:r>
+              <a:rPr lang="en-US" sz="2400" dirty="0" err="1">
+                <a:solidFill>
+                  <a:schemeClr val="accent1">
+                    <a:lumMod val="75000"/>
+                  </a:schemeClr>
+                </a:solidFill>
+              </a:rPr>
+              <a:t>Trevarin</a:t>
+            </a:r>
+            <a:r>
+              <a:rPr lang="en-US" sz="2400" dirty="0">
+                <a:solidFill>
+                  <a:schemeClr val="accent1">
+                    <a:lumMod val="75000"/>
+                  </a:schemeClr>
+                </a:solidFill>
+              </a:rPr>
+              <a:t>, and P. </a:t>
+            </a:r>
+            <a:r>
+              <a:rPr lang="en-US" sz="2400" dirty="0" err="1">
+                <a:solidFill>
+                  <a:schemeClr val="accent1">
+                    <a:lumMod val="75000"/>
+                  </a:schemeClr>
+                </a:solidFill>
+              </a:rPr>
+              <a:t>Weschler</a:t>
+            </a:r>
+            <a:r>
+              <a:rPr lang="en-US" sz="2400" dirty="0">
+                <a:solidFill>
+                  <a:schemeClr val="accent1">
+                    <a:lumMod val="75000"/>
+                  </a:schemeClr>
+                </a:solidFill>
+              </a:rPr>
+              <a:t>, 1998: Improvements of droplet size distribution measurements with the fast-FSSP (Forward Scattering Spectrometer Probe). </a:t>
+            </a:r>
+            <a:r>
+              <a:rPr lang="en-US" sz="2400" i="1" dirty="0">
+                <a:solidFill>
+                  <a:schemeClr val="accent1">
+                    <a:lumMod val="75000"/>
+                  </a:schemeClr>
+                </a:solidFill>
+              </a:rPr>
+              <a:t>J. Atmos. Ocean. Technol.</a:t>
+            </a:r>
+            <a:r>
+              <a:rPr lang="en-US" sz="2400" dirty="0">
+                <a:solidFill>
+                  <a:schemeClr val="accent1">
+                    <a:lumMod val="75000"/>
+                  </a:schemeClr>
+                </a:solidFill>
+              </a:rPr>
+              <a:t>, </a:t>
+            </a:r>
+            <a:r>
+              <a:rPr lang="en-US" sz="2400" b="1" dirty="0">
+                <a:solidFill>
+                  <a:schemeClr val="accent1">
+                    <a:lumMod val="75000"/>
+                  </a:schemeClr>
+                </a:solidFill>
+              </a:rPr>
+              <a:t>15</a:t>
+            </a:r>
+            <a:r>
+              <a:rPr lang="en-US" sz="2400" dirty="0">
+                <a:solidFill>
+                  <a:schemeClr val="accent1">
+                    <a:lumMod val="75000"/>
+                  </a:schemeClr>
+                </a:solidFill>
+              </a:rPr>
+              <a:t>, 1077–1090, doi:10.1175/1520-0426(1998)015&lt;1077:IODSDM&gt;2.0.CO;2.</a:t>
+            </a:r>
+            <a:endParaRPr lang="en-US" sz="2400" dirty="0">
+              <a:solidFill>
+                <a:schemeClr val="accent1">
+                  <a:lumMod val="75000"/>
+                </a:schemeClr>
+              </a:solidFill>
+              <a:effectLst/>
+            </a:endParaRPr>
+          </a:p>
+        </p:txBody>
+      </p:sp>
+      <p:sp>
+        <p:nvSpPr>
+          <p:cNvPr id="22" name="Rectangle 21"/>
+          <p:cNvSpPr/>
+          <p:nvPr/>
+        </p:nvSpPr>
+        <p:spPr>
+          <a:xfrm>
+            <a:off x="31814270" y="-781225"/>
+            <a:ext cx="15132050" cy="3416320"/>
+          </a:xfrm>
+          <a:prstGeom prst="rect">
+            <a:avLst/>
+          </a:prstGeom>
+        </p:spPr>
+        <p:txBody>
+          <a:bodyPr>
+            <a:spAutoFit/>
+          </a:bodyPr>
+          <a:lstStyle/>
+          <a:p>
+            <a:pPr algn="ctr"/>
+            <a:r>
+              <a:rPr lang="en-US" sz="7200" dirty="0">
+                <a:solidFill>
+                  <a:schemeClr val="tx2">
+                    <a:lumMod val="75000"/>
+                  </a:schemeClr>
+                </a:solidFill>
+              </a:rPr>
+              <a:t>Development of a Water Droplet Generating Cloud Particle Probe Calibration Device</a:t>
+            </a:r>
+          </a:p>
+        </p:txBody>
+      </p:sp>
+      <p:sp>
+        <p:nvSpPr>
+          <p:cNvPr id="42" name="TextBox 41"/>
+          <p:cNvSpPr txBox="1"/>
+          <p:nvPr/>
+        </p:nvSpPr>
+        <p:spPr>
+          <a:xfrm>
+            <a:off x="15855297" y="38742680"/>
+            <a:ext cx="13760537" cy="1261884"/>
+          </a:xfrm>
+          <a:prstGeom prst="rect">
+            <a:avLst/>
+          </a:prstGeom>
+          <a:noFill/>
+        </p:spPr>
+        <p:txBody>
+          <a:bodyPr wrap="square" rtlCol="0">
+            <a:spAutoFit/>
+          </a:bodyPr>
+          <a:lstStyle/>
+          <a:p>
+            <a:pPr marL="292100" lvl="0" indent="-292100">
+              <a:buFont typeface="Arial" charset="0"/>
+              <a:buChar char="•"/>
+            </a:pPr>
+            <a:r>
+              <a:rPr lang="en-US" sz="3800" dirty="0"/>
+              <a:t>Develop beam mapping algorithms (incorporating stage position and CDP data)</a:t>
+            </a:r>
+          </a:p>
+        </p:txBody>
+      </p:sp>
+      <p:cxnSp>
+        <p:nvCxnSpPr>
+          <p:cNvPr id="30" name="Straight Connector 29"/>
+          <p:cNvCxnSpPr/>
+          <p:nvPr/>
+        </p:nvCxnSpPr>
+        <p:spPr>
+          <a:xfrm>
+            <a:off x="503237" y="28560147"/>
+            <a:ext cx="14020800" cy="0"/>
+          </a:xfrm>
+          <a:prstGeom prst="line">
+            <a:avLst/>
+          </a:prstGeom>
+          <a:ln w="57150">
+            <a:solidFill>
+              <a:srgbClr val="608292"/>
+            </a:solidFill>
+          </a:ln>
+        </p:spPr>
+        <p:style>
+          <a:lnRef idx="3">
+            <a:schemeClr val="accent3"/>
+          </a:lnRef>
+          <a:fillRef idx="0">
+            <a:schemeClr val="accent3"/>
+          </a:fillRef>
+          <a:effectRef idx="2">
+            <a:schemeClr val="accent3"/>
+          </a:effectRef>
+          <a:fontRef idx="minor">
+            <a:schemeClr val="tx1"/>
+          </a:fontRef>
+        </p:style>
+      </p:cxnSp>
+      <p:sp>
+        <p:nvSpPr>
+          <p:cNvPr id="37" name="Rectangle 36"/>
+          <p:cNvSpPr/>
+          <p:nvPr/>
+        </p:nvSpPr>
+        <p:spPr>
+          <a:xfrm>
+            <a:off x="396557" y="28657777"/>
+            <a:ext cx="6874805" cy="784830"/>
+          </a:xfrm>
+          <a:prstGeom prst="rect">
+            <a:avLst/>
+          </a:prstGeom>
+        </p:spPr>
+        <p:txBody>
+          <a:bodyPr wrap="square">
+            <a:spAutoFit/>
+          </a:bodyPr>
+          <a:lstStyle/>
+          <a:p>
+            <a:pPr algn="ctr"/>
+            <a:r>
+              <a:rPr lang="en-US" sz="4500" dirty="0" smtClean="0">
+                <a:solidFill>
+                  <a:schemeClr val="bg2">
+                    <a:lumMod val="25000"/>
+                  </a:schemeClr>
+                </a:solidFill>
+              </a:rPr>
+              <a:t>DROPLET VERIFICAITON</a:t>
+            </a:r>
+            <a:endParaRPr lang="en-US" sz="4500" dirty="0">
+              <a:solidFill>
+                <a:schemeClr val="bg2">
+                  <a:lumMod val="50000"/>
+                </a:schemeClr>
+              </a:solidFill>
+            </a:endParaRPr>
+          </a:p>
+        </p:txBody>
+      </p:sp>
+      <p:sp>
+        <p:nvSpPr>
+          <p:cNvPr id="41" name="TextBox 40"/>
+          <p:cNvSpPr txBox="1"/>
+          <p:nvPr/>
+        </p:nvSpPr>
+        <p:spPr>
+          <a:xfrm>
+            <a:off x="396557" y="29474547"/>
+            <a:ext cx="7010401" cy="1800493"/>
+          </a:xfrm>
+          <a:prstGeom prst="rect">
+            <a:avLst/>
+          </a:prstGeom>
+          <a:noFill/>
+        </p:spPr>
+        <p:txBody>
+          <a:bodyPr wrap="square" rtlCol="0">
+            <a:spAutoFit/>
+          </a:bodyPr>
+          <a:lstStyle/>
+          <a:p>
+            <a:r>
+              <a:rPr lang="en-US" sz="3700" dirty="0" smtClean="0"/>
+              <a:t>Droplet diameter and velocity independently measured using “glares” technique (</a:t>
+            </a:r>
+            <a:r>
+              <a:rPr lang="en-US" sz="3700" dirty="0" smtClean="0">
+                <a:solidFill>
+                  <a:schemeClr val="accent1">
+                    <a:lumMod val="75000"/>
+                  </a:schemeClr>
+                </a:solidFill>
+              </a:rPr>
+              <a:t>2</a:t>
+            </a:r>
+            <a:r>
+              <a:rPr lang="en-US" sz="3700" dirty="0" smtClean="0"/>
+              <a:t>) </a:t>
+            </a:r>
+          </a:p>
+        </p:txBody>
+      </p:sp>
+      <p:sp>
+        <p:nvSpPr>
+          <p:cNvPr id="46" name="Rectangle 45"/>
+          <p:cNvSpPr/>
+          <p:nvPr/>
+        </p:nvSpPr>
+        <p:spPr>
+          <a:xfrm>
+            <a:off x="32095440" y="41364121"/>
+            <a:ext cx="7820272" cy="1323439"/>
+          </a:xfrm>
+          <a:prstGeom prst="rect">
+            <a:avLst/>
+          </a:prstGeom>
+        </p:spPr>
+        <p:txBody>
+          <a:bodyPr wrap="square">
+            <a:spAutoFit/>
+          </a:bodyPr>
+          <a:lstStyle/>
+          <a:p>
+            <a:r>
+              <a:rPr lang="en-US" sz="4000" dirty="0" smtClean="0">
+                <a:solidFill>
+                  <a:schemeClr val="accent2">
+                    <a:lumMod val="75000"/>
+                  </a:schemeClr>
+                </a:solidFill>
+              </a:rPr>
+              <a:t>**Acknowledge DMT**</a:t>
+            </a:r>
+          </a:p>
+          <a:p>
+            <a:r>
+              <a:rPr lang="en-US" sz="4000" dirty="0" smtClean="0">
+                <a:solidFill>
+                  <a:schemeClr val="accent2">
+                    <a:lumMod val="75000"/>
+                  </a:schemeClr>
+                </a:solidFill>
+              </a:rPr>
+              <a:t>**(no grant)** </a:t>
+            </a:r>
+            <a:endParaRPr lang="en-US" sz="4000" dirty="0">
+              <a:solidFill>
+                <a:schemeClr val="accent2">
+                  <a:lumMod val="75000"/>
+                </a:schemeClr>
+              </a:solidFill>
+            </a:endParaRPr>
+          </a:p>
+        </p:txBody>
+      </p:sp>
+      <p:pic>
+        <p:nvPicPr>
+          <p:cNvPr id="20" name="Picture 19"/>
+          <p:cNvPicPr>
+            <a:picLocks noChangeAspect="1"/>
+          </p:cNvPicPr>
+          <p:nvPr/>
+        </p:nvPicPr>
+        <p:blipFill>
+          <a:blip r:embed="rId5">
+            <a:extLst>
+              <a:ext uri="{28A0092B-C50C-407E-A947-70E740481C1C}">
+                <a14:useLocalDpi xmlns:a14="http://schemas.microsoft.com/office/drawing/2010/main" val="0"/>
+              </a:ext>
+            </a:extLst>
+          </a:blip>
+          <a:stretch>
+            <a:fillRect/>
+          </a:stretch>
+        </p:blipFill>
+        <p:spPr>
+          <a:xfrm>
+            <a:off x="375551" y="16922883"/>
+            <a:ext cx="14450568" cy="11332464"/>
+          </a:xfrm>
+          <a:prstGeom prst="rect">
+            <a:avLst/>
+          </a:prstGeom>
+        </p:spPr>
+      </p:pic>
+      <p:sp>
+        <p:nvSpPr>
+          <p:cNvPr id="58" name="Rounded Rectangle 57"/>
+          <p:cNvSpPr/>
+          <p:nvPr/>
+        </p:nvSpPr>
+        <p:spPr>
+          <a:xfrm>
+            <a:off x="-18126391" y="32894369"/>
+            <a:ext cx="14630400" cy="14422570"/>
           </a:xfrm>
           <a:prstGeom prst="roundRect">
             <a:avLst>
@@ -4433,19 +5651,19 @@
           <a:lstStyle/>
           <a:p>
             <a:pPr algn="ctr"/>
-            <a:endParaRPr lang="en-US" sz="4882"/>
-          </a:p>
-        </p:txBody>
-      </p:sp>
-      <p:sp>
-        <p:nvSpPr>
-          <p:cNvPr id="16" name="Rectangle 15"/>
+            <a:endParaRPr lang="en-US" sz="4882" dirty="0"/>
+          </a:p>
+        </p:txBody>
+      </p:sp>
+      <p:sp>
+        <p:nvSpPr>
+          <p:cNvPr id="59" name="Rectangle 58"/>
           <p:cNvSpPr/>
           <p:nvPr/>
         </p:nvSpPr>
         <p:spPr>
           <a:xfrm>
-            <a:off x="15855297" y="4137294"/>
+            <a:off x="-17683282" y="32917669"/>
             <a:ext cx="9108140" cy="846386"/>
           </a:xfrm>
           <a:prstGeom prst="rect">
@@ -4466,7 +5684,7 @@
                   </a:schemeClr>
                 </a:solidFill>
               </a:rPr>
-              <a:t>SYSTEM DESIGN</a:t>
+              <a:t>MOTIVATION</a:t>
             </a:r>
             <a:endParaRPr lang="en-US" sz="4900" dirty="0">
               <a:solidFill>
@@ -4480,167 +5698,72 @@
       </p:sp>
       <p:sp>
         <p:nvSpPr>
-          <p:cNvPr id="2" name="TextBox 1"/>
-          <p:cNvSpPr txBox="1"/>
+          <p:cNvPr id="60" name="Rounded Rectangle 59"/>
+          <p:cNvSpPr/>
           <p:nvPr/>
         </p:nvSpPr>
         <p:spPr>
           <a:xfrm>
-            <a:off x="576389" y="28886210"/>
-            <a:ext cx="13984940" cy="8740854"/>
+            <a:off x="-18126391" y="23861182"/>
+            <a:ext cx="14630400" cy="8744186"/>
+          </a:xfrm>
+          <a:prstGeom prst="roundRect">
+            <a:avLst>
+              <a:gd name="adj" fmla="val 1166"/>
+            </a:avLst>
+          </a:prstGeom>
+          <a:solidFill>
+            <a:srgbClr val="FBFAFC"/>
+          </a:solidFill>
+          <a:ln w="63500" cap="rnd">
+            <a:solidFill>
+              <a:schemeClr val="tx2">
+                <a:lumMod val="75000"/>
+                <a:alpha val="87000"/>
+              </a:schemeClr>
+            </a:solidFill>
+            <a:bevel/>
+          </a:ln>
+        </p:spPr>
+        <p:style>
+          <a:lnRef idx="2">
+            <a:schemeClr val="accent1">
+              <a:shade val="50000"/>
+            </a:schemeClr>
+          </a:lnRef>
+          <a:fillRef idx="1">
+            <a:schemeClr val="accent1"/>
+          </a:fillRef>
+          <a:effectRef idx="0">
+            <a:schemeClr val="accent1"/>
+          </a:effectRef>
+          <a:fontRef idx="minor">
+            <a:schemeClr val="lt1"/>
+          </a:fontRef>
+        </p:style>
+        <p:txBody>
+          <a:bodyPr rtlCol="0" anchor="ctr"/>
+          <a:lstStyle/>
+          <a:p>
+            <a:pPr algn="ctr"/>
+            <a:endParaRPr lang="en-US" sz="4882" dirty="0"/>
+          </a:p>
+        </p:txBody>
+      </p:sp>
+      <p:sp>
+        <p:nvSpPr>
+          <p:cNvPr id="61" name="Rectangle 60"/>
+          <p:cNvSpPr/>
+          <p:nvPr/>
+        </p:nvSpPr>
+        <p:spPr>
+          <a:xfrm>
+            <a:off x="-17709533" y="23940386"/>
+            <a:ext cx="9108140" cy="846386"/>
           </a:xfrm>
           <a:prstGeom prst="rect">
             <a:avLst/>
           </a:prstGeom>
-          <a:noFill/>
-        </p:spPr>
-        <p:txBody>
-          <a:bodyPr wrap="square" rtlCol="0">
-            <a:spAutoFit/>
-          </a:bodyPr>
-          <a:lstStyle/>
-          <a:p>
-            <a:r>
-              <a:rPr lang="en-US" sz="4200" dirty="0"/>
-              <a:t>Develop </a:t>
-            </a:r>
-            <a:r>
-              <a:rPr lang="en-US" sz="4200" dirty="0" smtClean="0"/>
-              <a:t>an optical </a:t>
-            </a:r>
-            <a:r>
-              <a:rPr lang="en-US" sz="4200" dirty="0"/>
-              <a:t>probe water droplet calibration system</a:t>
-            </a:r>
-            <a:r>
-              <a:rPr lang="en-US" sz="4200" dirty="0" smtClean="0"/>
-              <a:t>.</a:t>
-            </a:r>
-          </a:p>
-          <a:p>
-            <a:pPr lvl="0"/>
-            <a:endParaRPr lang="en-US" sz="4000" dirty="0" smtClean="0"/>
-          </a:p>
-          <a:p>
-            <a:pPr marL="571500" indent="-571500">
-              <a:buFont typeface="Arial" charset="0"/>
-              <a:buChar char="•"/>
-            </a:pPr>
-            <a:r>
-              <a:rPr lang="en-US" sz="4000" dirty="0"/>
-              <a:t>Creates droplets of </a:t>
-            </a:r>
-            <a:r>
-              <a:rPr lang="en-US" sz="4000" dirty="0" smtClean="0"/>
-              <a:t>repeatable </a:t>
-            </a:r>
-            <a:r>
-              <a:rPr lang="en-US" sz="4000" dirty="0"/>
-              <a:t>size, velocity, and </a:t>
-            </a:r>
-            <a:r>
-              <a:rPr lang="en-US" sz="4000" dirty="0" smtClean="0"/>
-              <a:t>concentration</a:t>
-            </a:r>
-          </a:p>
-          <a:p>
-            <a:pPr marL="571500" indent="-571500">
-              <a:buFont typeface="Arial" charset="0"/>
-              <a:buChar char="•"/>
-            </a:pPr>
-            <a:r>
-              <a:rPr lang="en-US" sz="4000" dirty="0" smtClean="0"/>
-              <a:t>Produces a range of droplet diameters, velocities, and concentrations</a:t>
-            </a:r>
-          </a:p>
-          <a:p>
-            <a:pPr marL="571500" lvl="0" indent="-571500">
-              <a:buFont typeface="Arial" charset="0"/>
-              <a:buChar char="•"/>
-            </a:pPr>
-            <a:r>
-              <a:rPr lang="en-US" sz="4000" dirty="0"/>
-              <a:t>Uses particles of probe’s target media (eliminates refractive index complications</a:t>
-            </a:r>
-            <a:r>
-              <a:rPr lang="en-US" sz="4000" dirty="0" smtClean="0"/>
-              <a:t>)</a:t>
-            </a:r>
-          </a:p>
-          <a:p>
-            <a:pPr marL="571500" lvl="0" indent="-571500">
-              <a:buFont typeface="Arial" charset="0"/>
-              <a:buChar char="•"/>
-            </a:pPr>
-            <a:r>
-              <a:rPr lang="en-US" sz="4000" dirty="0" smtClean="0"/>
-              <a:t>Incorporates independent </a:t>
-            </a:r>
-            <a:r>
-              <a:rPr lang="en-US" sz="4000" dirty="0"/>
-              <a:t>droplet diameter and velocity </a:t>
-            </a:r>
-            <a:r>
-              <a:rPr lang="en-US" sz="4000" dirty="0" smtClean="0"/>
-              <a:t>verification</a:t>
-            </a:r>
-            <a:endParaRPr lang="en-US" sz="4000" dirty="0"/>
-          </a:p>
-          <a:p>
-            <a:pPr marL="571500" lvl="0" indent="-571500">
-              <a:buFont typeface="Arial" charset="0"/>
-              <a:buChar char="•"/>
-            </a:pPr>
-            <a:r>
-              <a:rPr lang="en-US" sz="4000" dirty="0" smtClean="0"/>
-              <a:t>Positioning controlled by </a:t>
-            </a:r>
-            <a:r>
-              <a:rPr lang="en-US" sz="4000" dirty="0"/>
-              <a:t>high precision digital </a:t>
-            </a:r>
-            <a:r>
-              <a:rPr lang="en-US" sz="4000" dirty="0" err="1"/>
-              <a:t>micropositioning</a:t>
-            </a:r>
-            <a:r>
-              <a:rPr lang="en-US" sz="4000" dirty="0"/>
-              <a:t> stages</a:t>
-            </a:r>
-          </a:p>
-          <a:p>
-            <a:pPr marL="571500" lvl="0" indent="-571500">
-              <a:buFont typeface="Arial" charset="0"/>
-              <a:buChar char="•"/>
-            </a:pPr>
-            <a:r>
-              <a:rPr lang="en-US" sz="4000" dirty="0" smtClean="0"/>
-              <a:t>Initially compatible with CDP with capability to expand to several forward </a:t>
-            </a:r>
-            <a:r>
-              <a:rPr lang="en-US" sz="4000" dirty="0"/>
-              <a:t>scattering and optical array probes</a:t>
-            </a:r>
-          </a:p>
-          <a:p>
-            <a:endParaRPr lang="en-US" sz="4000" dirty="0"/>
-          </a:p>
-        </p:txBody>
-      </p:sp>
-      <p:sp>
-        <p:nvSpPr>
-          <p:cNvPr id="17" name="Rectangle 16"/>
-          <p:cNvSpPr/>
-          <p:nvPr/>
-        </p:nvSpPr>
-        <p:spPr>
-          <a:xfrm>
-            <a:off x="615297" y="21116089"/>
-            <a:ext cx="13946032" cy="707886"/>
-          </a:xfrm>
-          <a:prstGeom prst="rect">
-            <a:avLst/>
-          </a:prstGeom>
         </p:spPr>
         <p:txBody>
           <a:bodyPr wrap="square">
@@ -4648,554 +5771,17 @@
           </a:bodyPr>
           <a:lstStyle/>
           <a:p>
-            <a:endParaRPr lang="en-US" sz="4000" dirty="0">
-              <a:latin typeface="Calibri" charset="0"/>
-              <a:ea typeface="Calibri" charset="0"/>
-              <a:cs typeface="Times New Roman" charset="0"/>
-            </a:endParaRPr>
-          </a:p>
-        </p:txBody>
-      </p:sp>
-      <p:sp>
-        <p:nvSpPr>
-          <p:cNvPr id="35" name="TextBox 34"/>
-          <p:cNvSpPr txBox="1"/>
-          <p:nvPr/>
-        </p:nvSpPr>
-        <p:spPr>
-          <a:xfrm>
-            <a:off x="576389" y="14048739"/>
-            <a:ext cx="13984940" cy="4401205"/>
-          </a:xfrm>
-          <a:prstGeom prst="rect">
-            <a:avLst/>
-          </a:prstGeom>
-          <a:noFill/>
-        </p:spPr>
-        <p:txBody>
-          <a:bodyPr wrap="square" rtlCol="0">
-            <a:spAutoFit/>
-          </a:bodyPr>
-          <a:lstStyle/>
-          <a:p>
-            <a:r>
-              <a:rPr lang="en-US" sz="4000" dirty="0" smtClean="0"/>
-              <a:t>Sub-precipitation to precipitation sized (2 um – 1 mm diameter) DSDs are commonly measured with two airborne instrument classes; forward scattering and optical array probes. Both classes are subject to significant uncertainty due to coincidence error, </a:t>
-            </a:r>
-            <a:r>
-              <a:rPr lang="en-US" sz="4000" dirty="0"/>
-              <a:t>sample volume uncertainty, and inhomogeneous sizing response (</a:t>
-            </a:r>
-            <a:r>
-              <a:rPr lang="en-US" sz="4000" dirty="0">
-                <a:solidFill>
-                  <a:schemeClr val="accent1">
-                    <a:lumMod val="75000"/>
-                  </a:schemeClr>
-                </a:solidFill>
-              </a:rPr>
-              <a:t>1</a:t>
-            </a:r>
-            <a:r>
-              <a:rPr lang="en-US" sz="4000" dirty="0"/>
-              <a:t>). Error sources artificially broaden DSDs and compromise derived liquid water content (LWC) values</a:t>
-            </a:r>
-            <a:r>
-              <a:rPr lang="en-US" sz="4000" dirty="0" smtClean="0"/>
-              <a:t>.</a:t>
-            </a:r>
-            <a:endParaRPr lang="en-US" sz="4000" dirty="0"/>
-          </a:p>
-        </p:txBody>
-      </p:sp>
-      <p:sp>
-        <p:nvSpPr>
-          <p:cNvPr id="36" name="TextBox 35"/>
-          <p:cNvSpPr txBox="1"/>
-          <p:nvPr/>
-        </p:nvSpPr>
-        <p:spPr>
-          <a:xfrm>
-            <a:off x="7857226" y="24282888"/>
-            <a:ext cx="6747477" cy="3046988"/>
-          </a:xfrm>
-          <a:prstGeom prst="rect">
-            <a:avLst/>
-          </a:prstGeom>
-          <a:noFill/>
-        </p:spPr>
-        <p:txBody>
-          <a:bodyPr wrap="square" rtlCol="0">
-            <a:spAutoFit/>
-          </a:bodyPr>
-          <a:lstStyle/>
-          <a:p>
-            <a:pPr algn="ctr"/>
-            <a:r>
-              <a:rPr lang="en-US" sz="3200" i="1" dirty="0" smtClean="0"/>
-              <a:t>In-situ instruments aboard The UWYO King Air. From left to right – Passive Cavity Aerosol Spectrometer, LWC-100 Hotwire Device, Reverse Flow Temperature Probe, Cloud Imaging Probe (</a:t>
-            </a:r>
-            <a:r>
-              <a:rPr lang="en-US" sz="3200" i="1" dirty="0" smtClean="0">
-                <a:solidFill>
-                  <a:schemeClr val="accent1">
-                    <a:lumMod val="75000"/>
-                  </a:schemeClr>
-                </a:solidFill>
-              </a:rPr>
-              <a:t>2</a:t>
-            </a:r>
-            <a:r>
-              <a:rPr lang="en-US" sz="3200" i="1" dirty="0" smtClean="0"/>
-              <a:t>)</a:t>
-            </a:r>
-            <a:endParaRPr lang="en-US" sz="3200" i="1" dirty="0"/>
-          </a:p>
-        </p:txBody>
-      </p:sp>
-      <p:sp>
-        <p:nvSpPr>
-          <p:cNvPr id="7" name="Rectangle 6"/>
-          <p:cNvSpPr/>
-          <p:nvPr/>
-        </p:nvSpPr>
-        <p:spPr>
-          <a:xfrm>
-            <a:off x="-8850977" y="18091893"/>
-            <a:ext cx="6754246" cy="830997"/>
-          </a:xfrm>
-          <a:prstGeom prst="rect">
-            <a:avLst/>
-          </a:prstGeom>
-        </p:spPr>
-        <p:txBody>
-          <a:bodyPr wrap="square">
-            <a:spAutoFit/>
-          </a:bodyPr>
-          <a:lstStyle/>
-          <a:p>
-            <a:r>
-              <a:rPr lang="en-US" sz="2400" dirty="0">
-                <a:solidFill>
-                  <a:schemeClr val="accent1">
-                    <a:lumMod val="75000"/>
-                  </a:schemeClr>
-                </a:solidFill>
-              </a:rPr>
-              <a:t>http://domex2011.blogspot.com/2011/04/</a:t>
-            </a:r>
-            <a:r>
-              <a:rPr lang="en-US" sz="2400" dirty="0" err="1">
-                <a:solidFill>
-                  <a:schemeClr val="accent1">
-                    <a:lumMod val="75000"/>
-                  </a:schemeClr>
-                </a:solidFill>
-              </a:rPr>
-              <a:t>wyoming</a:t>
-            </a:r>
-            <a:r>
-              <a:rPr lang="en-US" sz="2400" dirty="0">
-                <a:solidFill>
-                  <a:schemeClr val="accent1">
-                    <a:lumMod val="75000"/>
-                  </a:schemeClr>
-                </a:solidFill>
-              </a:rPr>
-              <a:t>-king-</a:t>
-            </a:r>
-            <a:r>
-              <a:rPr lang="en-US" sz="2400" dirty="0" err="1">
-                <a:solidFill>
-                  <a:schemeClr val="accent1">
-                    <a:lumMod val="75000"/>
-                  </a:schemeClr>
-                </a:solidFill>
-              </a:rPr>
-              <a:t>air.html</a:t>
-            </a:r>
-            <a:endParaRPr lang="en-US" sz="2400" dirty="0">
-              <a:solidFill>
-                <a:schemeClr val="accent1">
-                  <a:lumMod val="75000"/>
-                </a:schemeClr>
-              </a:solidFill>
-            </a:endParaRPr>
-          </a:p>
-        </p:txBody>
-      </p:sp>
-      <p:pic>
-        <p:nvPicPr>
-          <p:cNvPr id="13" name="Picture 12"/>
-          <p:cNvPicPr>
-            <a:picLocks noChangeAspect="1"/>
-          </p:cNvPicPr>
-          <p:nvPr/>
-        </p:nvPicPr>
-        <p:blipFill rotWithShape="1">
-          <a:blip r:embed="rId3">
-            <a:extLst>
-              <a:ext uri="{28A0092B-C50C-407E-A947-70E740481C1C}">
-                <a14:useLocalDpi xmlns:a14="http://schemas.microsoft.com/office/drawing/2010/main" val="0"/>
-              </a:ext>
-            </a:extLst>
-          </a:blip>
-          <a:srcRect l="11533" t="10959" r="12070" b="17265"/>
-          <a:stretch/>
-        </p:blipFill>
-        <p:spPr>
-          <a:xfrm>
-            <a:off x="25577233" y="17750666"/>
-            <a:ext cx="4038601" cy="3886201"/>
-          </a:xfrm>
-          <a:prstGeom prst="rect">
-            <a:avLst/>
-          </a:prstGeom>
-        </p:spPr>
-      </p:pic>
-      <p:pic>
-        <p:nvPicPr>
-          <p:cNvPr id="9" name="Picture 8"/>
-          <p:cNvPicPr>
-            <a:picLocks noChangeAspect="1"/>
-          </p:cNvPicPr>
-          <p:nvPr/>
-        </p:nvPicPr>
-        <p:blipFill>
-          <a:blip r:embed="rId4">
-            <a:extLst>
-              <a:ext uri="{28A0092B-C50C-407E-A947-70E740481C1C}">
-                <a14:useLocalDpi xmlns:a14="http://schemas.microsoft.com/office/drawing/2010/main" val="0"/>
-              </a:ext>
-            </a:extLst>
-          </a:blip>
-          <a:stretch>
-            <a:fillRect/>
-          </a:stretch>
-        </p:blipFill>
-        <p:spPr>
-          <a:xfrm>
-            <a:off x="7857226" y="19078045"/>
-            <a:ext cx="6823524" cy="5117643"/>
-          </a:xfrm>
-          <a:prstGeom prst="rect">
-            <a:avLst/>
-          </a:prstGeom>
-        </p:spPr>
-      </p:pic>
-      <p:sp>
-        <p:nvSpPr>
-          <p:cNvPr id="38" name="TextBox 37"/>
-          <p:cNvSpPr txBox="1"/>
-          <p:nvPr/>
-        </p:nvSpPr>
-        <p:spPr>
-          <a:xfrm>
-            <a:off x="25024402" y="21742898"/>
-            <a:ext cx="5144262" cy="1077218"/>
-          </a:xfrm>
-          <a:prstGeom prst="rect">
-            <a:avLst/>
-          </a:prstGeom>
-          <a:noFill/>
-        </p:spPr>
-        <p:txBody>
-          <a:bodyPr wrap="square" rtlCol="0">
-            <a:spAutoFit/>
-          </a:bodyPr>
-          <a:lstStyle/>
-          <a:p>
-            <a:pPr algn="ctr"/>
-            <a:r>
-              <a:rPr lang="en-US" sz="3200" i="1" dirty="0" smtClean="0"/>
-              <a:t>40 um drop streak captured at 1/4000 second</a:t>
-            </a:r>
-            <a:endParaRPr lang="en-US" sz="3200" i="1" dirty="0"/>
-          </a:p>
-        </p:txBody>
-      </p:sp>
-      <p:sp>
-        <p:nvSpPr>
-          <p:cNvPr id="40" name="TextBox 39"/>
-          <p:cNvSpPr txBox="1"/>
-          <p:nvPr/>
-        </p:nvSpPr>
-        <p:spPr>
-          <a:xfrm>
-            <a:off x="615297" y="38666480"/>
-            <a:ext cx="14252448" cy="1323439"/>
-          </a:xfrm>
-          <a:prstGeom prst="rect">
-            <a:avLst/>
-          </a:prstGeom>
-          <a:noFill/>
-        </p:spPr>
-        <p:txBody>
-          <a:bodyPr wrap="square" rtlCol="0">
-            <a:spAutoFit/>
-          </a:bodyPr>
-          <a:lstStyle/>
-          <a:p>
-            <a:pPr marL="571500" lvl="0" indent="-571500">
-              <a:buFont typeface="Arial" charset="0"/>
-              <a:buChar char="•"/>
-            </a:pPr>
-            <a:r>
-              <a:rPr lang="en-US" sz="4000" dirty="0"/>
-              <a:t>Incorporate </a:t>
-            </a:r>
-            <a:r>
-              <a:rPr lang="en-US" sz="4000" dirty="0" err="1"/>
-              <a:t>micropositing</a:t>
-            </a:r>
-            <a:r>
-              <a:rPr lang="en-US" sz="4000" dirty="0"/>
-              <a:t> stages</a:t>
-            </a:r>
-          </a:p>
-          <a:p>
-            <a:pPr marL="571500" lvl="0" indent="-571500">
-              <a:buFont typeface="Arial" charset="0"/>
-              <a:buChar char="•"/>
-            </a:pPr>
-            <a:r>
-              <a:rPr lang="en-US" sz="4000" dirty="0"/>
-              <a:t>Develop droplet verification image analysis </a:t>
-            </a:r>
-            <a:r>
-              <a:rPr lang="en-US" sz="4000" dirty="0" smtClean="0"/>
-              <a:t>software</a:t>
-            </a:r>
-            <a:endParaRPr lang="en-US" sz="4000" dirty="0"/>
-          </a:p>
-        </p:txBody>
-      </p:sp>
-      <p:sp>
-        <p:nvSpPr>
-          <p:cNvPr id="21" name="Rectangle 20"/>
-          <p:cNvSpPr/>
-          <p:nvPr/>
-        </p:nvSpPr>
-        <p:spPr>
-          <a:xfrm>
-            <a:off x="-8844877" y="15414237"/>
-            <a:ext cx="6833514" cy="2677656"/>
-          </a:xfrm>
-          <a:prstGeom prst="rect">
-            <a:avLst/>
-          </a:prstGeom>
-        </p:spPr>
-        <p:txBody>
-          <a:bodyPr wrap="square">
-            <a:spAutoFit/>
-          </a:bodyPr>
-          <a:lstStyle/>
-          <a:p>
-            <a:pPr marL="304800" indent="-304800"/>
-            <a:r>
-              <a:rPr lang="en-US" sz="2400" dirty="0" err="1">
-                <a:solidFill>
-                  <a:schemeClr val="accent1">
-                    <a:lumMod val="75000"/>
-                  </a:schemeClr>
-                </a:solidFill>
-              </a:rPr>
-              <a:t>Brenguier</a:t>
-            </a:r>
-            <a:r>
-              <a:rPr lang="en-US" sz="2400" dirty="0">
-                <a:solidFill>
-                  <a:schemeClr val="accent1">
-                    <a:lumMod val="75000"/>
-                  </a:schemeClr>
-                </a:solidFill>
-              </a:rPr>
-              <a:t>, J. L., T. </a:t>
-            </a:r>
-            <a:r>
-              <a:rPr lang="en-US" sz="2400" dirty="0" err="1">
-                <a:solidFill>
-                  <a:schemeClr val="accent1">
-                    <a:lumMod val="75000"/>
-                  </a:schemeClr>
-                </a:solidFill>
-              </a:rPr>
-              <a:t>Bourrianne</a:t>
-            </a:r>
-            <a:r>
-              <a:rPr lang="en-US" sz="2400" dirty="0">
-                <a:solidFill>
-                  <a:schemeClr val="accent1">
-                    <a:lumMod val="75000"/>
-                  </a:schemeClr>
-                </a:solidFill>
-              </a:rPr>
-              <a:t>, A. A. De Coelho, J. </a:t>
-            </a:r>
-            <a:r>
-              <a:rPr lang="en-US" sz="2400" dirty="0" err="1">
-                <a:solidFill>
-                  <a:schemeClr val="accent1">
-                    <a:lumMod val="75000"/>
-                  </a:schemeClr>
-                </a:solidFill>
-              </a:rPr>
-              <a:t>Isbert</a:t>
-            </a:r>
-            <a:r>
-              <a:rPr lang="en-US" sz="2400" dirty="0">
-                <a:solidFill>
-                  <a:schemeClr val="accent1">
-                    <a:lumMod val="75000"/>
-                  </a:schemeClr>
-                </a:solidFill>
-              </a:rPr>
-              <a:t>, R. </a:t>
-            </a:r>
-            <a:r>
-              <a:rPr lang="en-US" sz="2400" dirty="0" err="1">
-                <a:solidFill>
-                  <a:schemeClr val="accent1">
-                    <a:lumMod val="75000"/>
-                  </a:schemeClr>
-                </a:solidFill>
-              </a:rPr>
-              <a:t>Peytavi</a:t>
-            </a:r>
-            <a:r>
-              <a:rPr lang="en-US" sz="2400" dirty="0">
-                <a:solidFill>
-                  <a:schemeClr val="accent1">
-                    <a:lumMod val="75000"/>
-                  </a:schemeClr>
-                </a:solidFill>
-              </a:rPr>
-              <a:t>, D. </a:t>
-            </a:r>
-            <a:r>
-              <a:rPr lang="en-US" sz="2400" dirty="0" err="1">
-                <a:solidFill>
-                  <a:schemeClr val="accent1">
-                    <a:lumMod val="75000"/>
-                  </a:schemeClr>
-                </a:solidFill>
-              </a:rPr>
-              <a:t>Trevarin</a:t>
-            </a:r>
-            <a:r>
-              <a:rPr lang="en-US" sz="2400" dirty="0">
-                <a:solidFill>
-                  <a:schemeClr val="accent1">
-                    <a:lumMod val="75000"/>
-                  </a:schemeClr>
-                </a:solidFill>
-              </a:rPr>
-              <a:t>, and P. </a:t>
-            </a:r>
-            <a:r>
-              <a:rPr lang="en-US" sz="2400" dirty="0" err="1">
-                <a:solidFill>
-                  <a:schemeClr val="accent1">
-                    <a:lumMod val="75000"/>
-                  </a:schemeClr>
-                </a:solidFill>
-              </a:rPr>
-              <a:t>Weschler</a:t>
-            </a:r>
-            <a:r>
-              <a:rPr lang="en-US" sz="2400" dirty="0">
-                <a:solidFill>
-                  <a:schemeClr val="accent1">
-                    <a:lumMod val="75000"/>
-                  </a:schemeClr>
-                </a:solidFill>
-              </a:rPr>
-              <a:t>, 1998: Improvements of droplet size distribution measurements with the fast-FSSP (Forward Scattering Spectrometer Probe). </a:t>
-            </a:r>
-            <a:r>
-              <a:rPr lang="en-US" sz="2400" i="1" dirty="0">
-                <a:solidFill>
-                  <a:schemeClr val="accent1">
-                    <a:lumMod val="75000"/>
-                  </a:schemeClr>
-                </a:solidFill>
-              </a:rPr>
-              <a:t>J. Atmos. Ocean. Technol.</a:t>
-            </a:r>
-            <a:r>
-              <a:rPr lang="en-US" sz="2400" dirty="0">
-                <a:solidFill>
-                  <a:schemeClr val="accent1">
-                    <a:lumMod val="75000"/>
-                  </a:schemeClr>
-                </a:solidFill>
-              </a:rPr>
-              <a:t>, </a:t>
-            </a:r>
-            <a:r>
-              <a:rPr lang="en-US" sz="2400" b="1" dirty="0">
-                <a:solidFill>
-                  <a:schemeClr val="accent1">
-                    <a:lumMod val="75000"/>
-                  </a:schemeClr>
-                </a:solidFill>
-              </a:rPr>
-              <a:t>15</a:t>
-            </a:r>
-            <a:r>
-              <a:rPr lang="en-US" sz="2400" dirty="0">
-                <a:solidFill>
-                  <a:schemeClr val="accent1">
-                    <a:lumMod val="75000"/>
-                  </a:schemeClr>
-                </a:solidFill>
-              </a:rPr>
-              <a:t>, 1077–1090, doi:10.1175/1520-0426(1998)015&lt;1077:IODSDM&gt;2.0.CO;2.</a:t>
-            </a:r>
-            <a:endParaRPr lang="en-US" sz="2400" dirty="0">
-              <a:solidFill>
-                <a:schemeClr val="accent1">
-                  <a:lumMod val="75000"/>
-                </a:schemeClr>
-              </a:solidFill>
-              <a:effectLst/>
-            </a:endParaRPr>
-          </a:p>
-        </p:txBody>
-      </p:sp>
-      <p:sp>
-        <p:nvSpPr>
-          <p:cNvPr id="22" name="Rectangle 21"/>
-          <p:cNvSpPr/>
-          <p:nvPr/>
-        </p:nvSpPr>
-        <p:spPr>
-          <a:xfrm>
-            <a:off x="29253950" y="425783"/>
-            <a:ext cx="15132050" cy="3416320"/>
-          </a:xfrm>
-          <a:prstGeom prst="rect">
-            <a:avLst/>
-          </a:prstGeom>
-        </p:spPr>
-        <p:txBody>
-          <a:bodyPr>
-            <a:spAutoFit/>
-          </a:bodyPr>
-          <a:lstStyle/>
-          <a:p>
-            <a:pPr algn="ctr"/>
-            <a:r>
-              <a:rPr lang="en-US" sz="7200">
+            <a:r>
+              <a:rPr lang="en-US" sz="4900" dirty="0" smtClean="0">
                 <a:solidFill>
                   <a:schemeClr val="tx2">
                     <a:lumMod val="75000"/>
                   </a:schemeClr>
                 </a:solidFill>
               </a:rPr>
-              <a:t>Development of a Water Droplet Generating Cloud Particle Probe Calibration Device</a:t>
-            </a:r>
-            <a:endParaRPr lang="en-US" sz="7200" dirty="0">
+              <a:t>BACKGROUND</a:t>
+            </a:r>
+            <a:endParaRPr lang="en-US" sz="4900" dirty="0">
               <a:solidFill>
                 <a:schemeClr val="tx2">
                   <a:lumMod val="75000"/>
@@ -5207,14 +5793,43 @@
       </p:sp>
       <p:sp>
         <p:nvSpPr>
-          <p:cNvPr id="42" name="TextBox 41"/>
+          <p:cNvPr id="62" name="Rectangle 61"/>
+          <p:cNvSpPr/>
+          <p:nvPr/>
+        </p:nvSpPr>
+        <p:spPr>
+          <a:xfrm>
+            <a:off x="-17785733" y="40935236"/>
+            <a:ext cx="13946032" cy="707886"/>
+          </a:xfrm>
+          <a:prstGeom prst="rect">
+            <a:avLst/>
+          </a:prstGeom>
+        </p:spPr>
+        <p:txBody>
+          <a:bodyPr wrap="square">
+            <a:spAutoFit/>
+          </a:bodyPr>
+          <a:lstStyle/>
+          <a:p>
+            <a:endParaRPr lang="en-US" sz="4000" dirty="0">
+              <a:latin typeface="Calibri" charset="0"/>
+              <a:ea typeface="Calibri" charset="0"/>
+              <a:cs typeface="Times New Roman" charset="0"/>
+            </a:endParaRPr>
+          </a:p>
+        </p:txBody>
+      </p:sp>
+      <p:sp>
+        <p:nvSpPr>
+          <p:cNvPr id="63" name="TextBox 62"/>
           <p:cNvSpPr txBox="1"/>
           <p:nvPr/>
         </p:nvSpPr>
         <p:spPr>
           <a:xfrm>
-            <a:off x="15855297" y="38742680"/>
-            <a:ext cx="13760537" cy="1323439"/>
+            <a:off x="-17824641" y="33867886"/>
+            <a:ext cx="13984940" cy="4401205"/>
           </a:xfrm>
           <a:prstGeom prst="rect">
             <a:avLst/>
@@ -5227,50 +5842,84 @@
           </a:bodyPr>
           <a:lstStyle/>
           <a:p>
-            <a:pPr marL="571500" lvl="0" indent="-571500">
-              <a:buFont typeface="Arial" charset="0"/>
-              <a:buChar char="•"/>
-            </a:pPr>
+            <a:r>
+              <a:rPr lang="en-US" sz="4000" dirty="0" smtClean="0"/>
+              <a:t>Sub-precipitation to precipitation sized (2 um – 1 mm diameter) DSDs are commonly measured with two airborne instrument classes; forward scattering and optical array probes. Both classes are subject to significant uncertainty due to coincidence error, </a:t>
+            </a:r>
             <a:r>
               <a:rPr lang="en-US" sz="4000" dirty="0"/>
-              <a:t>Develop beam mapping algorithms (incorporating stage position and CDP data)</a:t>
-            </a:r>
-          </a:p>
-        </p:txBody>
-      </p:sp>
-      <p:pic>
-        <p:nvPicPr>
-          <p:cNvPr id="25" name="Picture 24"/>
-          <p:cNvPicPr>
-            <a:picLocks noChangeAspect="1"/>
-          </p:cNvPicPr>
+              <a:t>sample volume uncertainty, and inhomogeneous sizing response (</a:t>
+            </a:r>
+            <a:r>
+              <a:rPr lang="en-US" sz="4000" dirty="0">
+                <a:solidFill>
+                  <a:schemeClr val="accent1">
+                    <a:lumMod val="75000"/>
+                  </a:schemeClr>
+                </a:solidFill>
+              </a:rPr>
+              <a:t>1</a:t>
+            </a:r>
+            <a:r>
+              <a:rPr lang="en-US" sz="4000" dirty="0"/>
+              <a:t>). Error sources artificially broaden DSDs and compromise derived liquid water content (LWC) values</a:t>
+            </a:r>
+            <a:r>
+              <a:rPr lang="en-US" sz="4000" dirty="0" smtClean="0"/>
+              <a:t>.</a:t>
+            </a:r>
+            <a:endParaRPr lang="en-US" sz="4000" dirty="0"/>
+          </a:p>
+        </p:txBody>
+      </p:sp>
+      <p:sp>
+        <p:nvSpPr>
+          <p:cNvPr id="64" name="TextBox 63"/>
+          <p:cNvSpPr txBox="1"/>
           <p:nvPr/>
-        </p:nvPicPr>
-        <p:blipFill>
-          <a:blip r:embed="rId5">
-            <a:extLst>
-              <a:ext uri="{28A0092B-C50C-407E-A947-70E740481C1C}">
-                <a14:useLocalDpi xmlns:a14="http://schemas.microsoft.com/office/drawing/2010/main" val="0"/>
-              </a:ext>
-            </a:extLst>
-          </a:blip>
-          <a:stretch>
-            <a:fillRect/>
-          </a:stretch>
-        </p:blipFill>
-        <p:spPr>
-          <a:xfrm>
-            <a:off x="15590837" y="5420601"/>
-            <a:ext cx="14325600" cy="11332464"/>
+        </p:nvSpPr>
+        <p:spPr>
+          <a:xfrm>
+            <a:off x="-10543804" y="44102035"/>
+            <a:ext cx="6747477" cy="3046988"/>
           </a:xfrm>
           <a:prstGeom prst="rect">
             <a:avLst/>
           </a:prstGeom>
-        </p:spPr>
-      </p:pic>
+          <a:noFill/>
+        </p:spPr>
+        <p:txBody>
+          <a:bodyPr wrap="square" rtlCol="0">
+            <a:spAutoFit/>
+          </a:bodyPr>
+          <a:lstStyle/>
+          <a:p>
+            <a:pPr algn="ctr"/>
+            <a:r>
+              <a:rPr lang="en-US" sz="3200" i="1" dirty="0" smtClean="0"/>
+              <a:t>In-situ instruments aboard The UWYO King Air. From left to right – Passive Cavity Aerosol Spectrometer, LWC-100 Hotwire Device, Reverse Flow Temperature Probe, Cloud Imaging Probe (</a:t>
+            </a:r>
+            <a:r>
+              <a:rPr lang="en-US" sz="3200" i="1" dirty="0" smtClean="0">
+                <a:solidFill>
+                  <a:schemeClr val="accent1">
+                    <a:lumMod val="75000"/>
+                  </a:schemeClr>
+                </a:solidFill>
+              </a:rPr>
+              <a:t>2</a:t>
+            </a:r>
+            <a:r>
+              <a:rPr lang="en-US" sz="3200" i="1" dirty="0" smtClean="0"/>
+              <a:t>)</a:t>
+            </a:r>
+            <a:endParaRPr lang="en-US" sz="3200" i="1" dirty="0"/>
+          </a:p>
+        </p:txBody>
+      </p:sp>
       <p:pic>
         <p:nvPicPr>
-          <p:cNvPr id="27" name="Picture 26"/>
+          <p:cNvPr id="65" name="Picture 64"/>
           <p:cNvPicPr>
             <a:picLocks noChangeAspect="1"/>
           </p:cNvPicPr>
@@ -5290,8 +5939,8 @@
         </p:blipFill>
         <p:spPr>
           <a:xfrm>
-            <a:off x="21915437" y="23373874"/>
-            <a:ext cx="2438400" cy="14071599"/>
+            <a:off x="-10543804" y="38897192"/>
+            <a:ext cx="6823524" cy="5117643"/>
           </a:xfrm>
           <a:prstGeom prst="rect">
             <a:avLst/>
@@ -5300,285 +5949,13 @@
       </p:pic>
       <p:sp>
         <p:nvSpPr>
-          <p:cNvPr id="52" name="TextBox 51"/>
+          <p:cNvPr id="66" name="TextBox 65"/>
           <p:cNvSpPr txBox="1"/>
           <p:nvPr/>
         </p:nvSpPr>
         <p:spPr>
           <a:xfrm>
-            <a:off x="15590837" y="25581774"/>
-            <a:ext cx="6511156" cy="6494085"/>
-          </a:xfrm>
-          <a:prstGeom prst="rect">
-            <a:avLst/>
-          </a:prstGeom>
-          <a:noFill/>
-        </p:spPr>
-        <p:txBody>
-          <a:bodyPr wrap="square" rtlCol="0">
-            <a:spAutoFit/>
-          </a:bodyPr>
-          <a:lstStyle/>
-          <a:p>
-            <a:pPr algn="ctr"/>
-            <a:r>
-              <a:rPr lang="en-US" sz="4400" b="1" dirty="0" smtClean="0">
-                <a:solidFill>
-                  <a:srgbClr val="3F6388"/>
-                </a:solidFill>
-              </a:rPr>
-              <a:t>*Inner* Tube</a:t>
-            </a:r>
-          </a:p>
-          <a:p>
-            <a:pPr marL="571500" indent="-571500">
-              <a:buFont typeface="Arial" charset="0"/>
-              <a:buChar char="•"/>
-            </a:pPr>
-            <a:r>
-              <a:rPr lang="en-US" sz="3600" dirty="0" smtClean="0"/>
-              <a:t>Position adjustable for varying droplet velocity and diameter (through evaporation)</a:t>
-            </a:r>
-          </a:p>
-          <a:p>
-            <a:endParaRPr lang="en-US" sz="4400" b="1" dirty="0" smtClean="0"/>
-          </a:p>
-          <a:p>
-            <a:endParaRPr lang="en-US" sz="4400" b="1" dirty="0"/>
-          </a:p>
-          <a:p>
-            <a:endParaRPr lang="en-US" sz="4400" b="1" dirty="0" smtClean="0"/>
-          </a:p>
-          <a:p>
-            <a:endParaRPr lang="en-US" sz="4400" b="1" dirty="0" smtClean="0"/>
-          </a:p>
-          <a:p>
-            <a:endParaRPr lang="en-US" sz="4400" b="1" dirty="0"/>
-          </a:p>
-          <a:p>
-            <a:pPr algn="ctr"/>
-            <a:r>
-              <a:rPr lang="en-US" sz="4400" b="1" dirty="0" smtClean="0">
-                <a:solidFill>
-                  <a:srgbClr val="532E92"/>
-                </a:solidFill>
-              </a:rPr>
-              <a:t>Flow Straightener</a:t>
-            </a:r>
-          </a:p>
-        </p:txBody>
-      </p:sp>
-      <p:sp>
-        <p:nvSpPr>
-          <p:cNvPr id="57" name="TextBox 56"/>
-          <p:cNvSpPr txBox="1"/>
-          <p:nvPr/>
-        </p:nvSpPr>
-        <p:spPr>
-          <a:xfrm>
-            <a:off x="24540393" y="32084841"/>
-            <a:ext cx="5075441" cy="4832092"/>
-          </a:xfrm>
-          <a:prstGeom prst="rect">
-            <a:avLst/>
-          </a:prstGeom>
-          <a:noFill/>
-        </p:spPr>
-        <p:txBody>
-          <a:bodyPr wrap="square" rtlCol="0">
-            <a:spAutoFit/>
-          </a:bodyPr>
-          <a:lstStyle/>
-          <a:p>
-            <a:pPr algn="ctr"/>
-            <a:r>
-              <a:rPr lang="en-US" sz="4400" b="1" dirty="0" smtClean="0">
-                <a:solidFill>
-                  <a:srgbClr val="527C60"/>
-                </a:solidFill>
-              </a:rPr>
-              <a:t>Glass Flow Tube</a:t>
-            </a:r>
-          </a:p>
-          <a:p>
-            <a:pPr algn="ctr"/>
-            <a:endParaRPr lang="en-US" sz="4400" b="1" dirty="0" smtClean="0">
-              <a:solidFill>
-                <a:srgbClr val="9A424A"/>
-              </a:solidFill>
-            </a:endParaRPr>
-          </a:p>
-          <a:p>
-            <a:pPr algn="ctr"/>
-            <a:endParaRPr lang="en-US" sz="4400" b="1" dirty="0">
-              <a:solidFill>
-                <a:srgbClr val="9A424A"/>
-              </a:solidFill>
-            </a:endParaRPr>
-          </a:p>
-          <a:p>
-            <a:pPr algn="ctr"/>
-            <a:endParaRPr lang="en-US" sz="4400" b="1" dirty="0" smtClean="0">
-              <a:solidFill>
-                <a:srgbClr val="9A424A"/>
-              </a:solidFill>
-            </a:endParaRPr>
-          </a:p>
-          <a:p>
-            <a:pPr algn="ctr"/>
-            <a:endParaRPr lang="en-US" sz="4400" b="1" dirty="0" smtClean="0">
-              <a:solidFill>
-                <a:srgbClr val="9A424A"/>
-              </a:solidFill>
-            </a:endParaRPr>
-          </a:p>
-          <a:p>
-            <a:pPr algn="ctr"/>
-            <a:r>
-              <a:rPr lang="en-US" sz="4400" b="1" dirty="0" smtClean="0">
-                <a:solidFill>
-                  <a:srgbClr val="9A424A"/>
-                </a:solidFill>
-              </a:rPr>
-              <a:t>Print </a:t>
-            </a:r>
-            <a:r>
-              <a:rPr lang="en-US" sz="4400" b="1" dirty="0">
-                <a:solidFill>
-                  <a:srgbClr val="9A424A"/>
-                </a:solidFill>
-              </a:rPr>
-              <a:t>head</a:t>
-            </a:r>
-          </a:p>
-          <a:p>
-            <a:pPr algn="ctr"/>
-            <a:endParaRPr lang="en-US" sz="4400" b="1" dirty="0">
-              <a:solidFill>
-                <a:srgbClr val="71A984"/>
-              </a:solidFill>
-            </a:endParaRPr>
-          </a:p>
-        </p:txBody>
-      </p:sp>
-      <p:cxnSp>
-        <p:nvCxnSpPr>
-          <p:cNvPr id="30" name="Straight Connector 29"/>
-          <p:cNvCxnSpPr/>
-          <p:nvPr/>
-        </p:nvCxnSpPr>
-        <p:spPr>
-          <a:xfrm>
-            <a:off x="15743237" y="17146307"/>
-            <a:ext cx="14020800" cy="0"/>
-          </a:xfrm>
-          <a:prstGeom prst="line">
-            <a:avLst/>
-          </a:prstGeom>
-          <a:ln w="57150">
-            <a:solidFill>
-              <a:schemeClr val="accent3">
-                <a:alpha val="63000"/>
-              </a:schemeClr>
-            </a:solidFill>
-          </a:ln>
-        </p:spPr>
-        <p:style>
-          <a:lnRef idx="3">
-            <a:schemeClr val="accent3"/>
-          </a:lnRef>
-          <a:fillRef idx="0">
-            <a:schemeClr val="accent3"/>
-          </a:fillRef>
-          <a:effectRef idx="2">
-            <a:schemeClr val="accent3"/>
-          </a:effectRef>
-          <a:fontRef idx="minor">
-            <a:schemeClr val="tx1"/>
-          </a:fontRef>
-        </p:style>
-      </p:cxnSp>
-      <p:sp>
-        <p:nvSpPr>
-          <p:cNvPr id="37" name="Rectangle 36"/>
-          <p:cNvSpPr/>
-          <p:nvPr/>
-        </p:nvSpPr>
-        <p:spPr>
-          <a:xfrm>
-            <a:off x="15855297" y="17327473"/>
-            <a:ext cx="9264737" cy="769441"/>
-          </a:xfrm>
-          <a:prstGeom prst="rect">
-            <a:avLst/>
-          </a:prstGeom>
-        </p:spPr>
-        <p:txBody>
-          <a:bodyPr wrap="square">
-            <a:spAutoFit/>
-          </a:bodyPr>
-          <a:lstStyle/>
-          <a:p>
-            <a:pPr algn="ctr"/>
-            <a:r>
-              <a:rPr lang="en-US" sz="4400" dirty="0" smtClean="0">
-                <a:solidFill>
-                  <a:schemeClr val="bg2">
-                    <a:lumMod val="25000"/>
-                  </a:schemeClr>
-                </a:solidFill>
-              </a:rPr>
-              <a:t>Droplet</a:t>
-            </a:r>
-            <a:r>
-              <a:rPr lang="en-US" sz="4400" dirty="0" smtClean="0">
-                <a:solidFill>
-                  <a:schemeClr val="bg2">
-                    <a:lumMod val="50000"/>
-                  </a:schemeClr>
-                </a:solidFill>
-              </a:rPr>
-              <a:t> </a:t>
-            </a:r>
-            <a:r>
-              <a:rPr lang="en-US" sz="4400" dirty="0" smtClean="0">
-                <a:solidFill>
-                  <a:schemeClr val="bg2">
-                    <a:lumMod val="25000"/>
-                  </a:schemeClr>
-                </a:solidFill>
-              </a:rPr>
-              <a:t>Verification</a:t>
-            </a:r>
-            <a:r>
-              <a:rPr lang="en-US" sz="4400" dirty="0" smtClean="0">
-                <a:solidFill>
-                  <a:schemeClr val="bg2">
-                    <a:lumMod val="50000"/>
-                  </a:schemeClr>
-                </a:solidFill>
-              </a:rPr>
-              <a:t> </a:t>
-            </a:r>
-            <a:endParaRPr lang="en-US" sz="4400" dirty="0">
-              <a:solidFill>
-                <a:schemeClr val="bg2">
-                  <a:lumMod val="50000"/>
-                </a:schemeClr>
-              </a:solidFill>
-            </a:endParaRPr>
-          </a:p>
-        </p:txBody>
-      </p:sp>
-      <p:sp>
-        <p:nvSpPr>
-          <p:cNvPr id="39" name="TextBox 38"/>
-          <p:cNvSpPr txBox="1"/>
-          <p:nvPr/>
-        </p:nvSpPr>
-        <p:spPr>
-          <a:xfrm>
-            <a:off x="554458" y="18349119"/>
+            <a:off x="-17846572" y="38168266"/>
             <a:ext cx="7138742" cy="1323439"/>
           </a:xfrm>
           <a:prstGeom prst="rect">
@@ -5614,14 +5991,68 @@
       </p:sp>
       <p:sp>
         <p:nvSpPr>
-          <p:cNvPr id="41" name="TextBox 40"/>
+          <p:cNvPr id="32" name="Rectangle 31"/>
+          <p:cNvSpPr/>
+          <p:nvPr/>
+        </p:nvSpPr>
+        <p:spPr>
+          <a:xfrm>
+            <a:off x="30754637" y="36691232"/>
+            <a:ext cx="3765262" cy="400110"/>
+          </a:xfrm>
+          <a:prstGeom prst="rect">
+            <a:avLst/>
+          </a:prstGeom>
+        </p:spPr>
+        <p:txBody>
+          <a:bodyPr wrap="none">
+            <a:spAutoFit/>
+          </a:bodyPr>
+          <a:lstStyle/>
+          <a:p>
+            <a:r>
+              <a:rPr lang="en-US" sz="2000" dirty="0">
+                <a:solidFill>
+                  <a:schemeClr val="accent1">
+                    <a:lumMod val="75000"/>
+                  </a:schemeClr>
+                </a:solidFill>
+              </a:rPr>
+              <a:t>http://</a:t>
+            </a:r>
+            <a:r>
+              <a:rPr lang="en-US" sz="2000" dirty="0" err="1">
+                <a:solidFill>
+                  <a:schemeClr val="accent1">
+                    <a:lumMod val="75000"/>
+                  </a:schemeClr>
+                </a:solidFill>
+              </a:rPr>
+              <a:t>www.microfab.com</a:t>
+            </a:r>
+            <a:r>
+              <a:rPr lang="en-US" sz="2000" dirty="0">
+                <a:solidFill>
+                  <a:schemeClr val="accent1">
+                    <a:lumMod val="75000"/>
+                  </a:schemeClr>
+                </a:solidFill>
+              </a:rPr>
+              <a:t>/movies</a:t>
+            </a:r>
+          </a:p>
+        </p:txBody>
+      </p:sp>
+      <p:sp>
+        <p:nvSpPr>
+          <p:cNvPr id="89" name="TextBox 88"/>
           <p:cNvSpPr txBox="1"/>
           <p:nvPr/>
         </p:nvSpPr>
         <p:spPr>
           <a:xfrm>
-            <a:off x="15781906" y="18188838"/>
-            <a:ext cx="9338127" cy="707886"/>
+            <a:off x="396557" y="31300743"/>
+            <a:ext cx="7010401" cy="1800493"/>
           </a:xfrm>
           <a:prstGeom prst="rect">
             <a:avLst/>
@@ -5634,17 +6065,358 @@
           </a:bodyPr>
           <a:lstStyle/>
           <a:p>
-            <a:r>
-              <a:rPr lang="en-US" sz="4000" dirty="0" smtClean="0">
+            <a:pPr marL="242888" indent="-242888">
+              <a:buFont typeface="Arial" charset="0"/>
+              <a:buChar char="•"/>
+            </a:pPr>
+            <a:r>
+              <a:rPr lang="en-US" sz="3700" dirty="0"/>
+              <a:t>Metrology camera images capture droplet glares illuminated by instrument laser</a:t>
+            </a:r>
+          </a:p>
+        </p:txBody>
+      </p:sp>
+      <p:sp>
+        <p:nvSpPr>
+          <p:cNvPr id="90" name="TextBox 89"/>
+          <p:cNvSpPr txBox="1"/>
+          <p:nvPr/>
+        </p:nvSpPr>
+        <p:spPr>
+          <a:xfrm>
+            <a:off x="396557" y="33183519"/>
+            <a:ext cx="4391511" cy="2939266"/>
+          </a:xfrm>
+          <a:prstGeom prst="rect">
+            <a:avLst/>
+          </a:prstGeom>
+          <a:noFill/>
+        </p:spPr>
+        <p:txBody>
+          <a:bodyPr wrap="square" rtlCol="0">
+            <a:spAutoFit/>
+          </a:bodyPr>
+          <a:lstStyle/>
+          <a:p>
+            <a:pPr marL="242888" indent="-242888">
+              <a:buFont typeface="Arial" charset="0"/>
+              <a:buChar char="•"/>
+            </a:pPr>
+            <a:r>
+              <a:rPr lang="en-US" sz="3700" dirty="0" smtClean="0"/>
+              <a:t>Characteristics calculable using distance/pixel conversion and camera geometry</a:t>
+            </a:r>
+            <a:endParaRPr lang="en-US" sz="3700" dirty="0"/>
+          </a:p>
+        </p:txBody>
+      </p:sp>
+      <p:sp>
+        <p:nvSpPr>
+          <p:cNvPr id="34" name="Rectangle 33"/>
+          <p:cNvSpPr/>
+          <p:nvPr/>
+        </p:nvSpPr>
+        <p:spPr>
+          <a:xfrm>
+            <a:off x="-15879763" y="13319919"/>
+            <a:ext cx="6246335" cy="1631216"/>
+          </a:xfrm>
+          <a:prstGeom prst="rect">
+            <a:avLst/>
+          </a:prstGeom>
+        </p:spPr>
+        <p:txBody>
+          <a:bodyPr wrap="square">
+            <a:spAutoFit/>
+          </a:bodyPr>
+          <a:lstStyle/>
+          <a:p>
+            <a:pPr marL="304800" indent="-304800"/>
+            <a:r>
+              <a:rPr lang="en-US" sz="2000" dirty="0" smtClean="0">
+                <a:solidFill>
+                  <a:schemeClr val="accent1">
+                    <a:lumMod val="75000"/>
+                  </a:schemeClr>
+                </a:solidFill>
+              </a:rPr>
+              <a:t>Korolev, A. V., S. V. </a:t>
+            </a:r>
+            <a:r>
+              <a:rPr lang="en-US" sz="2000" dirty="0" err="1" smtClean="0">
+                <a:solidFill>
+                  <a:schemeClr val="accent1">
+                    <a:lumMod val="75000"/>
+                  </a:schemeClr>
+                </a:solidFill>
+              </a:rPr>
+              <a:t>Kuznetsov</a:t>
+            </a:r>
+            <a:r>
+              <a:rPr lang="en-US" sz="2000" dirty="0" smtClean="0">
+                <a:solidFill>
+                  <a:schemeClr val="accent1">
+                    <a:lumMod val="75000"/>
+                  </a:schemeClr>
+                </a:solidFill>
+              </a:rPr>
+              <a:t>, Y. E. Makarov, and V. S. </a:t>
+            </a:r>
+            <a:r>
+              <a:rPr lang="en-US" sz="2000" dirty="0" err="1" smtClean="0">
+                <a:solidFill>
+                  <a:schemeClr val="accent1">
+                    <a:lumMod val="75000"/>
+                  </a:schemeClr>
+                </a:solidFill>
+              </a:rPr>
+              <a:t>Novikov</a:t>
+            </a:r>
+            <a:r>
+              <a:rPr lang="en-US" sz="2000" dirty="0" smtClean="0">
+                <a:solidFill>
+                  <a:schemeClr val="accent1">
+                    <a:lumMod val="75000"/>
+                  </a:schemeClr>
+                </a:solidFill>
+              </a:rPr>
+              <a:t>, 1991: Evaluation of measurements of particle size and sample area from optical array probes. </a:t>
+            </a:r>
+            <a:r>
+              <a:rPr lang="en-US" sz="2000" i="1" dirty="0" smtClean="0">
+                <a:solidFill>
+                  <a:schemeClr val="accent1">
+                    <a:lumMod val="75000"/>
+                  </a:schemeClr>
+                </a:solidFill>
+              </a:rPr>
+              <a:t>J. Atmos. Ocean. Technol.</a:t>
+            </a:r>
+            <a:r>
+              <a:rPr lang="en-US" sz="2000" dirty="0" smtClean="0">
+                <a:solidFill>
+                  <a:schemeClr val="accent1">
+                    <a:lumMod val="75000"/>
+                  </a:schemeClr>
+                </a:solidFill>
+              </a:rPr>
+              <a:t>, </a:t>
+            </a:r>
+            <a:r>
+              <a:rPr lang="en-US" sz="2000" b="1" dirty="0" smtClean="0">
+                <a:solidFill>
+                  <a:schemeClr val="accent1">
+                    <a:lumMod val="75000"/>
+                  </a:schemeClr>
+                </a:solidFill>
+              </a:rPr>
+              <a:t>8</a:t>
+            </a:r>
+            <a:r>
+              <a:rPr lang="en-US" sz="2000" dirty="0" smtClean="0">
+                <a:solidFill>
+                  <a:schemeClr val="accent1">
+                    <a:lumMod val="75000"/>
+                  </a:schemeClr>
+                </a:solidFill>
+              </a:rPr>
+              <a:t>, 514–522, doi:10.1175/1520-0426(1991)008&lt;0514:EOMOPS&gt;2.0.CO;2.</a:t>
+            </a:r>
+            <a:endParaRPr lang="en-US" sz="2000" dirty="0">
+              <a:solidFill>
+                <a:schemeClr val="accent1">
+                  <a:lumMod val="75000"/>
+                </a:schemeClr>
+              </a:solidFill>
+              <a:effectLst/>
+            </a:endParaRPr>
+          </a:p>
+        </p:txBody>
+      </p:sp>
+      <p:sp>
+        <p:nvSpPr>
+          <p:cNvPr id="91" name="TextBox 90"/>
+          <p:cNvSpPr txBox="1"/>
+          <p:nvPr/>
+        </p:nvSpPr>
+        <p:spPr>
+          <a:xfrm>
+            <a:off x="576390" y="9128919"/>
+            <a:ext cx="5489447" cy="6093976"/>
+          </a:xfrm>
+          <a:prstGeom prst="rect">
+            <a:avLst/>
+          </a:prstGeom>
+          <a:noFill/>
+        </p:spPr>
+        <p:txBody>
+          <a:bodyPr wrap="square" rtlCol="0">
+            <a:spAutoFit/>
+          </a:bodyPr>
+          <a:lstStyle/>
+          <a:p>
+            <a:r>
+              <a:rPr lang="en-US" sz="3900" dirty="0"/>
+              <a:t>polystyrene latex spheres; both of which exhibit poor sizing precision and refractive index complications. </a:t>
+            </a:r>
+            <a:r>
+              <a:rPr lang="en-US" sz="3900" dirty="0" smtClean="0"/>
+              <a:t>Typical calibration </a:t>
+            </a:r>
+            <a:r>
+              <a:rPr lang="en-US" sz="3900" dirty="0"/>
+              <a:t>devices </a:t>
+            </a:r>
+            <a:r>
+              <a:rPr lang="en-US" sz="3900" dirty="0" smtClean="0"/>
+              <a:t>also lack </a:t>
+            </a:r>
+            <a:r>
+              <a:rPr lang="en-US" sz="3900" dirty="0"/>
+              <a:t>the precision required for detailed performance </a:t>
+            </a:r>
+            <a:r>
+              <a:rPr lang="en-US" sz="3900" dirty="0" smtClean="0"/>
+              <a:t>investigations.</a:t>
+            </a:r>
+            <a:endParaRPr lang="en-US" sz="3900" dirty="0"/>
+          </a:p>
+        </p:txBody>
+      </p:sp>
+      <p:sp>
+        <p:nvSpPr>
+          <p:cNvPr id="92" name="Rectangle 91"/>
+          <p:cNvSpPr/>
+          <p:nvPr/>
+        </p:nvSpPr>
+        <p:spPr>
+          <a:xfrm>
+            <a:off x="6218237" y="9565657"/>
+            <a:ext cx="4145279" cy="3886200"/>
+          </a:xfrm>
+          <a:prstGeom prst="rect">
+            <a:avLst/>
+          </a:prstGeom>
+          <a:solidFill>
+            <a:schemeClr val="accent2">
+              <a:lumMod val="40000"/>
+              <a:lumOff val="60000"/>
+            </a:schemeClr>
+          </a:solidFill>
+        </p:spPr>
+        <p:style>
+          <a:lnRef idx="2">
+            <a:schemeClr val="accent1">
+              <a:shade val="50000"/>
+            </a:schemeClr>
+          </a:lnRef>
+          <a:fillRef idx="1">
+            <a:schemeClr val="accent1"/>
+          </a:fillRef>
+          <a:effectRef idx="0">
+            <a:schemeClr val="accent1"/>
+          </a:effectRef>
+          <a:fontRef idx="minor">
+            <a:schemeClr val="lt1"/>
+          </a:fontRef>
+        </p:style>
+        <p:txBody>
+          <a:bodyPr rtlCol="0" anchor="ctr"/>
+          <a:lstStyle/>
+          <a:p>
+            <a:pPr algn="ctr"/>
+            <a:r>
+              <a:rPr lang="en-US" dirty="0" smtClean="0"/>
+              <a:t>Probe Image</a:t>
+            </a:r>
+            <a:endParaRPr lang="en-US" dirty="0"/>
+          </a:p>
+        </p:txBody>
+      </p:sp>
+      <p:sp>
+        <p:nvSpPr>
+          <p:cNvPr id="93" name="Rectangle 92"/>
+          <p:cNvSpPr/>
+          <p:nvPr/>
+        </p:nvSpPr>
+        <p:spPr>
+          <a:xfrm>
+            <a:off x="10500675" y="9565657"/>
+            <a:ext cx="4145279" cy="3886200"/>
+          </a:xfrm>
+          <a:prstGeom prst="rect">
+            <a:avLst/>
+          </a:prstGeom>
+          <a:solidFill>
+            <a:schemeClr val="accent2">
+              <a:lumMod val="40000"/>
+              <a:lumOff val="60000"/>
+            </a:schemeClr>
+          </a:solidFill>
+        </p:spPr>
+        <p:style>
+          <a:lnRef idx="2">
+            <a:schemeClr val="accent1">
+              <a:shade val="50000"/>
+            </a:schemeClr>
+          </a:lnRef>
+          <a:fillRef idx="1">
+            <a:schemeClr val="accent1"/>
+          </a:fillRef>
+          <a:effectRef idx="0">
+            <a:schemeClr val="accent1"/>
+          </a:effectRef>
+          <a:fontRef idx="minor">
+            <a:schemeClr val="lt1"/>
+          </a:fontRef>
+        </p:style>
+        <p:txBody>
+          <a:bodyPr rtlCol="0" anchor="ctr"/>
+          <a:lstStyle/>
+          <a:p>
+            <a:pPr algn="ctr"/>
+            <a:r>
+              <a:rPr lang="en-US"/>
+              <a:t>Probe Image</a:t>
+            </a:r>
+            <a:endParaRPr lang="en-US" dirty="0"/>
+          </a:p>
+        </p:txBody>
+      </p:sp>
+      <p:sp>
+        <p:nvSpPr>
+          <p:cNvPr id="94" name="TextBox 93"/>
+          <p:cNvSpPr txBox="1"/>
+          <p:nvPr/>
+        </p:nvSpPr>
+        <p:spPr>
+          <a:xfrm>
+            <a:off x="6201313" y="13639917"/>
+            <a:ext cx="8322724" cy="553998"/>
+          </a:xfrm>
+          <a:prstGeom prst="rect">
+            <a:avLst/>
+          </a:prstGeom>
+          <a:noFill/>
+        </p:spPr>
+        <p:txBody>
+          <a:bodyPr wrap="square" rtlCol="0">
+            <a:spAutoFit/>
+          </a:bodyPr>
+          <a:lstStyle/>
+          <a:p>
+            <a:pPr algn="ctr"/>
+            <a:r>
+              <a:rPr lang="en-US" sz="3000" i="1" dirty="0" smtClean="0">
                 <a:solidFill>
                   <a:schemeClr val="accent2">
                     <a:lumMod val="75000"/>
                   </a:schemeClr>
                 </a:solidFill>
               </a:rPr>
-              <a:t>**Overview of streaks technique** </a:t>
-            </a:r>
-            <a:endParaRPr lang="en-US" sz="4000" dirty="0">
+              <a:t>**Probe image captions**</a:t>
+            </a:r>
+            <a:endParaRPr lang="en-US" sz="3000" i="1" dirty="0">
               <a:solidFill>
                 <a:schemeClr val="accent2">
                   <a:lumMod val="75000"/>
@@ -5656,14 +6428,14 @@
       </p:sp>
       <p:sp>
         <p:nvSpPr>
-          <p:cNvPr id="43" name="Rectangle 42"/>
+          <p:cNvPr id="95" name="Rectangle 94"/>
           <p:cNvSpPr/>
           <p:nvPr/>
         </p:nvSpPr>
         <p:spPr>
           <a:xfrm>
-            <a:off x="-7116763" y="4748171"/>
-            <a:ext cx="6754246" cy="1446550"/>
+            <a:off x="7679557" y="28812827"/>
+            <a:ext cx="6615880" cy="1323439"/>
           </a:xfrm>
           <a:prstGeom prst="rect">
             <a:avLst/>
@@ -5676,57 +6448,6 @@
           <a:lstStyle/>
           <a:p>
             <a:r>
-              <a:rPr lang="en-US" sz="4400" dirty="0" err="1" smtClean="0">
-                <a:solidFill>
-                  <a:schemeClr val="accent1">
-                    <a:lumMod val="75000"/>
-                  </a:schemeClr>
-                </a:solidFill>
-              </a:rPr>
-              <a:t>Dropgen</a:t>
-            </a:r>
-            <a:r>
-              <a:rPr lang="en-US" sz="4400" dirty="0" smtClean="0">
-                <a:solidFill>
-                  <a:schemeClr val="accent1">
-                    <a:lumMod val="75000"/>
-                  </a:schemeClr>
-                </a:solidFill>
-              </a:rPr>
-              <a:t> specific background</a:t>
-            </a:r>
-            <a:endParaRPr lang="en-US" sz="4400" dirty="0">
-              <a:solidFill>
-                <a:schemeClr val="accent1">
-                  <a:lumMod val="75000"/>
-                </a:schemeClr>
-              </a:solidFill>
-            </a:endParaRPr>
-          </a:p>
-        </p:txBody>
-      </p:sp>
-      <p:sp>
-        <p:nvSpPr>
-          <p:cNvPr id="4" name="Rectangle 3"/>
-          <p:cNvSpPr/>
-          <p:nvPr/>
-        </p:nvSpPr>
-        <p:spPr>
-          <a:xfrm>
-            <a:off x="-8841035" y="20385415"/>
-            <a:ext cx="7820272" cy="1323439"/>
-          </a:xfrm>
-          <a:prstGeom prst="rect">
-            <a:avLst/>
-          </a:prstGeom>
-        </p:spPr>
-        <p:txBody>
-          <a:bodyPr wrap="square">
-            <a:spAutoFit/>
-          </a:bodyPr>
-          <a:lstStyle/>
-          <a:p>
-            <a:r>
               <a:rPr lang="en-US" sz="4000" dirty="0" smtClean="0">
                 <a:solidFill>
                   <a:schemeClr val="accent2">
@@ -5734,60 +6455,7 @@
                   </a:schemeClr>
                 </a:solidFill>
               </a:rPr>
-              <a:t>Swap out photo with something more relevant</a:t>
-            </a:r>
-            <a:endParaRPr lang="en-US" sz="4000" dirty="0">
-              <a:solidFill>
-                <a:schemeClr val="accent2">
-                  <a:lumMod val="75000"/>
-                </a:schemeClr>
-              </a:solidFill>
-            </a:endParaRPr>
-          </a:p>
-        </p:txBody>
-      </p:sp>
-      <p:sp>
-        <p:nvSpPr>
-          <p:cNvPr id="46" name="Rectangle 45"/>
-          <p:cNvSpPr/>
-          <p:nvPr/>
-        </p:nvSpPr>
-        <p:spPr>
-          <a:xfrm>
-            <a:off x="32095440" y="41364121"/>
-            <a:ext cx="7820272" cy="1323439"/>
-          </a:xfrm>
-          <a:prstGeom prst="rect">
-            <a:avLst/>
-          </a:prstGeom>
-        </p:spPr>
-        <p:txBody>
-          <a:bodyPr wrap="square">
-            <a:spAutoFit/>
-          </a:bodyPr>
-          <a:lstStyle/>
-          <a:p>
-            <a:r>
-              <a:rPr lang="en-US" sz="4000" dirty="0" smtClean="0">
-                <a:solidFill>
-                  <a:schemeClr val="accent2">
-                    <a:lumMod val="75000"/>
-                  </a:schemeClr>
-                </a:solidFill>
-              </a:rPr>
-              <a:t>**Acknowledge DMT**</a:t>
-            </a:r>
-          </a:p>
-          <a:p>
-            <a:r>
-              <a:rPr lang="en-US" sz="4000" dirty="0" smtClean="0">
-                <a:solidFill>
-                  <a:schemeClr val="accent2">
-                    <a:lumMod val="75000"/>
-                  </a:schemeClr>
-                </a:solidFill>
-              </a:rPr>
-              <a:t>**(no grant)** </a:t>
+              <a:t>**Critical Orifice/Ionizer/Print Head info?**</a:t>
             </a:r>
             <a:endParaRPr lang="en-US" sz="4000" dirty="0">
               <a:solidFill>
